--- a/presentation/temi_slide.pptx
+++ b/presentation/temi_slide.pptx
@@ -6,14 +6,15 @@
   </p:sldMasterIdLst>
   <p:sldIdLst>
     <p:sldId id="256" r:id="rId2"/>
-    <p:sldId id="257" r:id="rId3"/>
-    <p:sldId id="259" r:id="rId4"/>
-    <p:sldId id="258" r:id="rId5"/>
-    <p:sldId id="260" r:id="rId6"/>
-    <p:sldId id="263" r:id="rId7"/>
-    <p:sldId id="261" r:id="rId8"/>
-    <p:sldId id="262" r:id="rId9"/>
-    <p:sldId id="264" r:id="rId10"/>
+    <p:sldId id="259" r:id="rId3"/>
+    <p:sldId id="258" r:id="rId4"/>
+    <p:sldId id="257" r:id="rId5"/>
+    <p:sldId id="269" r:id="rId6"/>
+    <p:sldId id="266" r:id="rId7"/>
+    <p:sldId id="265" r:id="rId8"/>
+    <p:sldId id="268" r:id="rId9"/>
+    <p:sldId id="260" r:id="rId10"/>
+    <p:sldId id="264" r:id="rId11"/>
   </p:sldIdLst>
   <p:sldSz cx="12192000" cy="6858000"/>
   <p:notesSz cx="6858000" cy="9144000"/>
@@ -269,7 +270,7 @@
           <a:p>
             <a:fld id="{1278ACF4-21FA-4A73-8CB7-C20A3418D8DE}" type="datetimeFigureOut">
               <a:rPr lang="en-GB" smtClean="0"/>
-              <a:t>20/07/2020</a:t>
+              <a:t>15/08/2020</a:t>
             </a:fld>
             <a:endParaRPr lang="en-GB"/>
           </a:p>
@@ -469,7 +470,7 @@
           <a:p>
             <a:fld id="{1278ACF4-21FA-4A73-8CB7-C20A3418D8DE}" type="datetimeFigureOut">
               <a:rPr lang="en-GB" smtClean="0"/>
-              <a:t>20/07/2020</a:t>
+              <a:t>15/08/2020</a:t>
             </a:fld>
             <a:endParaRPr lang="en-GB"/>
           </a:p>
@@ -679,7 +680,7 @@
           <a:p>
             <a:fld id="{1278ACF4-21FA-4A73-8CB7-C20A3418D8DE}" type="datetimeFigureOut">
               <a:rPr lang="en-GB" smtClean="0"/>
-              <a:t>20/07/2020</a:t>
+              <a:t>15/08/2020</a:t>
             </a:fld>
             <a:endParaRPr lang="en-GB"/>
           </a:p>
@@ -879,7 +880,7 @@
           <a:p>
             <a:fld id="{1278ACF4-21FA-4A73-8CB7-C20A3418D8DE}" type="datetimeFigureOut">
               <a:rPr lang="en-GB" smtClean="0"/>
-              <a:t>20/07/2020</a:t>
+              <a:t>15/08/2020</a:t>
             </a:fld>
             <a:endParaRPr lang="en-GB"/>
           </a:p>
@@ -1155,7 +1156,7 @@
           <a:p>
             <a:fld id="{1278ACF4-21FA-4A73-8CB7-C20A3418D8DE}" type="datetimeFigureOut">
               <a:rPr lang="en-GB" smtClean="0"/>
-              <a:t>20/07/2020</a:t>
+              <a:t>15/08/2020</a:t>
             </a:fld>
             <a:endParaRPr lang="en-GB"/>
           </a:p>
@@ -1423,7 +1424,7 @@
           <a:p>
             <a:fld id="{1278ACF4-21FA-4A73-8CB7-C20A3418D8DE}" type="datetimeFigureOut">
               <a:rPr lang="en-GB" smtClean="0"/>
-              <a:t>20/07/2020</a:t>
+              <a:t>15/08/2020</a:t>
             </a:fld>
             <a:endParaRPr lang="en-GB"/>
           </a:p>
@@ -1838,7 +1839,7 @@
           <a:p>
             <a:fld id="{1278ACF4-21FA-4A73-8CB7-C20A3418D8DE}" type="datetimeFigureOut">
               <a:rPr lang="en-GB" smtClean="0"/>
-              <a:t>20/07/2020</a:t>
+              <a:t>15/08/2020</a:t>
             </a:fld>
             <a:endParaRPr lang="en-GB"/>
           </a:p>
@@ -1980,7 +1981,7 @@
           <a:p>
             <a:fld id="{1278ACF4-21FA-4A73-8CB7-C20A3418D8DE}" type="datetimeFigureOut">
               <a:rPr lang="en-GB" smtClean="0"/>
-              <a:t>20/07/2020</a:t>
+              <a:t>15/08/2020</a:t>
             </a:fld>
             <a:endParaRPr lang="en-GB"/>
           </a:p>
@@ -2093,7 +2094,7 @@
           <a:p>
             <a:fld id="{1278ACF4-21FA-4A73-8CB7-C20A3418D8DE}" type="datetimeFigureOut">
               <a:rPr lang="en-GB" smtClean="0"/>
-              <a:t>20/07/2020</a:t>
+              <a:t>15/08/2020</a:t>
             </a:fld>
             <a:endParaRPr lang="en-GB"/>
           </a:p>
@@ -2406,7 +2407,7 @@
           <a:p>
             <a:fld id="{1278ACF4-21FA-4A73-8CB7-C20A3418D8DE}" type="datetimeFigureOut">
               <a:rPr lang="en-GB" smtClean="0"/>
-              <a:t>20/07/2020</a:t>
+              <a:t>15/08/2020</a:t>
             </a:fld>
             <a:endParaRPr lang="en-GB"/>
           </a:p>
@@ -2695,7 +2696,7 @@
           <a:p>
             <a:fld id="{1278ACF4-21FA-4A73-8CB7-C20A3418D8DE}" type="datetimeFigureOut">
               <a:rPr lang="en-GB" smtClean="0"/>
-              <a:t>20/07/2020</a:t>
+              <a:t>15/08/2020</a:t>
             </a:fld>
             <a:endParaRPr lang="en-GB"/>
           </a:p>
@@ -2938,7 +2939,7 @@
           <a:p>
             <a:fld id="{1278ACF4-21FA-4A73-8CB7-C20A3418D8DE}" type="datetimeFigureOut">
               <a:rPr lang="en-GB" smtClean="0"/>
-              <a:t>20/07/2020</a:t>
+              <a:t>15/08/2020</a:t>
             </a:fld>
             <a:endParaRPr lang="en-GB"/>
           </a:p>
@@ -3341,6 +3342,14 @@
 <file path=ppt/slides/slide1.xml><?xml version="1.0" encoding="utf-8"?>
 <p:sld xmlns:a="http://schemas.openxmlformats.org/drawingml/2006/main" xmlns:r="http://schemas.openxmlformats.org/officeDocument/2006/relationships" xmlns:p="http://schemas.openxmlformats.org/presentationml/2006/main">
   <p:cSld>
+    <p:bg>
+      <p:bgPr>
+        <a:solidFill>
+          <a:schemeClr val="bg1"/>
+        </a:solidFill>
+        <a:effectLst/>
+      </p:bgPr>
+    </p:bg>
     <p:spTree>
       <p:nvGrpSpPr>
         <p:cNvPr id="1" name=""/>
@@ -3355,6 +3364,187 @@
           <a:chExt cx="0" cy="0"/>
         </a:xfrm>
       </p:grpSpPr>
+      <p:sp useBgFill="1">
+        <p:nvSpPr>
+          <p:cNvPr id="17" name="Rectangle 9">
+            <a:extLst>
+              <a:ext uri="{FF2B5EF4-FFF2-40B4-BE49-F238E27FC236}">
+                <a16:creationId xmlns:a16="http://schemas.microsoft.com/office/drawing/2014/main" id="{8FC9BE17-9A7B-462D-AE50-3D8777387304}"/>
+              </a:ext>
+              <a:ext uri="{C183D7F6-B498-43B3-948B-1728B52AA6E4}">
+                <adec:decorative xmlns:adec="http://schemas.microsoft.com/office/drawing/2017/decorative" val="1"/>
+              </a:ext>
+            </a:extLst>
+          </p:cNvPr>
+          <p:cNvSpPr>
+            <a:spLocks noGrp="1" noRot="1" noChangeAspect="1" noMove="1" noResize="1" noEditPoints="1" noAdjustHandles="1" noChangeArrowheads="1" noChangeShapeType="1" noTextEdit="1"/>
+          </p:cNvSpPr>
+          <p:nvPr>
+            <p:extLst>
+              <p:ext uri="{386F3935-93C4-4BCD-93E2-E3B085C9AB24}">
+                <p16:designElem xmlns:p16="http://schemas.microsoft.com/office/powerpoint/2015/main" val="1"/>
+              </p:ext>
+            </p:extLst>
+          </p:nvPr>
+        </p:nvSpPr>
+        <p:spPr>
+          <a:xfrm>
+            <a:off x="0" y="0"/>
+            <a:ext cx="12192000" cy="6858000"/>
+          </a:xfrm>
+          <a:prstGeom prst="rect">
+            <a:avLst/>
+          </a:prstGeom>
+          <a:ln>
+            <a:noFill/>
+          </a:ln>
+        </p:spPr>
+        <p:style>
+          <a:lnRef idx="2">
+            <a:schemeClr val="accent1">
+              <a:shade val="50000"/>
+            </a:schemeClr>
+          </a:lnRef>
+          <a:fillRef idx="1">
+            <a:schemeClr val="accent1"/>
+          </a:fillRef>
+          <a:effectRef idx="0">
+            <a:schemeClr val="accent1"/>
+          </a:effectRef>
+          <a:fontRef idx="minor">
+            <a:schemeClr val="lt1"/>
+          </a:fontRef>
+        </p:style>
+        <p:txBody>
+          <a:bodyPr rtlCol="0" anchor="ctr"/>
+          <a:lstStyle/>
+          <a:p>
+            <a:pPr algn="ctr"/>
+            <a:endParaRPr lang="en-US"/>
+          </a:p>
+        </p:txBody>
+      </p:sp>
+      <p:pic>
+        <p:nvPicPr>
+          <p:cNvPr id="3" name="Picture 2" descr="A person wearing a suit and tie&#10;&#10;Description automatically generated">
+            <a:extLst>
+              <a:ext uri="{FF2B5EF4-FFF2-40B4-BE49-F238E27FC236}">
+                <a16:creationId xmlns:a16="http://schemas.microsoft.com/office/drawing/2014/main" id="{8DE834D2-68D6-489F-98FD-9C73E1CB511C}"/>
+              </a:ext>
+            </a:extLst>
+          </p:cNvPr>
+          <p:cNvPicPr>
+            <a:picLocks noChangeAspect="1"/>
+          </p:cNvPicPr>
+          <p:nvPr/>
+        </p:nvPicPr>
+        <p:blipFill rotWithShape="1">
+          <a:blip r:embed="rId2">
+            <a:extLst>
+              <a:ext uri="{28A0092B-C50C-407E-A947-70E740481C1C}">
+                <a14:useLocalDpi xmlns:a14="http://schemas.microsoft.com/office/drawing/2010/main" val="0"/>
+              </a:ext>
+            </a:extLst>
+          </a:blip>
+          <a:srcRect t="2212" r="9092" b="43848"/>
+          <a:stretch/>
+        </p:blipFill>
+        <p:spPr>
+          <a:xfrm>
+            <a:off x="3523488" y="10"/>
+            <a:ext cx="8668512" cy="6857990"/>
+          </a:xfrm>
+          <a:prstGeom prst="rect">
+            <a:avLst/>
+          </a:prstGeom>
+        </p:spPr>
+      </p:pic>
+      <p:sp>
+        <p:nvSpPr>
+          <p:cNvPr id="18" name="Rectangle 11">
+            <a:extLst>
+              <a:ext uri="{FF2B5EF4-FFF2-40B4-BE49-F238E27FC236}">
+                <a16:creationId xmlns:a16="http://schemas.microsoft.com/office/drawing/2014/main" id="{3EBE8569-6AEC-4B8C-8D53-2DE337CDBA65}"/>
+              </a:ext>
+              <a:ext uri="{C183D7F6-B498-43B3-948B-1728B52AA6E4}">
+                <adec:decorative xmlns:adec="http://schemas.microsoft.com/office/drawing/2017/decorative" val="1"/>
+              </a:ext>
+            </a:extLst>
+          </p:cNvPr>
+          <p:cNvSpPr>
+            <a:spLocks noGrp="1" noRot="1" noChangeAspect="1" noMove="1" noResize="1" noEditPoints="1" noAdjustHandles="1" noChangeArrowheads="1" noChangeShapeType="1" noTextEdit="1"/>
+          </p:cNvSpPr>
+          <p:nvPr>
+            <p:extLst>
+              <p:ext uri="{386F3935-93C4-4BCD-93E2-E3B085C9AB24}">
+                <p16:designElem xmlns:p16="http://schemas.microsoft.com/office/powerpoint/2015/main" val="1"/>
+              </p:ext>
+            </p:extLst>
+          </p:nvPr>
+        </p:nvSpPr>
+        <p:spPr>
+          <a:xfrm>
+            <a:off x="2" y="0"/>
+            <a:ext cx="9756601" cy="6858000"/>
+          </a:xfrm>
+          <a:prstGeom prst="rect">
+            <a:avLst/>
+          </a:prstGeom>
+          <a:gradFill>
+            <a:gsLst>
+              <a:gs pos="58000">
+                <a:schemeClr val="bg1"/>
+              </a:gs>
+              <a:gs pos="35000">
+                <a:schemeClr val="bg1">
+                  <a:alpha val="78000"/>
+                </a:schemeClr>
+              </a:gs>
+              <a:gs pos="19000">
+                <a:schemeClr val="bg1">
+                  <a:alpha val="38000"/>
+                </a:schemeClr>
+              </a:gs>
+              <a:gs pos="0">
+                <a:schemeClr val="bg1">
+                  <a:alpha val="0"/>
+                </a:schemeClr>
+              </a:gs>
+              <a:gs pos="100000">
+                <a:schemeClr val="bg1"/>
+              </a:gs>
+            </a:gsLst>
+            <a:lin ang="10800000" scaled="0"/>
+          </a:gradFill>
+          <a:ln>
+            <a:noFill/>
+          </a:ln>
+        </p:spPr>
+        <p:style>
+          <a:lnRef idx="2">
+            <a:schemeClr val="accent1">
+              <a:shade val="50000"/>
+            </a:schemeClr>
+          </a:lnRef>
+          <a:fillRef idx="1">
+            <a:schemeClr val="accent1"/>
+          </a:fillRef>
+          <a:effectRef idx="0">
+            <a:schemeClr val="accent1"/>
+          </a:effectRef>
+          <a:fontRef idx="minor">
+            <a:schemeClr val="lt1"/>
+          </a:fontRef>
+        </p:style>
+        <p:txBody>
+          <a:bodyPr rtlCol="0" anchor="ctr"/>
+          <a:lstStyle/>
+          <a:p>
+            <a:pPr algn="ctr"/>
+            <a:endParaRPr lang="en-US" dirty="0"/>
+          </a:p>
+        </p:txBody>
+      </p:sp>
       <p:sp>
         <p:nvSpPr>
           <p:cNvPr id="4" name="Title 3">
@@ -3371,13 +3561,20 @@
             <p:ph type="title"/>
           </p:nvPr>
         </p:nvSpPr>
-        <p:spPr/>
-        <p:txBody>
-          <a:bodyPr/>
-          <a:lstStyle/>
-          <a:p>
-            <a:r>
-              <a:rPr lang="en-GB" dirty="0"/>
+        <p:spPr>
+          <a:xfrm>
+            <a:off x="371094" y="1161288"/>
+            <a:ext cx="3438144" cy="1124712"/>
+          </a:xfrm>
+        </p:spPr>
+        <p:txBody>
+          <a:bodyPr anchor="b">
+            <a:normAutofit/>
+          </a:bodyPr>
+          <a:lstStyle/>
+          <a:p>
+            <a:r>
+              <a:rPr lang="en-GB" sz="2600"/>
               <a:t> About me – Dr Temitope Sam-Odusina</a:t>
             </a:r>
           </a:p>
@@ -3385,6 +3582,169 @@
       </p:sp>
       <p:sp>
         <p:nvSpPr>
+          <p:cNvPr id="19" name="Rectangle 13">
+            <a:extLst>
+              <a:ext uri="{FF2B5EF4-FFF2-40B4-BE49-F238E27FC236}">
+                <a16:creationId xmlns:a16="http://schemas.microsoft.com/office/drawing/2014/main" id="{55D4142C-5077-457F-A6AD-3FECFDB39685}"/>
+              </a:ext>
+              <a:ext uri="{C183D7F6-B498-43B3-948B-1728B52AA6E4}">
+                <adec:decorative xmlns:adec="http://schemas.microsoft.com/office/drawing/2017/decorative" val="1"/>
+              </a:ext>
+            </a:extLst>
+          </p:cNvPr>
+          <p:cNvSpPr>
+            <a:spLocks noGrp="1" noRot="1" noChangeAspect="1" noMove="1" noResize="1" noEditPoints="1" noAdjustHandles="1" noChangeArrowheads="1" noChangeShapeType="1" noTextEdit="1"/>
+          </p:cNvSpPr>
+          <p:nvPr>
+            <p:extLst>
+              <p:ext uri="{386F3935-93C4-4BCD-93E2-E3B085C9AB24}">
+                <p16:designElem xmlns:p16="http://schemas.microsoft.com/office/powerpoint/2015/main" val="1"/>
+              </p:ext>
+            </p:extLst>
+          </p:nvPr>
+        </p:nvSpPr>
+        <p:spPr>
+          <a:xfrm rot="5400000">
+            <a:off x="662559" y="605790"/>
+            <a:ext cx="73152" cy="548640"/>
+          </a:xfrm>
+          <a:prstGeom prst="rect">
+            <a:avLst/>
+          </a:prstGeom>
+          <a:solidFill>
+            <a:schemeClr val="accent2"/>
+          </a:solidFill>
+          <a:ln>
+            <a:noFill/>
+          </a:ln>
+        </p:spPr>
+        <p:style>
+          <a:lnRef idx="2">
+            <a:schemeClr val="accent1">
+              <a:shade val="50000"/>
+            </a:schemeClr>
+          </a:lnRef>
+          <a:fillRef idx="1">
+            <a:schemeClr val="accent1"/>
+          </a:fillRef>
+          <a:effectRef idx="0">
+            <a:schemeClr val="accent1"/>
+          </a:effectRef>
+          <a:fontRef idx="minor">
+            <a:schemeClr val="lt1"/>
+          </a:fontRef>
+        </p:style>
+        <p:txBody>
+          <a:bodyPr rtlCol="0" anchor="ctr"/>
+          <a:lstStyle/>
+          <a:p>
+            <a:pPr algn="ctr"/>
+            <a:endParaRPr lang="en-US">
+              <a:solidFill>
+                <a:prstClr val="white"/>
+              </a:solidFill>
+              <a:latin typeface="Calibri" panose="020F0502020204030204"/>
+            </a:endParaRPr>
+          </a:p>
+        </p:txBody>
+      </p:sp>
+      <p:sp>
+        <p:nvSpPr>
+          <p:cNvPr id="16" name="Rectangle 15">
+            <a:extLst>
+              <a:ext uri="{FF2B5EF4-FFF2-40B4-BE49-F238E27FC236}">
+                <a16:creationId xmlns:a16="http://schemas.microsoft.com/office/drawing/2014/main" id="{7A5F0580-5EE9-419F-96EE-B6529EF6E7D0}"/>
+              </a:ext>
+              <a:ext uri="{C183D7F6-B498-43B3-948B-1728B52AA6E4}">
+                <adec:decorative xmlns:adec="http://schemas.microsoft.com/office/drawing/2017/decorative" val="1"/>
+              </a:ext>
+            </a:extLst>
+          </p:cNvPr>
+          <p:cNvSpPr>
+            <a:spLocks noGrp="1" noRot="1" noChangeAspect="1" noMove="1" noResize="1" noEditPoints="1" noAdjustHandles="1" noChangeArrowheads="1" noChangeShapeType="1" noTextEdit="1"/>
+          </p:cNvSpPr>
+          <p:nvPr>
+            <p:extLst>
+              <p:ext uri="{386F3935-93C4-4BCD-93E2-E3B085C9AB24}">
+                <p16:designElem xmlns:p16="http://schemas.microsoft.com/office/powerpoint/2015/main" val="1"/>
+              </p:ext>
+            </p:extLst>
+          </p:nvPr>
+        </p:nvSpPr>
+        <p:spPr>
+          <a:xfrm>
+            <a:off x="428244" y="2443480"/>
+            <a:ext cx="3300984" cy="9144"/>
+          </a:xfrm>
+          <a:prstGeom prst="rect">
+            <a:avLst/>
+          </a:prstGeom>
+          <a:solidFill>
+            <a:srgbClr val="D5D5D5"/>
+          </a:solidFill>
+          <a:ln w="3175">
+            <a:solidFill>
+              <a:srgbClr val="D5D5D5"/>
+            </a:solidFill>
+          </a:ln>
+          <a:effectLst/>
+        </p:spPr>
+        <p:style>
+          <a:lnRef idx="2">
+            <a:schemeClr val="accent1">
+              <a:shade val="50000"/>
+            </a:schemeClr>
+          </a:lnRef>
+          <a:fillRef idx="1">
+            <a:schemeClr val="accent1"/>
+          </a:fillRef>
+          <a:effectRef idx="0">
+            <a:schemeClr val="accent1"/>
+          </a:effectRef>
+          <a:fontRef idx="minor">
+            <a:schemeClr val="lt1"/>
+          </a:fontRef>
+        </p:style>
+        <p:txBody>
+          <a:bodyPr rtlCol="0" anchor="ctr"/>
+          <a:lstStyle/>
+          <a:p>
+            <a:pPr marL="0" marR="0" lvl="0" indent="0" algn="ctr" defTabSz="914400" rtl="0" eaLnBrk="1" fontAlgn="auto" latinLnBrk="0" hangingPunct="1">
+              <a:lnSpc>
+                <a:spcPct val="100000"/>
+              </a:lnSpc>
+              <a:spcBef>
+                <a:spcPts val="0"/>
+              </a:spcBef>
+              <a:spcAft>
+                <a:spcPts val="0"/>
+              </a:spcAft>
+              <a:buClrTx/>
+              <a:buSzTx/>
+              <a:buFontTx/>
+              <a:buNone/>
+              <a:tabLst/>
+              <a:defRPr/>
+            </a:pPr>
+            <a:endParaRPr kumimoji="0" lang="en-US" sz="1800" b="0" i="0" u="none" strike="noStrike" kern="1200" cap="none" spc="0" normalizeH="0" baseline="0" noProof="0">
+              <a:ln>
+                <a:noFill/>
+              </a:ln>
+              <a:solidFill>
+                <a:prstClr val="white"/>
+              </a:solidFill>
+              <a:effectLst/>
+              <a:uLnTx/>
+              <a:uFillTx/>
+              <a:latin typeface="Calibri" panose="020F0502020204030204"/>
+              <a:ea typeface="+mn-ea"/>
+              <a:cs typeface="+mn-cs"/>
+            </a:endParaRPr>
+          </a:p>
+        </p:txBody>
+      </p:sp>
+      <p:sp>
+        <p:nvSpPr>
           <p:cNvPr id="5" name="Content Placeholder 4">
             <a:extLst>
               <a:ext uri="{FF2B5EF4-FFF2-40B4-BE49-F238E27FC236}">
@@ -3399,9 +3759,16 @@
             <p:ph idx="1"/>
           </p:nvPr>
         </p:nvSpPr>
-        <p:spPr/>
-        <p:txBody>
-          <a:bodyPr/>
+        <p:spPr>
+          <a:xfrm>
+            <a:off x="371094" y="2718054"/>
+            <a:ext cx="3438906" cy="3207258"/>
+          </a:xfrm>
+        </p:spPr>
+        <p:txBody>
+          <a:bodyPr anchor="t">
+            <a:normAutofit/>
+          </a:bodyPr>
           <a:lstStyle/>
           <a:p>
             <a:pPr>
@@ -3409,7 +3776,7 @@
               <a:buChar char="ü"/>
             </a:pPr>
             <a:r>
-              <a:rPr lang="en-GB" dirty="0"/>
+              <a:rPr lang="en-GB" sz="1700"/>
               <a:t> BEng Engineering, University of Liverpool, UK</a:t>
             </a:r>
           </a:p>
@@ -3419,16 +3786,8 @@
               <a:buChar char="ü"/>
             </a:pPr>
             <a:r>
-              <a:rPr lang="en-GB" dirty="0"/>
-              <a:t>PhD Engineering, Liverpool John </a:t>
-            </a:r>
-            <a:r>
-              <a:rPr lang="en-GB" dirty="0" err="1"/>
-              <a:t>Moores</a:t>
-            </a:r>
-            <a:r>
-              <a:rPr lang="en-GB" dirty="0"/>
-              <a:t> University, UK</a:t>
+              <a:rPr lang="en-GB" sz="1700"/>
+              <a:t>PhD Engineering, Liverpool John Moores University (LJMU), UK</a:t>
             </a:r>
           </a:p>
           <a:p>
@@ -3437,7 +3796,7 @@
               <a:buChar char="ü"/>
             </a:pPr>
             <a:r>
-              <a:rPr lang="en-GB" dirty="0"/>
+              <a:rPr lang="en-GB" sz="1700"/>
               <a:t>Computer vision /AI Researcher LJMU, UK</a:t>
             </a:r>
           </a:p>
@@ -3447,6 +3806,411 @@
     <p:extLst>
       <p:ext uri="{BB962C8B-B14F-4D97-AF65-F5344CB8AC3E}">
         <p14:creationId xmlns:p14="http://schemas.microsoft.com/office/powerpoint/2010/main" val="2306957597"/>
+      </p:ext>
+    </p:extLst>
+  </p:cSld>
+  <p:clrMapOvr>
+    <a:masterClrMapping/>
+  </p:clrMapOvr>
+</p:sld>
+</file>
+
+<file path=ppt/slides/slide10.xml><?xml version="1.0" encoding="utf-8"?>
+<p:sld xmlns:a="http://schemas.openxmlformats.org/drawingml/2006/main" xmlns:r="http://schemas.openxmlformats.org/officeDocument/2006/relationships" xmlns:p="http://schemas.openxmlformats.org/presentationml/2006/main">
+  <p:cSld>
+    <p:bg>
+      <p:bgPr>
+        <a:solidFill>
+          <a:schemeClr val="bg1"/>
+        </a:solidFill>
+        <a:effectLst/>
+      </p:bgPr>
+    </p:bg>
+    <p:spTree>
+      <p:nvGrpSpPr>
+        <p:cNvPr id="1" name=""/>
+        <p:cNvGrpSpPr/>
+        <p:nvPr/>
+      </p:nvGrpSpPr>
+      <p:grpSpPr>
+        <a:xfrm>
+          <a:off x="0" y="0"/>
+          <a:ext cx="0" cy="0"/>
+          <a:chOff x="0" y="0"/>
+          <a:chExt cx="0" cy="0"/>
+        </a:xfrm>
+      </p:grpSpPr>
+      <p:sp useBgFill="1">
+        <p:nvSpPr>
+          <p:cNvPr id="10" name="Rectangle 9">
+            <a:extLst>
+              <a:ext uri="{FF2B5EF4-FFF2-40B4-BE49-F238E27FC236}">
+                <a16:creationId xmlns:a16="http://schemas.microsoft.com/office/drawing/2014/main" id="{7312B1A7-69A3-4997-B5D5-07FF1FA690E4}"/>
+              </a:ext>
+              <a:ext uri="{C183D7F6-B498-43B3-948B-1728B52AA6E4}">
+                <adec:decorative xmlns:adec="http://schemas.microsoft.com/office/drawing/2017/decorative" val="1"/>
+              </a:ext>
+            </a:extLst>
+          </p:cNvPr>
+          <p:cNvSpPr>
+            <a:spLocks noGrp="1" noRot="1" noChangeAspect="1" noMove="1" noResize="1" noEditPoints="1" noAdjustHandles="1" noChangeArrowheads="1" noChangeShapeType="1" noTextEdit="1"/>
+          </p:cNvSpPr>
+          <p:nvPr>
+            <p:extLst>
+              <p:ext uri="{386F3935-93C4-4BCD-93E2-E3B085C9AB24}">
+                <p16:designElem xmlns:p16="http://schemas.microsoft.com/office/powerpoint/2015/main" val="1"/>
+              </p:ext>
+            </p:extLst>
+          </p:nvPr>
+        </p:nvSpPr>
+        <p:spPr>
+          <a:xfrm>
+            <a:off x="-1" y="0"/>
+            <a:ext cx="12188952" cy="6858000"/>
+          </a:xfrm>
+          <a:prstGeom prst="rect">
+            <a:avLst/>
+          </a:prstGeom>
+          <a:ln>
+            <a:noFill/>
+          </a:ln>
+        </p:spPr>
+        <p:style>
+          <a:lnRef idx="2">
+            <a:schemeClr val="accent1">
+              <a:shade val="50000"/>
+            </a:schemeClr>
+          </a:lnRef>
+          <a:fillRef idx="1">
+            <a:schemeClr val="accent1"/>
+          </a:fillRef>
+          <a:effectRef idx="0">
+            <a:schemeClr val="accent1"/>
+          </a:effectRef>
+          <a:fontRef idx="minor">
+            <a:schemeClr val="lt1"/>
+          </a:fontRef>
+        </p:style>
+        <p:txBody>
+          <a:bodyPr rtlCol="0" anchor="ctr"/>
+          <a:lstStyle/>
+          <a:p>
+            <a:pPr algn="ctr"/>
+            <a:endParaRPr lang="en-US"/>
+          </a:p>
+        </p:txBody>
+      </p:sp>
+      <p:sp useBgFill="1">
+        <p:nvSpPr>
+          <p:cNvPr id="12" name="Rectangle 11">
+            <a:extLst>
+              <a:ext uri="{FF2B5EF4-FFF2-40B4-BE49-F238E27FC236}">
+                <a16:creationId xmlns:a16="http://schemas.microsoft.com/office/drawing/2014/main" id="{526E0BFB-CDF1-4990-8C11-AC849311E0A8}"/>
+              </a:ext>
+              <a:ext uri="{C183D7F6-B498-43B3-948B-1728B52AA6E4}">
+                <adec:decorative xmlns:adec="http://schemas.microsoft.com/office/drawing/2017/decorative" val="1"/>
+              </a:ext>
+            </a:extLst>
+          </p:cNvPr>
+          <p:cNvSpPr>
+            <a:spLocks noGrp="1" noRot="1" noChangeAspect="1" noMove="1" noResize="1" noEditPoints="1" noAdjustHandles="1" noChangeArrowheads="1" noChangeShapeType="1" noTextEdit="1"/>
+          </p:cNvSpPr>
+          <p:nvPr>
+            <p:extLst>
+              <p:ext uri="{386F3935-93C4-4BCD-93E2-E3B085C9AB24}">
+                <p16:designElem xmlns:p16="http://schemas.microsoft.com/office/powerpoint/2015/main" val="1"/>
+              </p:ext>
+            </p:extLst>
+          </p:nvPr>
+        </p:nvSpPr>
+        <p:spPr>
+          <a:xfrm>
+            <a:off x="0" y="0"/>
+            <a:ext cx="12192000" cy="6858000"/>
+          </a:xfrm>
+          <a:prstGeom prst="rect">
+            <a:avLst/>
+          </a:prstGeom>
+          <a:ln>
+            <a:noFill/>
+          </a:ln>
+        </p:spPr>
+        <p:style>
+          <a:lnRef idx="2">
+            <a:schemeClr val="accent1">
+              <a:shade val="50000"/>
+            </a:schemeClr>
+          </a:lnRef>
+          <a:fillRef idx="1">
+            <a:schemeClr val="accent1"/>
+          </a:fillRef>
+          <a:effectRef idx="0">
+            <a:schemeClr val="accent1"/>
+          </a:effectRef>
+          <a:fontRef idx="minor">
+            <a:schemeClr val="lt1"/>
+          </a:fontRef>
+        </p:style>
+        <p:txBody>
+          <a:bodyPr rtlCol="0" anchor="ctr"/>
+          <a:lstStyle/>
+          <a:p>
+            <a:pPr algn="ctr"/>
+            <a:endParaRPr lang="en-US"/>
+          </a:p>
+        </p:txBody>
+      </p:sp>
+      <p:pic>
+        <p:nvPicPr>
+          <p:cNvPr id="5" name="Content Placeholder 4" descr="A screen shot of a computer&#10;&#10;Description automatically generated">
+            <a:extLst>
+              <a:ext uri="{FF2B5EF4-FFF2-40B4-BE49-F238E27FC236}">
+                <a16:creationId xmlns:a16="http://schemas.microsoft.com/office/drawing/2014/main" id="{093B5C44-E31C-44E9-9BBB-0F299A94CEF9}"/>
+              </a:ext>
+            </a:extLst>
+          </p:cNvPr>
+          <p:cNvPicPr>
+            <a:picLocks noGrp="1" noChangeAspect="1"/>
+          </p:cNvPicPr>
+          <p:nvPr>
+            <p:ph idx="1"/>
+          </p:nvPr>
+        </p:nvPicPr>
+        <p:blipFill rotWithShape="1">
+          <a:blip r:embed="rId2">
+            <a:extLst>
+              <a:ext uri="{28A0092B-C50C-407E-A947-70E740481C1C}">
+                <a14:useLocalDpi xmlns:a14="http://schemas.microsoft.com/office/drawing/2010/main" val="0"/>
+              </a:ext>
+            </a:extLst>
+          </a:blip>
+          <a:srcRect t="2711" b="13019"/>
+          <a:stretch/>
+        </p:blipFill>
+        <p:spPr>
+          <a:xfrm>
+            <a:off x="-2" y="10"/>
+            <a:ext cx="12192002" cy="6857990"/>
+          </a:xfrm>
+          <a:prstGeom prst="rect">
+            <a:avLst/>
+          </a:prstGeom>
+        </p:spPr>
+      </p:pic>
+      <p:sp>
+        <p:nvSpPr>
+          <p:cNvPr id="14" name="Rectangle 13">
+            <a:extLst>
+              <a:ext uri="{FF2B5EF4-FFF2-40B4-BE49-F238E27FC236}">
+                <a16:creationId xmlns:a16="http://schemas.microsoft.com/office/drawing/2014/main" id="{6069A1F8-9BEB-4786-9694-FC48B2D75D21}"/>
+              </a:ext>
+              <a:ext uri="{C183D7F6-B498-43B3-948B-1728B52AA6E4}">
+                <adec:decorative xmlns:adec="http://schemas.microsoft.com/office/drawing/2017/decorative" val="1"/>
+              </a:ext>
+            </a:extLst>
+          </p:cNvPr>
+          <p:cNvSpPr>
+            <a:spLocks noGrp="1" noRot="1" noChangeAspect="1" noMove="1" noResize="1" noEditPoints="1" noAdjustHandles="1" noChangeArrowheads="1" noChangeShapeType="1" noTextEdit="1"/>
+          </p:cNvSpPr>
+          <p:nvPr>
+            <p:extLst>
+              <p:ext uri="{386F3935-93C4-4BCD-93E2-E3B085C9AB24}">
+                <p16:designElem xmlns:p16="http://schemas.microsoft.com/office/powerpoint/2015/main" val="1"/>
+              </p:ext>
+            </p:extLst>
+          </p:nvPr>
+        </p:nvSpPr>
+        <p:spPr>
+          <a:xfrm flipH="1">
+            <a:off x="2788244" y="0"/>
+            <a:ext cx="9403756" cy="6858000"/>
+          </a:xfrm>
+          <a:prstGeom prst="rect">
+            <a:avLst/>
+          </a:prstGeom>
+          <a:gradFill>
+            <a:gsLst>
+              <a:gs pos="58000">
+                <a:srgbClr val="000000">
+                  <a:alpha val="30000"/>
+                </a:srgbClr>
+              </a:gs>
+              <a:gs pos="30000">
+                <a:srgbClr val="000000">
+                  <a:alpha val="20000"/>
+                </a:srgbClr>
+              </a:gs>
+              <a:gs pos="0">
+                <a:srgbClr val="000000">
+                  <a:alpha val="0"/>
+                </a:srgbClr>
+              </a:gs>
+              <a:gs pos="100000">
+                <a:srgbClr val="000000">
+                  <a:alpha val="30000"/>
+                </a:srgbClr>
+              </a:gs>
+            </a:gsLst>
+            <a:lin ang="10800000" scaled="0"/>
+          </a:gradFill>
+          <a:ln>
+            <a:noFill/>
+          </a:ln>
+        </p:spPr>
+        <p:style>
+          <a:lnRef idx="2">
+            <a:schemeClr val="accent1">
+              <a:shade val="50000"/>
+            </a:schemeClr>
+          </a:lnRef>
+          <a:fillRef idx="1">
+            <a:schemeClr val="accent1"/>
+          </a:fillRef>
+          <a:effectRef idx="0">
+            <a:schemeClr val="accent1"/>
+          </a:effectRef>
+          <a:fontRef idx="minor">
+            <a:schemeClr val="lt1"/>
+          </a:fontRef>
+        </p:style>
+        <p:txBody>
+          <a:bodyPr rtlCol="0" anchor="ctr"/>
+          <a:lstStyle/>
+          <a:p>
+            <a:pPr algn="ctr"/>
+            <a:endParaRPr lang="en-US" dirty="0"/>
+          </a:p>
+        </p:txBody>
+      </p:sp>
+      <p:sp>
+        <p:nvSpPr>
+          <p:cNvPr id="2" name="Title 1">
+            <a:extLst>
+              <a:ext uri="{FF2B5EF4-FFF2-40B4-BE49-F238E27FC236}">
+                <a16:creationId xmlns:a16="http://schemas.microsoft.com/office/drawing/2014/main" id="{143171F5-420D-41E6-A1E2-3AF60ADFFD44}"/>
+              </a:ext>
+            </a:extLst>
+          </p:cNvPr>
+          <p:cNvSpPr>
+            <a:spLocks noGrp="1"/>
+          </p:cNvSpPr>
+          <p:nvPr>
+            <p:ph type="title"/>
+          </p:nvPr>
+        </p:nvSpPr>
+        <p:spPr>
+          <a:xfrm>
+            <a:off x="8331200" y="1883664"/>
+            <a:ext cx="3703782" cy="2173685"/>
+          </a:xfrm>
+        </p:spPr>
+        <p:txBody>
+          <a:bodyPr vert="horz" lIns="91440" tIns="45720" rIns="91440" bIns="45720" rtlCol="0" anchor="b">
+            <a:normAutofit fontScale="90000"/>
+          </a:bodyPr>
+          <a:lstStyle/>
+          <a:p>
+            <a:pPr algn="r"/>
+            <a:r>
+              <a:rPr lang="en-US" sz="5200" dirty="0">
+                <a:solidFill>
+                  <a:srgbClr val="FFFFFF"/>
+                </a:solidFill>
+              </a:rPr>
+              <a:t>		 Jumping into some code!</a:t>
+            </a:r>
+          </a:p>
+        </p:txBody>
+      </p:sp>
+      <p:sp>
+        <p:nvSpPr>
+          <p:cNvPr id="16" name="Frame 15">
+            <a:extLst>
+              <a:ext uri="{FF2B5EF4-FFF2-40B4-BE49-F238E27FC236}">
+                <a16:creationId xmlns:a16="http://schemas.microsoft.com/office/drawing/2014/main" id="{768F2337-7E7D-48E1-B5C6-583F7A3455C3}"/>
+              </a:ext>
+              <a:ext uri="{C183D7F6-B498-43B3-948B-1728B52AA6E4}">
+                <adec:decorative xmlns:adec="http://schemas.microsoft.com/office/drawing/2017/decorative" val="1"/>
+              </a:ext>
+            </a:extLst>
+          </p:cNvPr>
+          <p:cNvSpPr>
+            <a:spLocks noGrp="1" noRot="1" noChangeAspect="1" noMove="1" noResize="1" noEditPoints="1" noAdjustHandles="1" noChangeArrowheads="1" noChangeShapeType="1" noTextEdit="1"/>
+          </p:cNvSpPr>
+          <p:nvPr>
+            <p:extLst>
+              <p:ext uri="{386F3935-93C4-4BCD-93E2-E3B085C9AB24}">
+                <p16:designElem xmlns:p16="http://schemas.microsoft.com/office/powerpoint/2015/main" val="1"/>
+              </p:ext>
+            </p:extLst>
+          </p:nvPr>
+        </p:nvSpPr>
+        <p:spPr>
+          <a:xfrm>
+            <a:off x="1294505" y="1883664"/>
+            <a:ext cx="2907792" cy="2615184"/>
+          </a:xfrm>
+          <a:prstGeom prst="frame">
+            <a:avLst>
+              <a:gd name="adj1" fmla="val 8000"/>
+            </a:avLst>
+          </a:prstGeom>
+          <a:solidFill>
+            <a:schemeClr val="accent4"/>
+          </a:solidFill>
+          <a:ln w="12700" cap="flat" cmpd="sng" algn="ctr">
+            <a:noFill/>
+            <a:prstDash val="solid"/>
+            <a:miter lim="800000"/>
+          </a:ln>
+          <a:effectLst/>
+          <a:extLst>
+            <a:ext uri="{91240B29-F687-4F45-9708-019B960494DF}">
+              <a14:hiddenLine xmlns:a14="http://schemas.microsoft.com/office/drawing/2010/main" w="12700" cap="flat" cmpd="sng" algn="ctr">
+                <a:solidFill>
+                  <a:schemeClr val="accent1">
+                    <a:shade val="50000"/>
+                  </a:schemeClr>
+                </a:solidFill>
+                <a:prstDash val="solid"/>
+                <a:miter lim="800000"/>
+              </a14:hiddenLine>
+            </a:ext>
+          </a:extLst>
+        </p:spPr>
+        <p:style>
+          <a:lnRef idx="2">
+            <a:schemeClr val="accent1">
+              <a:shade val="50000"/>
+            </a:schemeClr>
+          </a:lnRef>
+          <a:fillRef idx="1">
+            <a:schemeClr val="accent1"/>
+          </a:fillRef>
+          <a:effectRef idx="0">
+            <a:schemeClr val="accent1"/>
+          </a:effectRef>
+          <a:fontRef idx="minor">
+            <a:schemeClr val="lt1"/>
+          </a:fontRef>
+        </p:style>
+        <p:txBody>
+          <a:bodyPr rtlCol="0" anchor="ctr"/>
+          <a:lstStyle/>
+          <a:p>
+            <a:pPr algn="ctr"/>
+            <a:endParaRPr lang="en-US">
+              <a:solidFill>
+                <a:schemeClr val="tx1"/>
+              </a:solidFill>
+            </a:endParaRPr>
+          </a:p>
+        </p:txBody>
+      </p:sp>
+    </p:spTree>
+    <p:extLst>
+      <p:ext uri="{BB962C8B-B14F-4D97-AF65-F5344CB8AC3E}">
+        <p14:creationId xmlns:p14="http://schemas.microsoft.com/office/powerpoint/2010/main" val="1793082085"/>
       </p:ext>
     </p:extLst>
   </p:cSld>
@@ -3481,12 +4245,12 @@
           <a:chExt cx="0" cy="0"/>
         </a:xfrm>
       </p:grpSpPr>
-      <p:sp useBgFill="1">
-        <p:nvSpPr>
-          <p:cNvPr id="16" name="Rectangle 15">
-            <a:extLst>
-              <a:ext uri="{FF2B5EF4-FFF2-40B4-BE49-F238E27FC236}">
-                <a16:creationId xmlns:a16="http://schemas.microsoft.com/office/drawing/2014/main" id="{9AA72BD9-2C5A-4EDC-931F-5AA08EACA0F3}"/>
+      <p:sp>
+        <p:nvSpPr>
+          <p:cNvPr id="21" name="Rectangle 20">
+            <a:extLst>
+              <a:ext uri="{FF2B5EF4-FFF2-40B4-BE49-F238E27FC236}">
+                <a16:creationId xmlns:a16="http://schemas.microsoft.com/office/drawing/2014/main" id="{FC0DEEBF-DB94-4E7E-A9D3-84FA863C3BD9}"/>
               </a:ext>
               <a:ext uri="{C183D7F6-B498-43B3-948B-1728B52AA6E4}">
                 <adec:decorative xmlns:adec="http://schemas.microsoft.com/office/drawing/2017/decorative" val="1"/>
@@ -3504,16 +4268,21 @@
             </p:extLst>
           </p:nvPr>
         </p:nvSpPr>
-        <p:spPr>
-          <a:xfrm>
-            <a:off x="0" y="0"/>
-            <a:ext cx="12192000" cy="6858000"/>
+        <p:spPr bwMode="ltGray">
+          <a:xfrm>
+            <a:off x="4708357" y="3509963"/>
+            <a:ext cx="7092215" cy="2967839"/>
           </a:xfrm>
           <a:prstGeom prst="rect">
             <a:avLst/>
           </a:prstGeom>
-          <a:ln>
-            <a:noFill/>
+          <a:solidFill>
+            <a:srgbClr val="404040"/>
+          </a:solidFill>
+          <a:ln w="127000" cap="sq" cmpd="thinThick">
+            <a:solidFill>
+              <a:srgbClr val="404040"/>
+            </a:solidFill>
           </a:ln>
         </p:spPr>
         <p:style>
@@ -3537,16 +4306,58 @@
           <a:lstStyle/>
           <a:p>
             <a:pPr algn="ctr"/>
-            <a:endParaRPr lang="en-US"/>
+            <a:endParaRPr lang="en-US" dirty="0"/>
+          </a:p>
+        </p:txBody>
+      </p:sp>
+      <p:sp>
+        <p:nvSpPr>
+          <p:cNvPr id="2" name="Title 1">
+            <a:extLst>
+              <a:ext uri="{FF2B5EF4-FFF2-40B4-BE49-F238E27FC236}">
+                <a16:creationId xmlns:a16="http://schemas.microsoft.com/office/drawing/2014/main" id="{1F939043-D763-4862-B195-9CBE24F371A8}"/>
+              </a:ext>
+            </a:extLst>
+          </p:cNvPr>
+          <p:cNvSpPr>
+            <a:spLocks noGrp="1"/>
+          </p:cNvSpPr>
+          <p:nvPr>
+            <p:ph type="title"/>
+          </p:nvPr>
+        </p:nvSpPr>
+        <p:spPr>
+          <a:xfrm>
+            <a:off x="5021821" y="3812954"/>
+            <a:ext cx="6465287" cy="1516014"/>
+          </a:xfrm>
+        </p:spPr>
+        <p:txBody>
+          <a:bodyPr vert="horz" lIns="91440" tIns="45720" rIns="91440" bIns="45720" rtlCol="0" anchor="b">
+            <a:normAutofit/>
+          </a:bodyPr>
+          <a:lstStyle/>
+          <a:p>
+            <a:r>
+              <a:rPr lang="en-US" sz="4800" kern="1200">
+                <a:solidFill>
+                  <a:srgbClr val="FFFFFF"/>
+                </a:solidFill>
+                <a:latin typeface="+mj-lt"/>
+                <a:ea typeface="+mj-ea"/>
+                <a:cs typeface="+mj-cs"/>
+              </a:rPr>
+              <a:t>Why Face Detection ?</a:t>
+            </a:r>
           </a:p>
         </p:txBody>
       </p:sp>
       <p:pic>
         <p:nvPicPr>
-          <p:cNvPr id="4" name="Picture 3" descr="A close up of a logo&#10;&#10;Description automatically generated">
-            <a:extLst>
-              <a:ext uri="{FF2B5EF4-FFF2-40B4-BE49-F238E27FC236}">
-                <a16:creationId xmlns:a16="http://schemas.microsoft.com/office/drawing/2014/main" id="{DBC3B92F-0401-422C-A16D-03F2FB348379}"/>
+          <p:cNvPr id="16" name="Picture 15" descr="A dining room table&#10;&#10;Description automatically generated">
+            <a:extLst>
+              <a:ext uri="{FF2B5EF4-FFF2-40B4-BE49-F238E27FC236}">
+                <a16:creationId xmlns:a16="http://schemas.microsoft.com/office/drawing/2014/main" id="{A7BF00BA-945C-40D3-AB65-085FF54CFF4A}"/>
               </a:ext>
             </a:extLst>
           </p:cNvPr>
@@ -3556,35 +4367,41 @@
           <p:nvPr/>
         </p:nvPicPr>
         <p:blipFill rotWithShape="1">
-          <a:blip r:embed="rId2"/>
-          <a:srcRect t="6977" r="34146" b="-1"/>
+          <a:blip r:embed="rId2">
+            <a:extLst>
+              <a:ext uri="{28A0092B-C50C-407E-A947-70E740481C1C}">
+                <a14:useLocalDpi xmlns:a14="http://schemas.microsoft.com/office/drawing/2010/main" val="0"/>
+              </a:ext>
+            </a:extLst>
+          </a:blip>
+          <a:srcRect t="5032" r="-1" b="-1"/>
           <a:stretch/>
         </p:blipFill>
         <p:spPr>
           <a:xfrm>
-            <a:off x="3522468" y="10"/>
-            <a:ext cx="8669532" cy="6857990"/>
+            <a:off x="317635" y="321733"/>
+            <a:ext cx="4160452" cy="2222497"/>
           </a:xfrm>
           <a:prstGeom prst="rect">
             <a:avLst/>
           </a:prstGeom>
         </p:spPr>
       </p:pic>
-      <p:sp>
-        <p:nvSpPr>
-          <p:cNvPr id="18" name="Rectangle 17">
-            <a:extLst>
-              <a:ext uri="{FF2B5EF4-FFF2-40B4-BE49-F238E27FC236}">
-                <a16:creationId xmlns:a16="http://schemas.microsoft.com/office/drawing/2014/main" id="{DD3981AC-7B61-4947-BCF3-F7AA7FA385B9}"/>
+      <p:cxnSp>
+        <p:nvCxnSpPr>
+          <p:cNvPr id="23" name="Straight Connector 22">
+            <a:extLst>
+              <a:ext uri="{FF2B5EF4-FFF2-40B4-BE49-F238E27FC236}">
+                <a16:creationId xmlns:a16="http://schemas.microsoft.com/office/drawing/2014/main" id="{77A9CA3A-7216-41E0-B3CD-058077FD396D}"/>
               </a:ext>
               <a:ext uri="{C183D7F6-B498-43B3-948B-1728B52AA6E4}">
                 <adec:decorative xmlns:adec="http://schemas.microsoft.com/office/drawing/2017/decorative" val="1"/>
               </a:ext>
             </a:extLst>
           </p:cNvPr>
-          <p:cNvSpPr>
-            <a:spLocks noGrp="1" noRot="1" noChangeAspect="1" noMove="1" noResize="1" noEditPoints="1" noAdjustHandles="1" noChangeArrowheads="1" noChangeShapeType="1" noTextEdit="1"/>
-          </p:cNvSpPr>
+          <p:cNvCxnSpPr>
+            <a:cxnSpLocks noGrp="1" noRot="1" noChangeAspect="1" noMove="1" noResize="1" noEditPoints="1" noAdjustHandles="1" noChangeArrowheads="1" noChangeShapeType="1"/>
+          </p:cNvCxnSpPr>
           <p:nvPr>
             <p:extLst>
               <p:ext uri="{386F3935-93C4-4BCD-93E2-E3B085C9AB24}">
@@ -3592,76 +4409,187 @@
               </p:ext>
             </p:extLst>
           </p:nvPr>
-        </p:nvSpPr>
-        <p:spPr>
-          <a:xfrm>
-            <a:off x="2" y="0"/>
-            <a:ext cx="9756601" cy="6858000"/>
+        </p:nvCxnSpPr>
+        <p:spPr>
+          <a:xfrm>
+            <a:off x="5138287" y="5443086"/>
+            <a:ext cx="6400800" cy="0"/>
+          </a:xfrm>
+          <a:prstGeom prst="line">
+            <a:avLst/>
+          </a:prstGeom>
+          <a:ln w="22225">
+            <a:solidFill>
+              <a:srgbClr val="D9D9D9"/>
+            </a:solidFill>
+          </a:ln>
+        </p:spPr>
+        <p:style>
+          <a:lnRef idx="1">
+            <a:schemeClr val="accent1"/>
+          </a:lnRef>
+          <a:fillRef idx="0">
+            <a:schemeClr val="accent1"/>
+          </a:fillRef>
+          <a:effectRef idx="0">
+            <a:schemeClr val="accent1"/>
+          </a:effectRef>
+          <a:fontRef idx="minor">
+            <a:schemeClr val="tx1"/>
+          </a:fontRef>
+        </p:style>
+      </p:cxnSp>
+      <p:pic>
+        <p:nvPicPr>
+          <p:cNvPr id="12" name="Content Placeholder 11" descr="A picture containing person, outdoor, building, person&#10;&#10;Description automatically generated">
+            <a:extLst>
+              <a:ext uri="{FF2B5EF4-FFF2-40B4-BE49-F238E27FC236}">
+                <a16:creationId xmlns:a16="http://schemas.microsoft.com/office/drawing/2014/main" id="{6B3A70E4-2FAB-4B7D-A800-5306BAAF9DB9}"/>
+              </a:ext>
+            </a:extLst>
+          </p:cNvPr>
+          <p:cNvPicPr>
+            <a:picLocks noGrp="1" noChangeAspect="1"/>
+          </p:cNvPicPr>
+          <p:nvPr>
+            <p:ph idx="1"/>
+          </p:nvPr>
+        </p:nvPicPr>
+        <p:blipFill rotWithShape="1">
+          <a:blip r:embed="rId3">
+            <a:extLst>
+              <a:ext uri="{28A0092B-C50C-407E-A947-70E740481C1C}">
+                <a14:useLocalDpi xmlns:a14="http://schemas.microsoft.com/office/drawing/2010/main" val="0"/>
+              </a:ext>
+            </a:extLst>
+          </a:blip>
+          <a:srcRect l="7372" r="20413" b="1"/>
+          <a:stretch/>
+        </p:blipFill>
+        <p:spPr>
+          <a:xfrm>
+            <a:off x="317635" y="2705099"/>
+            <a:ext cx="4160452" cy="3831167"/>
           </a:xfrm>
           <a:prstGeom prst="rect">
             <a:avLst/>
           </a:prstGeom>
-          <a:gradFill>
-            <a:gsLst>
-              <a:gs pos="58000">
-                <a:schemeClr val="bg1"/>
-              </a:gs>
-              <a:gs pos="35000">
-                <a:schemeClr val="bg1">
-                  <a:alpha val="78000"/>
-                </a:schemeClr>
-              </a:gs>
-              <a:gs pos="19000">
-                <a:schemeClr val="bg1">
-                  <a:alpha val="38000"/>
-                </a:schemeClr>
-              </a:gs>
-              <a:gs pos="0">
-                <a:schemeClr val="bg1">
-                  <a:alpha val="0"/>
-                </a:schemeClr>
-              </a:gs>
-              <a:gs pos="100000">
-                <a:schemeClr val="bg1"/>
-              </a:gs>
-            </a:gsLst>
-            <a:lin ang="10800000" scaled="0"/>
-          </a:gradFill>
-          <a:ln>
-            <a:noFill/>
-          </a:ln>
-        </p:spPr>
-        <p:style>
-          <a:lnRef idx="2">
-            <a:schemeClr val="accent1">
-              <a:shade val="50000"/>
-            </a:schemeClr>
-          </a:lnRef>
-          <a:fillRef idx="1">
-            <a:schemeClr val="accent1"/>
-          </a:fillRef>
-          <a:effectRef idx="0">
-            <a:schemeClr val="accent1"/>
-          </a:effectRef>
-          <a:fontRef idx="minor">
-            <a:schemeClr val="lt1"/>
-          </a:fontRef>
-        </p:style>
-        <p:txBody>
-          <a:bodyPr rtlCol="0" anchor="ctr"/>
-          <a:lstStyle/>
-          <a:p>
-            <a:pPr algn="ctr"/>
-            <a:endParaRPr lang="en-US" dirty="0"/>
-          </a:p>
-        </p:txBody>
-      </p:sp>
+        </p:spPr>
+      </p:pic>
+      <p:pic>
+        <p:nvPicPr>
+          <p:cNvPr id="8" name="Picture 7" descr="A close up of a speaker&#10;&#10;Description automatically generated">
+            <a:extLst>
+              <a:ext uri="{FF2B5EF4-FFF2-40B4-BE49-F238E27FC236}">
+                <a16:creationId xmlns:a16="http://schemas.microsoft.com/office/drawing/2014/main" id="{AE6A0089-B744-4B0E-8164-D0FA3F30DDAD}"/>
+              </a:ext>
+            </a:extLst>
+          </p:cNvPr>
+          <p:cNvPicPr>
+            <a:picLocks noChangeAspect="1"/>
+          </p:cNvPicPr>
+          <p:nvPr/>
+        </p:nvPicPr>
+        <p:blipFill rotWithShape="1">
+          <a:blip r:embed="rId4">
+            <a:extLst>
+              <a:ext uri="{28A0092B-C50C-407E-A947-70E740481C1C}">
+                <a14:useLocalDpi xmlns:a14="http://schemas.microsoft.com/office/drawing/2010/main" val="0"/>
+              </a:ext>
+            </a:extLst>
+          </a:blip>
+          <a:srcRect l="5423" r="12234" b="-4"/>
+          <a:stretch/>
+        </p:blipFill>
+        <p:spPr>
+          <a:xfrm>
+            <a:off x="4638675" y="299364"/>
+            <a:ext cx="2775313" cy="3008188"/>
+          </a:xfrm>
+          <a:prstGeom prst="rect">
+            <a:avLst/>
+          </a:prstGeom>
+        </p:spPr>
+      </p:pic>
+      <p:pic>
+        <p:nvPicPr>
+          <p:cNvPr id="14" name="Picture 13" descr="A picture containing accessory, newspaper&#10;&#10;Description automatically generated">
+            <a:extLst>
+              <a:ext uri="{FF2B5EF4-FFF2-40B4-BE49-F238E27FC236}">
+                <a16:creationId xmlns:a16="http://schemas.microsoft.com/office/drawing/2014/main" id="{2CD9ADA8-67F7-40D1-9B0E-5F589D6E476F}"/>
+              </a:ext>
+            </a:extLst>
+          </p:cNvPr>
+          <p:cNvPicPr>
+            <a:picLocks noChangeAspect="1"/>
+          </p:cNvPicPr>
+          <p:nvPr/>
+        </p:nvPicPr>
+        <p:blipFill rotWithShape="1">
+          <a:blip r:embed="rId5">
+            <a:extLst>
+              <a:ext uri="{28A0092B-C50C-407E-A947-70E740481C1C}">
+                <a14:useLocalDpi xmlns:a14="http://schemas.microsoft.com/office/drawing/2010/main" val="0"/>
+              </a:ext>
+            </a:extLst>
+          </a:blip>
+          <a:srcRect l="17831" r="14136" b="3"/>
+          <a:stretch/>
+        </p:blipFill>
+        <p:spPr>
+          <a:xfrm>
+            <a:off x="7574805" y="299363"/>
+            <a:ext cx="4308687" cy="3008188"/>
+          </a:xfrm>
+          <a:prstGeom prst="rect">
+            <a:avLst/>
+          </a:prstGeom>
+        </p:spPr>
+      </p:pic>
+    </p:spTree>
+    <p:extLst>
+      <p:ext uri="{BB962C8B-B14F-4D97-AF65-F5344CB8AC3E}">
+        <p14:creationId xmlns:p14="http://schemas.microsoft.com/office/powerpoint/2010/main" val="1540832358"/>
+      </p:ext>
+    </p:extLst>
+  </p:cSld>
+  <p:clrMapOvr>
+    <a:masterClrMapping/>
+  </p:clrMapOvr>
+</p:sld>
+</file>
+
+<file path=ppt/slides/slide3.xml><?xml version="1.0" encoding="utf-8"?>
+<p:sld xmlns:a="http://schemas.openxmlformats.org/drawingml/2006/main" xmlns:r="http://schemas.openxmlformats.org/officeDocument/2006/relationships" xmlns:p="http://schemas.openxmlformats.org/presentationml/2006/main">
+  <p:cSld>
+    <p:bg>
+      <p:bgPr>
+        <a:solidFill>
+          <a:schemeClr val="bg1"/>
+        </a:solidFill>
+        <a:effectLst/>
+      </p:bgPr>
+    </p:bg>
+    <p:spTree>
+      <p:nvGrpSpPr>
+        <p:cNvPr id="1" name=""/>
+        <p:cNvGrpSpPr/>
+        <p:nvPr/>
+      </p:nvGrpSpPr>
+      <p:grpSpPr>
+        <a:xfrm>
+          <a:off x="0" y="0"/>
+          <a:ext cx="0" cy="0"/>
+          <a:chOff x="0" y="0"/>
+          <a:chExt cx="0" cy="0"/>
+        </a:xfrm>
+      </p:grpSpPr>
       <p:sp>
         <p:nvSpPr>
           <p:cNvPr id="2" name="Title 1">
             <a:extLst>
               <a:ext uri="{FF2B5EF4-FFF2-40B4-BE49-F238E27FC236}">
-                <a16:creationId xmlns:a16="http://schemas.microsoft.com/office/drawing/2014/main" id="{6B105B4B-C518-423B-BB4B-D738E3312368}"/>
+                <a16:creationId xmlns:a16="http://schemas.microsoft.com/office/drawing/2014/main" id="{7F012C09-C027-4C0C-AEA7-21698DEA8175}"/>
               </a:ext>
             </a:extLst>
           </p:cNvPr>
@@ -3674,29 +4602,220 @@
         </p:nvSpPr>
         <p:spPr>
           <a:xfrm>
-            <a:off x="371094" y="1638808"/>
-            <a:ext cx="3438906" cy="647192"/>
-          </a:xfrm>
-        </p:spPr>
-        <p:txBody>
-          <a:bodyPr anchor="b">
+            <a:off x="481013" y="3752849"/>
+            <a:ext cx="3290887" cy="2452687"/>
+          </a:xfrm>
+        </p:spPr>
+        <p:txBody>
+          <a:bodyPr anchor="ctr">
             <a:normAutofit/>
           </a:bodyPr>
           <a:lstStyle/>
           <a:p>
             <a:r>
-              <a:rPr lang="en-GB" sz="2800" dirty="0"/>
-              <a:t>Image Interpretation</a:t>
-            </a:r>
-          </a:p>
-        </p:txBody>
-      </p:sp>
-      <p:sp>
-        <p:nvSpPr>
-          <p:cNvPr id="20" name="Rectangle 19">
-            <a:extLst>
-              <a:ext uri="{FF2B5EF4-FFF2-40B4-BE49-F238E27FC236}">
-                <a16:creationId xmlns:a16="http://schemas.microsoft.com/office/drawing/2014/main" id="{55D4142C-5077-457F-A6AD-3FECFDB39685}"/>
+              <a:rPr lang="en-GB" sz="3600"/>
+              <a:t>Face Detection vs Face Recognition </a:t>
+            </a:r>
+          </a:p>
+        </p:txBody>
+      </p:sp>
+      <p:pic>
+        <p:nvPicPr>
+          <p:cNvPr id="5" name="Picture 4" descr="A group of people in a room&#10;&#10;Description automatically generated">
+            <a:extLst>
+              <a:ext uri="{FF2B5EF4-FFF2-40B4-BE49-F238E27FC236}">
+                <a16:creationId xmlns:a16="http://schemas.microsoft.com/office/drawing/2014/main" id="{8B3586E9-7978-45FF-88D1-E479DFE83853}"/>
+              </a:ext>
+            </a:extLst>
+          </p:cNvPr>
+          <p:cNvPicPr>
+            <a:picLocks noChangeAspect="1"/>
+          </p:cNvPicPr>
+          <p:nvPr/>
+        </p:nvPicPr>
+        <p:blipFill rotWithShape="1">
+          <a:blip r:embed="rId2">
+            <a:extLst>
+              <a:ext uri="{28A0092B-C50C-407E-A947-70E740481C1C}">
+                <a14:useLocalDpi xmlns:a14="http://schemas.microsoft.com/office/drawing/2010/main" val="0"/>
+              </a:ext>
+            </a:extLst>
+          </a:blip>
+          <a:srcRect t="25037" b="20857"/>
+          <a:stretch/>
+        </p:blipFill>
+        <p:spPr>
+          <a:xfrm>
+            <a:off x="20" y="10"/>
+            <a:ext cx="12191980" cy="3710603"/>
+          </a:xfrm>
+          <a:custGeom>
+            <a:avLst/>
+            <a:gdLst/>
+            <a:ahLst/>
+            <a:cxnLst/>
+            <a:rect l="l" t="t" r="r" b="b"/>
+            <a:pathLst>
+              <a:path w="12192000" h="3692092">
+                <a:moveTo>
+                  <a:pt x="0" y="0"/>
+                </a:moveTo>
+                <a:lnTo>
+                  <a:pt x="12192000" y="0"/>
+                </a:lnTo>
+                <a:lnTo>
+                  <a:pt x="12192000" y="3504824"/>
+                </a:lnTo>
+                <a:lnTo>
+                  <a:pt x="12024691" y="3517794"/>
+                </a:lnTo>
+                <a:cubicBezTo>
+                  <a:pt x="8077523" y="3783195"/>
+                  <a:pt x="4094678" y="3026959"/>
+                  <a:pt x="160485" y="3663863"/>
+                </a:cubicBezTo>
+                <a:lnTo>
+                  <a:pt x="0" y="3692092"/>
+                </a:lnTo>
+                <a:close/>
+              </a:path>
+            </a:pathLst>
+          </a:custGeom>
+        </p:spPr>
+      </p:pic>
+      <p:sp>
+        <p:nvSpPr>
+          <p:cNvPr id="3" name="Content Placeholder 2">
+            <a:extLst>
+              <a:ext uri="{FF2B5EF4-FFF2-40B4-BE49-F238E27FC236}">
+                <a16:creationId xmlns:a16="http://schemas.microsoft.com/office/drawing/2014/main" id="{9693CEFB-7A82-42ED-97D8-05A846E9CBDF}"/>
+              </a:ext>
+            </a:extLst>
+          </p:cNvPr>
+          <p:cNvSpPr>
+            <a:spLocks noGrp="1"/>
+          </p:cNvSpPr>
+          <p:nvPr>
+            <p:ph idx="1"/>
+          </p:nvPr>
+        </p:nvSpPr>
+        <p:spPr>
+          <a:xfrm>
+            <a:off x="4223982" y="3752850"/>
+            <a:ext cx="7485413" cy="2452687"/>
+          </a:xfrm>
+        </p:spPr>
+        <p:txBody>
+          <a:bodyPr anchor="ctr">
+            <a:normAutofit/>
+          </a:bodyPr>
+          <a:lstStyle/>
+          <a:p>
+            <a:r>
+              <a:rPr lang="en-GB" sz="1800" dirty="0"/>
+              <a:t>Face Detection  - Identifying where a face is located in an image</a:t>
+            </a:r>
+          </a:p>
+          <a:p>
+            <a:r>
+              <a:rPr lang="en-GB" sz="1800" dirty="0"/>
+              <a:t>Face Recognition – Given a located face can we identify who the face belongs to ?</a:t>
+            </a:r>
+          </a:p>
+          <a:p>
+            <a:pPr marL="0" indent="0">
+              <a:buNone/>
+            </a:pPr>
+            <a:endParaRPr lang="en-GB" sz="1800" dirty="0"/>
+          </a:p>
+          <a:p>
+            <a:pPr marL="0" indent="0">
+              <a:buNone/>
+            </a:pPr>
+            <a:endParaRPr lang="en-GB" sz="1800" dirty="0"/>
+          </a:p>
+        </p:txBody>
+      </p:sp>
+    </p:spTree>
+    <p:extLst>
+      <p:ext uri="{BB962C8B-B14F-4D97-AF65-F5344CB8AC3E}">
+        <p14:creationId xmlns:p14="http://schemas.microsoft.com/office/powerpoint/2010/main" val="1989253804"/>
+      </p:ext>
+    </p:extLst>
+  </p:cSld>
+  <p:clrMapOvr>
+    <a:masterClrMapping/>
+  </p:clrMapOvr>
+</p:sld>
+</file>
+
+<file path=ppt/slides/slide4.xml><?xml version="1.0" encoding="utf-8"?>
+<p:sld xmlns:a="http://schemas.openxmlformats.org/drawingml/2006/main" xmlns:r="http://schemas.openxmlformats.org/officeDocument/2006/relationships" xmlns:p="http://schemas.openxmlformats.org/presentationml/2006/main">
+  <p:cSld>
+    <p:bg>
+      <p:bgPr>
+        <a:solidFill>
+          <a:schemeClr val="bg1"/>
+        </a:solidFill>
+        <a:effectLst/>
+      </p:bgPr>
+    </p:bg>
+    <p:spTree>
+      <p:nvGrpSpPr>
+        <p:cNvPr id="1" name=""/>
+        <p:cNvGrpSpPr/>
+        <p:nvPr/>
+      </p:nvGrpSpPr>
+      <p:grpSpPr>
+        <a:xfrm>
+          <a:off x="0" y="0"/>
+          <a:ext cx="0" cy="0"/>
+          <a:chOff x="0" y="0"/>
+          <a:chExt cx="0" cy="0"/>
+        </a:xfrm>
+      </p:grpSpPr>
+      <p:sp>
+        <p:nvSpPr>
+          <p:cNvPr id="2" name="Title 1">
+            <a:extLst>
+              <a:ext uri="{FF2B5EF4-FFF2-40B4-BE49-F238E27FC236}">
+                <a16:creationId xmlns:a16="http://schemas.microsoft.com/office/drawing/2014/main" id="{6B105B4B-C518-423B-BB4B-D738E3312368}"/>
+              </a:ext>
+            </a:extLst>
+          </p:cNvPr>
+          <p:cNvSpPr>
+            <a:spLocks noGrp="1"/>
+          </p:cNvSpPr>
+          <p:nvPr>
+            <p:ph type="title"/>
+          </p:nvPr>
+        </p:nvSpPr>
+        <p:spPr>
+          <a:xfrm>
+            <a:off x="8045751" y="629266"/>
+            <a:ext cx="3667039" cy="1676603"/>
+          </a:xfrm>
+        </p:spPr>
+        <p:txBody>
+          <a:bodyPr>
+            <a:normAutofit/>
+          </a:bodyPr>
+          <a:lstStyle/>
+          <a:p>
+            <a:pPr algn="ctr"/>
+            <a:r>
+              <a:rPr lang="en-GB" sz="4000" dirty="0"/>
+              <a:t>What is an Image?</a:t>
+            </a:r>
+          </a:p>
+        </p:txBody>
+      </p:sp>
+      <p:sp>
+        <p:nvSpPr>
+          <p:cNvPr id="12" name="Rectangle 11">
+            <a:extLst>
+              <a:ext uri="{FF2B5EF4-FFF2-40B4-BE49-F238E27FC236}">
+                <a16:creationId xmlns:a16="http://schemas.microsoft.com/office/drawing/2014/main" id="{577D1452-F0B7-431E-9A24-D3F7103D8510}"/>
               </a:ext>
               <a:ext uri="{C183D7F6-B498-43B3-948B-1728B52AA6E4}">
                 <adec:decorative xmlns:adec="http://schemas.microsoft.com/office/drawing/2017/decorative" val="1"/>
@@ -3715,88 +4834,19 @@
           </p:nvPr>
         </p:nvSpPr>
         <p:spPr>
-          <a:xfrm rot="5400000">
-            <a:off x="662559" y="605790"/>
-            <a:ext cx="73152" cy="548640"/>
+          <a:xfrm>
+            <a:off x="0" y="0"/>
+            <a:ext cx="7552944" cy="6858000"/>
           </a:xfrm>
           <a:prstGeom prst="rect">
             <a:avLst/>
           </a:prstGeom>
           <a:solidFill>
-            <a:schemeClr val="accent2"/>
+            <a:srgbClr val="C8CACA"/>
           </a:solidFill>
           <a:ln>
             <a:noFill/>
           </a:ln>
-        </p:spPr>
-        <p:style>
-          <a:lnRef idx="2">
-            <a:schemeClr val="accent1">
-              <a:shade val="50000"/>
-            </a:schemeClr>
-          </a:lnRef>
-          <a:fillRef idx="1">
-            <a:schemeClr val="accent1"/>
-          </a:fillRef>
-          <a:effectRef idx="0">
-            <a:schemeClr val="accent1"/>
-          </a:effectRef>
-          <a:fontRef idx="minor">
-            <a:schemeClr val="lt1"/>
-          </a:fontRef>
-        </p:style>
-        <p:txBody>
-          <a:bodyPr rtlCol="0" anchor="ctr"/>
-          <a:lstStyle/>
-          <a:p>
-            <a:pPr algn="ctr"/>
-            <a:endParaRPr lang="en-US">
-              <a:solidFill>
-                <a:prstClr val="white"/>
-              </a:solidFill>
-              <a:latin typeface="Calibri" panose="020F0502020204030204"/>
-            </a:endParaRPr>
-          </a:p>
-        </p:txBody>
-      </p:sp>
-      <p:sp>
-        <p:nvSpPr>
-          <p:cNvPr id="22" name="Rectangle 21">
-            <a:extLst>
-              <a:ext uri="{FF2B5EF4-FFF2-40B4-BE49-F238E27FC236}">
-                <a16:creationId xmlns:a16="http://schemas.microsoft.com/office/drawing/2014/main" id="{7A5F0580-5EE9-419F-96EE-B6529EF6E7D0}"/>
-              </a:ext>
-              <a:ext uri="{C183D7F6-B498-43B3-948B-1728B52AA6E4}">
-                <adec:decorative xmlns:adec="http://schemas.microsoft.com/office/drawing/2017/decorative" val="1"/>
-              </a:ext>
-            </a:extLst>
-          </p:cNvPr>
-          <p:cNvSpPr>
-            <a:spLocks noGrp="1" noRot="1" noChangeAspect="1" noMove="1" noResize="1" noEditPoints="1" noAdjustHandles="1" noChangeArrowheads="1" noChangeShapeType="1" noTextEdit="1"/>
-          </p:cNvSpPr>
-          <p:nvPr>
-            <p:extLst>
-              <p:ext uri="{386F3935-93C4-4BCD-93E2-E3B085C9AB24}">
-                <p16:designElem xmlns:p16="http://schemas.microsoft.com/office/powerpoint/2015/main" val="1"/>
-              </p:ext>
-            </p:extLst>
-          </p:nvPr>
-        </p:nvSpPr>
-        <p:spPr>
-          <a:xfrm>
-            <a:off x="428244" y="2443480"/>
-            <a:ext cx="3300984" cy="18288"/>
-          </a:xfrm>
-          <a:prstGeom prst="rect">
-            <a:avLst/>
-          </a:prstGeom>
-          <a:solidFill>
-            <a:schemeClr val="tx1"/>
-          </a:solidFill>
-          <a:ln w="3175">
-            <a:noFill/>
-          </a:ln>
-          <a:effectLst/>
         </p:spPr>
         <p:style>
           <a:lnRef idx="2">
@@ -3854,98 +4904,10 @@
       </p:sp>
       <p:sp>
         <p:nvSpPr>
-          <p:cNvPr id="3" name="Content Placeholder 2">
-            <a:extLst>
-              <a:ext uri="{FF2B5EF4-FFF2-40B4-BE49-F238E27FC236}">
-                <a16:creationId xmlns:a16="http://schemas.microsoft.com/office/drawing/2014/main" id="{65CD86B9-7352-4429-8C85-938FB3A7DF06}"/>
-              </a:ext>
-            </a:extLst>
-          </p:cNvPr>
-          <p:cNvSpPr>
-            <a:spLocks noGrp="1"/>
-          </p:cNvSpPr>
-          <p:nvPr>
-            <p:ph idx="1"/>
-          </p:nvPr>
-        </p:nvSpPr>
-        <p:spPr>
-          <a:xfrm>
-            <a:off x="371094" y="2718054"/>
-            <a:ext cx="3438906" cy="3207258"/>
-          </a:xfrm>
-        </p:spPr>
-        <p:txBody>
-          <a:bodyPr anchor="t">
-            <a:normAutofit/>
-          </a:bodyPr>
-          <a:lstStyle/>
-          <a:p>
-            <a:r>
-              <a:rPr lang="en-GB" sz="1700"/>
-              <a:t>Machines see and process everything using numbers, including images and text. </a:t>
-            </a:r>
-          </a:p>
-          <a:p>
-            <a:r>
-              <a:rPr lang="en-GB" sz="1700"/>
-              <a:t>Conversion from images to numbers can be done using pixel values.</a:t>
-            </a:r>
-          </a:p>
-          <a:p>
-            <a:r>
-              <a:rPr lang="en-GB" sz="1700"/>
-              <a:t>Every number represents the pixel intensity at that location.</a:t>
-            </a:r>
-          </a:p>
-          <a:p>
-            <a:endParaRPr lang="en-GB" sz="1700"/>
-          </a:p>
-        </p:txBody>
-      </p:sp>
-    </p:spTree>
-    <p:extLst>
-      <p:ext uri="{BB962C8B-B14F-4D97-AF65-F5344CB8AC3E}">
-        <p14:creationId xmlns:p14="http://schemas.microsoft.com/office/powerpoint/2010/main" val="1165099194"/>
-      </p:ext>
-    </p:extLst>
-  </p:cSld>
-  <p:clrMapOvr>
-    <a:overrideClrMapping bg1="dk1" tx1="lt1" bg2="dk2" tx2="lt2" accent1="accent1" accent2="accent2" accent3="accent3" accent4="accent4" accent5="accent5" accent6="accent6" hlink="hlink" folHlink="folHlink"/>
-  </p:clrMapOvr>
-</p:sld>
-</file>
-
-<file path=ppt/slides/slide3.xml><?xml version="1.0" encoding="utf-8"?>
-<p:sld xmlns:a="http://schemas.openxmlformats.org/drawingml/2006/main" xmlns:r="http://schemas.openxmlformats.org/officeDocument/2006/relationships" xmlns:p="http://schemas.openxmlformats.org/presentationml/2006/main">
-  <p:cSld>
-    <p:bg>
-      <p:bgPr>
-        <a:solidFill>
-          <a:schemeClr val="bg1"/>
-        </a:solidFill>
-        <a:effectLst/>
-      </p:bgPr>
-    </p:bg>
-    <p:spTree>
-      <p:nvGrpSpPr>
-        <p:cNvPr id="1" name=""/>
-        <p:cNvGrpSpPr/>
-        <p:nvPr/>
-      </p:nvGrpSpPr>
-      <p:grpSpPr>
-        <a:xfrm>
-          <a:off x="0" y="0"/>
-          <a:ext cx="0" cy="0"/>
-          <a:chOff x="0" y="0"/>
-          <a:chExt cx="0" cy="0"/>
-        </a:xfrm>
-      </p:grpSpPr>
-      <p:sp>
-        <p:nvSpPr>
-          <p:cNvPr id="21" name="Rectangle 20">
-            <a:extLst>
-              <a:ext uri="{FF2B5EF4-FFF2-40B4-BE49-F238E27FC236}">
-                <a16:creationId xmlns:a16="http://schemas.microsoft.com/office/drawing/2014/main" id="{FC0DEEBF-DB94-4E7E-A9D3-84FA863C3BD9}"/>
+          <p:cNvPr id="14" name="Rounded Rectangle 20">
+            <a:extLst>
+              <a:ext uri="{FF2B5EF4-FFF2-40B4-BE49-F238E27FC236}">
+                <a16:creationId xmlns:a16="http://schemas.microsoft.com/office/drawing/2014/main" id="{A660F4F9-5DF5-4F15-BE6A-CD8648BB1148}"/>
               </a:ext>
               <a:ext uri="{C183D7F6-B498-43B3-948B-1728B52AA6E4}">
                 <adec:decorative xmlns:adec="http://schemas.microsoft.com/office/drawing/2017/decorative" val="1"/>
@@ -3963,461 +4925,31 @@
             </p:extLst>
           </p:nvPr>
         </p:nvSpPr>
-        <p:spPr bwMode="ltGray">
-          <a:xfrm>
-            <a:off x="4708357" y="3509963"/>
-            <a:ext cx="7092215" cy="2967839"/>
-          </a:xfrm>
-          <a:prstGeom prst="rect">
-            <a:avLst/>
+        <p:spPr>
+          <a:xfrm>
+            <a:off x="479211" y="559407"/>
+            <a:ext cx="6594522" cy="5739187"/>
+          </a:xfrm>
+          <a:prstGeom prst="roundRect">
+            <a:avLst>
+              <a:gd name="adj" fmla="val 0"/>
+            </a:avLst>
           </a:prstGeom>
           <a:solidFill>
-            <a:srgbClr val="404040"/>
+            <a:srgbClr val="FFFFFF"/>
           </a:solidFill>
-          <a:ln w="127000" cap="sq" cmpd="thinThick">
+          <a:ln w="9525">
             <a:solidFill>
-              <a:srgbClr val="404040"/>
+              <a:srgbClr val="C8CACA"/>
             </a:solidFill>
           </a:ln>
-        </p:spPr>
-        <p:style>
-          <a:lnRef idx="2">
-            <a:schemeClr val="accent1">
-              <a:shade val="50000"/>
-            </a:schemeClr>
-          </a:lnRef>
-          <a:fillRef idx="1">
-            <a:schemeClr val="accent1"/>
-          </a:fillRef>
-          <a:effectRef idx="0">
-            <a:schemeClr val="accent1"/>
-          </a:effectRef>
-          <a:fontRef idx="minor">
-            <a:schemeClr val="lt1"/>
-          </a:fontRef>
-        </p:style>
-        <p:txBody>
-          <a:bodyPr rtlCol="0" anchor="ctr"/>
-          <a:lstStyle/>
-          <a:p>
-            <a:pPr algn="ctr"/>
-            <a:endParaRPr lang="en-US" dirty="0"/>
-          </a:p>
-        </p:txBody>
-      </p:sp>
-      <p:sp>
-        <p:nvSpPr>
-          <p:cNvPr id="2" name="Title 1">
-            <a:extLst>
-              <a:ext uri="{FF2B5EF4-FFF2-40B4-BE49-F238E27FC236}">
-                <a16:creationId xmlns:a16="http://schemas.microsoft.com/office/drawing/2014/main" id="{1F939043-D763-4862-B195-9CBE24F371A8}"/>
-              </a:ext>
-            </a:extLst>
-          </p:cNvPr>
-          <p:cNvSpPr>
-            <a:spLocks noGrp="1"/>
-          </p:cNvSpPr>
-          <p:nvPr>
-            <p:ph type="title"/>
-          </p:nvPr>
-        </p:nvSpPr>
-        <p:spPr>
-          <a:xfrm>
-            <a:off x="5021821" y="3812954"/>
-            <a:ext cx="6465287" cy="1516014"/>
-          </a:xfrm>
-        </p:spPr>
-        <p:txBody>
-          <a:bodyPr vert="horz" lIns="91440" tIns="45720" rIns="91440" bIns="45720" rtlCol="0" anchor="b">
-            <a:normAutofit/>
-          </a:bodyPr>
-          <a:lstStyle/>
-          <a:p>
-            <a:r>
-              <a:rPr lang="en-US" sz="4800" kern="1200">
-                <a:solidFill>
-                  <a:srgbClr val="FFFFFF"/>
-                </a:solidFill>
-                <a:latin typeface="+mj-lt"/>
-                <a:ea typeface="+mj-ea"/>
-                <a:cs typeface="+mj-cs"/>
-              </a:rPr>
-              <a:t>Why Face Detection ?</a:t>
-            </a:r>
-          </a:p>
-        </p:txBody>
-      </p:sp>
-      <p:pic>
-        <p:nvPicPr>
-          <p:cNvPr id="16" name="Picture 15" descr="A dining room table&#10;&#10;Description automatically generated">
-            <a:extLst>
-              <a:ext uri="{FF2B5EF4-FFF2-40B4-BE49-F238E27FC236}">
-                <a16:creationId xmlns:a16="http://schemas.microsoft.com/office/drawing/2014/main" id="{A7BF00BA-945C-40D3-AB65-085FF54CFF4A}"/>
-              </a:ext>
-            </a:extLst>
-          </p:cNvPr>
-          <p:cNvPicPr>
-            <a:picLocks noChangeAspect="1"/>
-          </p:cNvPicPr>
-          <p:nvPr/>
-        </p:nvPicPr>
-        <p:blipFill rotWithShape="1">
-          <a:blip r:embed="rId2">
-            <a:extLst>
-              <a:ext uri="{28A0092B-C50C-407E-A947-70E740481C1C}">
-                <a14:useLocalDpi xmlns:a14="http://schemas.microsoft.com/office/drawing/2010/main" val="0"/>
-              </a:ext>
-            </a:extLst>
-          </a:blip>
-          <a:srcRect t="5032" r="-1" b="-1"/>
-          <a:stretch/>
-        </p:blipFill>
-        <p:spPr>
-          <a:xfrm>
-            <a:off x="317635" y="321733"/>
-            <a:ext cx="4160452" cy="2222497"/>
-          </a:xfrm>
-          <a:prstGeom prst="rect">
-            <a:avLst/>
-          </a:prstGeom>
-        </p:spPr>
-      </p:pic>
-      <p:cxnSp>
-        <p:nvCxnSpPr>
-          <p:cNvPr id="23" name="Straight Connector 22">
-            <a:extLst>
-              <a:ext uri="{FF2B5EF4-FFF2-40B4-BE49-F238E27FC236}">
-                <a16:creationId xmlns:a16="http://schemas.microsoft.com/office/drawing/2014/main" id="{77A9CA3A-7216-41E0-B3CD-058077FD396D}"/>
-              </a:ext>
-              <a:ext uri="{C183D7F6-B498-43B3-948B-1728B52AA6E4}">
-                <adec:decorative xmlns:adec="http://schemas.microsoft.com/office/drawing/2017/decorative" val="1"/>
-              </a:ext>
-            </a:extLst>
-          </p:cNvPr>
-          <p:cNvCxnSpPr>
-            <a:cxnSpLocks noGrp="1" noRot="1" noChangeAspect="1" noMove="1" noResize="1" noEditPoints="1" noAdjustHandles="1" noChangeArrowheads="1" noChangeShapeType="1"/>
-          </p:cNvCxnSpPr>
-          <p:nvPr>
-            <p:extLst>
-              <p:ext uri="{386F3935-93C4-4BCD-93E2-E3B085C9AB24}">
-                <p16:designElem xmlns:p16="http://schemas.microsoft.com/office/powerpoint/2015/main" val="1"/>
-              </p:ext>
-            </p:extLst>
-          </p:nvPr>
-        </p:nvCxnSpPr>
-        <p:spPr>
-          <a:xfrm>
-            <a:off x="5138287" y="5443086"/>
-            <a:ext cx="6400800" cy="0"/>
-          </a:xfrm>
-          <a:prstGeom prst="line">
-            <a:avLst/>
-          </a:prstGeom>
-          <a:ln w="22225">
-            <a:solidFill>
-              <a:srgbClr val="D9D9D9"/>
-            </a:solidFill>
-          </a:ln>
-        </p:spPr>
-        <p:style>
-          <a:lnRef idx="1">
-            <a:schemeClr val="accent1"/>
-          </a:lnRef>
-          <a:fillRef idx="0">
-            <a:schemeClr val="accent1"/>
-          </a:fillRef>
-          <a:effectRef idx="0">
-            <a:schemeClr val="accent1"/>
-          </a:effectRef>
-          <a:fontRef idx="minor">
-            <a:schemeClr val="tx1"/>
-          </a:fontRef>
-        </p:style>
-      </p:cxnSp>
-      <p:pic>
-        <p:nvPicPr>
-          <p:cNvPr id="12" name="Content Placeholder 11" descr="A picture containing person, outdoor, building, person&#10;&#10;Description automatically generated">
-            <a:extLst>
-              <a:ext uri="{FF2B5EF4-FFF2-40B4-BE49-F238E27FC236}">
-                <a16:creationId xmlns:a16="http://schemas.microsoft.com/office/drawing/2014/main" id="{6B3A70E4-2FAB-4B7D-A800-5306BAAF9DB9}"/>
-              </a:ext>
-            </a:extLst>
-          </p:cNvPr>
-          <p:cNvPicPr>
-            <a:picLocks noGrp="1" noChangeAspect="1"/>
-          </p:cNvPicPr>
-          <p:nvPr>
-            <p:ph idx="1"/>
-          </p:nvPr>
-        </p:nvPicPr>
-        <p:blipFill rotWithShape="1">
-          <a:blip r:embed="rId3">
-            <a:extLst>
-              <a:ext uri="{28A0092B-C50C-407E-A947-70E740481C1C}">
-                <a14:useLocalDpi xmlns:a14="http://schemas.microsoft.com/office/drawing/2010/main" val="0"/>
-              </a:ext>
-            </a:extLst>
-          </a:blip>
-          <a:srcRect l="7372" r="20413" b="1"/>
-          <a:stretch/>
-        </p:blipFill>
-        <p:spPr>
-          <a:xfrm>
-            <a:off x="317635" y="2705099"/>
-            <a:ext cx="4160452" cy="3831167"/>
-          </a:xfrm>
-          <a:prstGeom prst="rect">
-            <a:avLst/>
-          </a:prstGeom>
-        </p:spPr>
-      </p:pic>
-      <p:pic>
-        <p:nvPicPr>
-          <p:cNvPr id="8" name="Picture 7" descr="A close up of a speaker&#10;&#10;Description automatically generated">
-            <a:extLst>
-              <a:ext uri="{FF2B5EF4-FFF2-40B4-BE49-F238E27FC236}">
-                <a16:creationId xmlns:a16="http://schemas.microsoft.com/office/drawing/2014/main" id="{AE6A0089-B744-4B0E-8164-D0FA3F30DDAD}"/>
-              </a:ext>
-            </a:extLst>
-          </p:cNvPr>
-          <p:cNvPicPr>
-            <a:picLocks noChangeAspect="1"/>
-          </p:cNvPicPr>
-          <p:nvPr/>
-        </p:nvPicPr>
-        <p:blipFill rotWithShape="1">
-          <a:blip r:embed="rId4">
-            <a:extLst>
-              <a:ext uri="{28A0092B-C50C-407E-A947-70E740481C1C}">
-                <a14:useLocalDpi xmlns:a14="http://schemas.microsoft.com/office/drawing/2010/main" val="0"/>
-              </a:ext>
-            </a:extLst>
-          </a:blip>
-          <a:srcRect l="5423" r="12234" b="-4"/>
-          <a:stretch/>
-        </p:blipFill>
-        <p:spPr>
-          <a:xfrm>
-            <a:off x="4638675" y="299364"/>
-            <a:ext cx="2775313" cy="3008188"/>
-          </a:xfrm>
-          <a:prstGeom prst="rect">
-            <a:avLst/>
-          </a:prstGeom>
-        </p:spPr>
-      </p:pic>
-      <p:pic>
-        <p:nvPicPr>
-          <p:cNvPr id="14" name="Picture 13" descr="A picture containing accessory, newspaper&#10;&#10;Description automatically generated">
-            <a:extLst>
-              <a:ext uri="{FF2B5EF4-FFF2-40B4-BE49-F238E27FC236}">
-                <a16:creationId xmlns:a16="http://schemas.microsoft.com/office/drawing/2014/main" id="{2CD9ADA8-67F7-40D1-9B0E-5F589D6E476F}"/>
-              </a:ext>
-            </a:extLst>
-          </p:cNvPr>
-          <p:cNvPicPr>
-            <a:picLocks noChangeAspect="1"/>
-          </p:cNvPicPr>
-          <p:nvPr/>
-        </p:nvPicPr>
-        <p:blipFill rotWithShape="1">
-          <a:blip r:embed="rId5">
-            <a:extLst>
-              <a:ext uri="{28A0092B-C50C-407E-A947-70E740481C1C}">
-                <a14:useLocalDpi xmlns:a14="http://schemas.microsoft.com/office/drawing/2010/main" val="0"/>
-              </a:ext>
-            </a:extLst>
-          </a:blip>
-          <a:srcRect l="17831" r="14136" b="3"/>
-          <a:stretch/>
-        </p:blipFill>
-        <p:spPr>
-          <a:xfrm>
-            <a:off x="7574805" y="299363"/>
-            <a:ext cx="4308687" cy="3008188"/>
-          </a:xfrm>
-          <a:prstGeom prst="rect">
-            <a:avLst/>
-          </a:prstGeom>
-        </p:spPr>
-      </p:pic>
-    </p:spTree>
-    <p:extLst>
-      <p:ext uri="{BB962C8B-B14F-4D97-AF65-F5344CB8AC3E}">
-        <p14:creationId xmlns:p14="http://schemas.microsoft.com/office/powerpoint/2010/main" val="1540832358"/>
-      </p:ext>
-    </p:extLst>
-  </p:cSld>
-  <p:clrMapOvr>
-    <a:masterClrMapping/>
-  </p:clrMapOvr>
-</p:sld>
-</file>
-
-<file path=ppt/slides/slide4.xml><?xml version="1.0" encoding="utf-8"?>
-<p:sld xmlns:a="http://schemas.openxmlformats.org/drawingml/2006/main" xmlns:r="http://schemas.openxmlformats.org/officeDocument/2006/relationships" xmlns:p="http://schemas.openxmlformats.org/presentationml/2006/main">
-  <p:cSld>
-    <p:bg>
-      <p:bgPr>
-        <a:solidFill>
-          <a:schemeClr val="bg1">
-            <a:tint val="95000"/>
-            <a:satMod val="170000"/>
-          </a:schemeClr>
-        </a:solidFill>
-        <a:effectLst/>
-      </p:bgPr>
-    </p:bg>
-    <p:spTree>
-      <p:nvGrpSpPr>
-        <p:cNvPr id="1" name=""/>
-        <p:cNvGrpSpPr/>
-        <p:nvPr/>
-      </p:nvGrpSpPr>
-      <p:grpSpPr>
-        <a:xfrm>
-          <a:off x="0" y="0"/>
-          <a:ext cx="0" cy="0"/>
-          <a:chOff x="0" y="0"/>
-          <a:chExt cx="0" cy="0"/>
-        </a:xfrm>
-      </p:grpSpPr>
-      <p:sp useBgFill="1">
-        <p:nvSpPr>
-          <p:cNvPr id="59" name="Rectangle 53">
-            <a:extLst>
-              <a:ext uri="{FF2B5EF4-FFF2-40B4-BE49-F238E27FC236}">
-                <a16:creationId xmlns:a16="http://schemas.microsoft.com/office/drawing/2014/main" id="{9B76D444-2756-434F-AE61-96D69830C13E}"/>
-              </a:ext>
-              <a:ext uri="{C183D7F6-B498-43B3-948B-1728B52AA6E4}">
-                <adec:decorative xmlns:adec="http://schemas.microsoft.com/office/drawing/2017/decorative" val="1"/>
-              </a:ext>
-            </a:extLst>
-          </p:cNvPr>
-          <p:cNvSpPr>
-            <a:spLocks noGrp="1" noRot="1" noChangeAspect="1" noMove="1" noResize="1" noEditPoints="1" noAdjustHandles="1" noChangeArrowheads="1" noChangeShapeType="1" noTextEdit="1"/>
-          </p:cNvSpPr>
-          <p:nvPr>
-            <p:extLst>
-              <p:ext uri="{386F3935-93C4-4BCD-93E2-E3B085C9AB24}">
-                <p16:designElem xmlns:p16="http://schemas.microsoft.com/office/powerpoint/2015/main" val="1"/>
-              </p:ext>
-            </p:extLst>
-          </p:nvPr>
-        </p:nvSpPr>
-        <p:spPr>
-          <a:xfrm>
-            <a:off x="0" y="0"/>
-            <a:ext cx="12188952" cy="6858000"/>
-          </a:xfrm>
-          <a:prstGeom prst="rect">
-            <a:avLst/>
-          </a:prstGeom>
-          <a:ln>
-            <a:noFill/>
-          </a:ln>
-        </p:spPr>
-        <p:style>
-          <a:lnRef idx="2">
-            <a:schemeClr val="accent1">
-              <a:shade val="50000"/>
-            </a:schemeClr>
-          </a:lnRef>
-          <a:fillRef idx="1">
-            <a:schemeClr val="accent1"/>
-          </a:fillRef>
-          <a:effectRef idx="0">
-            <a:schemeClr val="accent1"/>
-          </a:effectRef>
-          <a:fontRef idx="minor">
-            <a:schemeClr val="lt1"/>
-          </a:fontRef>
-        </p:style>
-        <p:txBody>
-          <a:bodyPr rtlCol="0" anchor="ctr"/>
-          <a:lstStyle/>
-          <a:p>
-            <a:pPr algn="ctr"/>
-            <a:endParaRPr lang="en-US"/>
-          </a:p>
-        </p:txBody>
-      </p:sp>
-      <p:pic>
-        <p:nvPicPr>
-          <p:cNvPr id="23" name="Content Placeholder 22" descr="A group of people posing for a photo&#10;&#10;Description automatically generated">
-            <a:extLst>
-              <a:ext uri="{FF2B5EF4-FFF2-40B4-BE49-F238E27FC236}">
-                <a16:creationId xmlns:a16="http://schemas.microsoft.com/office/drawing/2014/main" id="{3FBEA929-E6A3-4EF2-AC8C-EB83E93235E2}"/>
-              </a:ext>
-            </a:extLst>
-          </p:cNvPr>
-          <p:cNvPicPr>
-            <a:picLocks noGrp="1" noChangeAspect="1"/>
-          </p:cNvPicPr>
-          <p:nvPr>
-            <p:ph sz="quarter" idx="4294967295"/>
-          </p:nvPr>
-        </p:nvPicPr>
-        <p:blipFill rotWithShape="1">
-          <a:blip r:embed="rId2">
-            <a:extLst>
-              <a:ext uri="{28A0092B-C50C-407E-A947-70E740481C1C}">
-                <a14:useLocalDpi xmlns:a14="http://schemas.microsoft.com/office/drawing/2010/main" val="0"/>
-              </a:ext>
-            </a:extLst>
-          </a:blip>
-          <a:srcRect t="2409" r="-1" b="52830"/>
-          <a:stretch/>
-        </p:blipFill>
-        <p:spPr>
-          <a:xfrm>
-            <a:off x="320040" y="320040"/>
-            <a:ext cx="11548872" cy="4303462"/>
-          </a:xfrm>
-          <a:prstGeom prst="rect">
-            <a:avLst/>
-          </a:prstGeom>
-        </p:spPr>
-      </p:pic>
-      <p:sp>
-        <p:nvSpPr>
-          <p:cNvPr id="60" name="Rectangle 55">
-            <a:extLst>
-              <a:ext uri="{FF2B5EF4-FFF2-40B4-BE49-F238E27FC236}">
-                <a16:creationId xmlns:a16="http://schemas.microsoft.com/office/drawing/2014/main" id="{A27B6159-7734-4564-9E0F-C4BC43C36E52}"/>
-              </a:ext>
-              <a:ext uri="{C183D7F6-B498-43B3-948B-1728B52AA6E4}">
-                <adec:decorative xmlns:adec="http://schemas.microsoft.com/office/drawing/2017/decorative" val="1"/>
-              </a:ext>
-            </a:extLst>
-          </p:cNvPr>
-          <p:cNvSpPr>
-            <a:spLocks noGrp="1" noRot="1" noChangeAspect="1" noMove="1" noResize="1" noEditPoints="1" noAdjustHandles="1" noChangeArrowheads="1" noChangeShapeType="1" noTextEdit="1"/>
-          </p:cNvSpPr>
-          <p:nvPr>
-            <p:extLst>
-              <p:ext uri="{386F3935-93C4-4BCD-93E2-E3B085C9AB24}">
-                <p16:designElem xmlns:p16="http://schemas.microsoft.com/office/powerpoint/2015/main" val="1"/>
-              </p:ext>
-            </p:extLst>
-          </p:nvPr>
-        </p:nvSpPr>
-        <p:spPr bwMode="ltGray">
-          <a:xfrm>
-            <a:off x="321564" y="4782312"/>
-            <a:ext cx="11548872" cy="1755648"/>
-          </a:xfrm>
-          <a:prstGeom prst="rect">
-            <a:avLst/>
-          </a:prstGeom>
-          <a:solidFill>
-            <a:schemeClr val="tx1">
-              <a:alpha val="93000"/>
-            </a:schemeClr>
-          </a:solidFill>
-          <a:ln w="127000" cap="sq" cmpd="thinThick">
-            <a:noFill/>
-          </a:ln>
+          <a:effectLst>
+            <a:outerShdw blurRad="57150" dist="19050" dir="5400000" algn="t" rotWithShape="0">
+              <a:prstClr val="black">
+                <a:alpha val="63000"/>
+              </a:prstClr>
+            </a:outerShdw>
+          </a:effectLst>
         </p:spPr>
         <p:style>
           <a:lnRef idx="2">
@@ -4473,177 +5005,102 @@
           </a:p>
         </p:txBody>
       </p:sp>
-      <p:sp>
-        <p:nvSpPr>
-          <p:cNvPr id="2" name="Title 1">
-            <a:extLst>
-              <a:ext uri="{FF2B5EF4-FFF2-40B4-BE49-F238E27FC236}">
-                <a16:creationId xmlns:a16="http://schemas.microsoft.com/office/drawing/2014/main" id="{7F012C09-C027-4C0C-AEA7-21698DEA8175}"/>
-              </a:ext>
-            </a:extLst>
-          </p:cNvPr>
-          <p:cNvSpPr>
-            <a:spLocks noGrp="1"/>
-          </p:cNvSpPr>
-          <p:nvPr>
-            <p:ph type="title"/>
-          </p:nvPr>
-        </p:nvSpPr>
-        <p:spPr>
-          <a:xfrm>
-            <a:off x="841248" y="5009083"/>
-            <a:ext cx="2889504" cy="1345997"/>
-          </a:xfrm>
-        </p:spPr>
-        <p:txBody>
-          <a:bodyPr anchor="ctr">
+      <p:pic>
+        <p:nvPicPr>
+          <p:cNvPr id="7" name="Picture 6" descr="A close up of a dog&#10;&#10;Description automatically generated">
+            <a:extLst>
+              <a:ext uri="{FF2B5EF4-FFF2-40B4-BE49-F238E27FC236}">
+                <a16:creationId xmlns:a16="http://schemas.microsoft.com/office/drawing/2014/main" id="{1EB9F7CB-3C5B-468B-9DFA-8F8A25E37964}"/>
+              </a:ext>
+            </a:extLst>
+          </p:cNvPr>
+          <p:cNvPicPr>
+            <a:picLocks noChangeAspect="1"/>
+          </p:cNvPicPr>
+          <p:nvPr/>
+        </p:nvPicPr>
+        <p:blipFill>
+          <a:blip r:embed="rId2">
+            <a:extLst>
+              <a:ext uri="{28A0092B-C50C-407E-A947-70E740481C1C}">
+                <a14:useLocalDpi xmlns:a14="http://schemas.microsoft.com/office/drawing/2010/main" val="0"/>
+              </a:ext>
+            </a:extLst>
+          </a:blip>
+          <a:stretch>
+            <a:fillRect/>
+          </a:stretch>
+        </p:blipFill>
+        <p:spPr>
+          <a:xfrm>
+            <a:off x="744142" y="1874931"/>
+            <a:ext cx="6064660" cy="3108137"/>
+          </a:xfrm>
+          <a:prstGeom prst="rect">
+            <a:avLst/>
+          </a:prstGeom>
+          <a:effectLst/>
+        </p:spPr>
+      </p:pic>
+      <p:sp>
+        <p:nvSpPr>
+          <p:cNvPr id="3" name="Content Placeholder 2">
+            <a:extLst>
+              <a:ext uri="{FF2B5EF4-FFF2-40B4-BE49-F238E27FC236}">
+                <a16:creationId xmlns:a16="http://schemas.microsoft.com/office/drawing/2014/main" id="{65CD86B9-7352-4429-8C85-938FB3A7DF06}"/>
+              </a:ext>
+            </a:extLst>
+          </p:cNvPr>
+          <p:cNvSpPr>
+            <a:spLocks noGrp="1"/>
+          </p:cNvSpPr>
+          <p:nvPr>
+            <p:ph idx="1"/>
+          </p:nvPr>
+        </p:nvSpPr>
+        <p:spPr>
+          <a:xfrm>
+            <a:off x="8045753" y="2438401"/>
+            <a:ext cx="3667036" cy="3779520"/>
+          </a:xfrm>
+        </p:spPr>
+        <p:txBody>
+          <a:bodyPr>
             <a:normAutofit/>
           </a:bodyPr>
           <a:lstStyle/>
           <a:p>
             <a:r>
-              <a:rPr lang="en-GB" sz="2600">
-                <a:solidFill>
-                  <a:schemeClr val="bg1"/>
-                </a:solidFill>
-              </a:rPr>
-              <a:t>Face Detection vs Face Recognition </a:t>
-            </a:r>
-          </a:p>
-        </p:txBody>
-      </p:sp>
-      <p:cxnSp>
-        <p:nvCxnSpPr>
-          <p:cNvPr id="58" name="Straight Connector 57">
-            <a:extLst>
-              <a:ext uri="{FF2B5EF4-FFF2-40B4-BE49-F238E27FC236}">
-                <a16:creationId xmlns:a16="http://schemas.microsoft.com/office/drawing/2014/main" id="{E2FFB46B-05BC-4950-B18A-9593FDAE6ED7}"/>
-              </a:ext>
-              <a:ext uri="{C183D7F6-B498-43B3-948B-1728B52AA6E4}">
-                <adec:decorative xmlns:adec="http://schemas.microsoft.com/office/drawing/2017/decorative" val="1"/>
-              </a:ext>
-            </a:extLst>
-          </p:cNvPr>
-          <p:cNvCxnSpPr>
-            <a:cxnSpLocks noGrp="1" noRot="1" noChangeAspect="1" noMove="1" noResize="1" noEditPoints="1" noAdjustHandles="1" noChangeArrowheads="1" noChangeShapeType="1"/>
-          </p:cNvCxnSpPr>
-          <p:nvPr>
-            <p:extLst>
-              <p:ext uri="{386F3935-93C4-4BCD-93E2-E3B085C9AB24}">
-                <p16:designElem xmlns:p16="http://schemas.microsoft.com/office/powerpoint/2015/main" val="1"/>
-              </p:ext>
-            </p:extLst>
-          </p:nvPr>
-        </p:nvCxnSpPr>
-        <p:spPr>
-          <a:xfrm flipV="1">
-            <a:off x="4059936" y="5237979"/>
-            <a:ext cx="0" cy="914400"/>
-          </a:xfrm>
-          <a:prstGeom prst="line">
-            <a:avLst/>
-          </a:prstGeom>
-          <a:ln w="19050">
-            <a:solidFill>
-              <a:schemeClr val="bg1">
-                <a:alpha val="80000"/>
-              </a:schemeClr>
-            </a:solidFill>
-          </a:ln>
-        </p:spPr>
-        <p:style>
-          <a:lnRef idx="1">
-            <a:schemeClr val="accent1"/>
-          </a:lnRef>
-          <a:fillRef idx="0">
-            <a:schemeClr val="accent1"/>
-          </a:fillRef>
-          <a:effectRef idx="0">
-            <a:schemeClr val="accent1"/>
-          </a:effectRef>
-          <a:fontRef idx="minor">
-            <a:schemeClr val="tx1"/>
-          </a:fontRef>
-        </p:style>
-      </p:cxnSp>
-      <p:sp>
-        <p:nvSpPr>
-          <p:cNvPr id="3" name="Content Placeholder 2">
-            <a:extLst>
-              <a:ext uri="{FF2B5EF4-FFF2-40B4-BE49-F238E27FC236}">
-                <a16:creationId xmlns:a16="http://schemas.microsoft.com/office/drawing/2014/main" id="{9693CEFB-7A82-42ED-97D8-05A846E9CBDF}"/>
-              </a:ext>
-            </a:extLst>
-          </p:cNvPr>
-          <p:cNvSpPr>
-            <a:spLocks noGrp="1"/>
-          </p:cNvSpPr>
-          <p:nvPr>
-            <p:ph idx="1"/>
-          </p:nvPr>
-        </p:nvSpPr>
-        <p:spPr>
-          <a:xfrm>
-            <a:off x="4389121" y="5223506"/>
-            <a:ext cx="6976872" cy="1345997"/>
-          </a:xfrm>
-        </p:spPr>
-        <p:txBody>
-          <a:bodyPr anchor="ctr">
-            <a:normAutofit/>
-          </a:bodyPr>
-          <a:lstStyle/>
-          <a:p>
-            <a:r>
-              <a:rPr lang="en-GB" sz="1700" dirty="0">
-                <a:solidFill>
-                  <a:schemeClr val="bg1"/>
-                </a:solidFill>
-              </a:rPr>
-              <a:t>Face Detection  - Locating and localizing one or more faces in an image</a:t>
-            </a:r>
-          </a:p>
-          <a:p>
-            <a:r>
-              <a:rPr lang="en-GB" sz="1700" dirty="0">
-                <a:solidFill>
-                  <a:schemeClr val="bg1"/>
-                </a:solidFill>
-              </a:rPr>
-              <a:t>Face Recognition – Given  a Region of Interest belonging to a face can we identify who the face belong to ?</a:t>
-            </a:r>
-          </a:p>
-          <a:p>
-            <a:pPr marL="0" indent="0">
-              <a:buNone/>
-            </a:pPr>
-            <a:endParaRPr lang="en-GB" sz="1700" dirty="0">
-              <a:solidFill>
-                <a:schemeClr val="bg1"/>
-              </a:solidFill>
-            </a:endParaRPr>
-          </a:p>
-          <a:p>
-            <a:pPr marL="0" indent="0">
-              <a:buNone/>
-            </a:pPr>
-            <a:endParaRPr lang="en-GB" sz="1700" dirty="0">
-              <a:solidFill>
-                <a:schemeClr val="bg1"/>
-              </a:solidFill>
-            </a:endParaRPr>
+              <a:rPr lang="en-GB" sz="1800"/>
+              <a:t>Machines see and process everything using numbers, including images and text. </a:t>
+            </a:r>
+          </a:p>
+          <a:p>
+            <a:r>
+              <a:rPr lang="en-GB" sz="1800"/>
+              <a:t>Conversion from images to numbers can be done using pixel values.</a:t>
+            </a:r>
+          </a:p>
+          <a:p>
+            <a:r>
+              <a:rPr lang="en-GB" sz="1800"/>
+              <a:t>Every number represents the pixel intensity at that location.</a:t>
+            </a:r>
+          </a:p>
+          <a:p>
+            <a:endParaRPr lang="en-GB" sz="1800" dirty="0"/>
           </a:p>
         </p:txBody>
       </p:sp>
     </p:spTree>
     <p:extLst>
       <p:ext uri="{BB962C8B-B14F-4D97-AF65-F5344CB8AC3E}">
-        <p14:creationId xmlns:p14="http://schemas.microsoft.com/office/powerpoint/2010/main" val="1989253804"/>
+        <p14:creationId xmlns:p14="http://schemas.microsoft.com/office/powerpoint/2010/main" val="1165099194"/>
       </p:ext>
     </p:extLst>
   </p:cSld>
   <p:clrMapOvr>
-    <a:overrideClrMapping bg1="dk1" tx1="lt1" bg2="dk2" tx2="lt2" accent1="accent1" accent2="accent2" accent3="accent3" accent4="accent4" accent5="accent5" accent6="accent6" hlink="hlink" folHlink="folHlink"/>
+    <a:masterClrMapping/>
   </p:clrMapOvr>
 </p:sld>
 </file>
@@ -4670,7 +5127,7 @@
           <p:cNvPr id="2" name="Title 1">
             <a:extLst>
               <a:ext uri="{FF2B5EF4-FFF2-40B4-BE49-F238E27FC236}">
-                <a16:creationId xmlns:a16="http://schemas.microsoft.com/office/drawing/2014/main" id="{8F797CF9-D69A-4BB4-9923-97996AF81633}"/>
+                <a16:creationId xmlns:a16="http://schemas.microsoft.com/office/drawing/2014/main" id="{5E2B3C58-4ADF-4DAA-BA82-FFB466DFC038}"/>
               </a:ext>
             </a:extLst>
           </p:cNvPr>
@@ -4681,600 +5138,239 @@
             <p:ph type="title"/>
           </p:nvPr>
         </p:nvSpPr>
-        <p:spPr>
-          <a:xfrm>
-            <a:off x="840508" y="725055"/>
-            <a:ext cx="10513291" cy="965633"/>
-          </a:xfrm>
-        </p:spPr>
+        <p:spPr/>
         <p:txBody>
           <a:bodyPr/>
           <a:lstStyle/>
           <a:p>
             <a:pPr algn="ctr"/>
             <a:r>
-              <a:rPr lang="en-GB" dirty="0"/>
-              <a:t>Face recognition pipeline</a:t>
-            </a:r>
-          </a:p>
-        </p:txBody>
-      </p:sp>
-      <p:sp>
-        <p:nvSpPr>
-          <p:cNvPr id="8" name="Rectangle 7">
-            <a:extLst>
-              <a:ext uri="{FF2B5EF4-FFF2-40B4-BE49-F238E27FC236}">
-                <a16:creationId xmlns:a16="http://schemas.microsoft.com/office/drawing/2014/main" id="{F795C2E6-BF9D-441B-9350-B5B8ED8C7573}"/>
-              </a:ext>
-            </a:extLst>
-          </p:cNvPr>
-          <p:cNvSpPr/>
+              <a:rPr lang="en-GB"/>
+              <a:t>Differentiating between image content</a:t>
+            </a:r>
+            <a:endParaRPr lang="en-GB" dirty="0"/>
+          </a:p>
+        </p:txBody>
+      </p:sp>
+      <p:sp>
+        <p:nvSpPr>
+          <p:cNvPr id="3" name="Content Placeholder 2">
+            <a:extLst>
+              <a:ext uri="{FF2B5EF4-FFF2-40B4-BE49-F238E27FC236}">
+                <a16:creationId xmlns:a16="http://schemas.microsoft.com/office/drawing/2014/main" id="{C11FA5C2-7569-457A-9675-E1482E0D3934}"/>
+              </a:ext>
+            </a:extLst>
+          </p:cNvPr>
+          <p:cNvSpPr>
+            <a:spLocks noGrp="1"/>
+          </p:cNvSpPr>
+          <p:nvPr>
+            <p:ph idx="1"/>
+          </p:nvPr>
+        </p:nvSpPr>
+        <p:spPr>
+          <a:xfrm>
+            <a:off x="838200" y="4376057"/>
+            <a:ext cx="10515600" cy="1800905"/>
+          </a:xfrm>
+        </p:spPr>
+        <p:txBody>
+          <a:bodyPr/>
+          <a:lstStyle/>
+          <a:p>
+            <a:r>
+              <a:rPr lang="en-GB" sz="1800" dirty="0">
+                <a:solidFill>
+                  <a:srgbClr val="FF0000"/>
+                </a:solidFill>
+                <a:effectLst/>
+                <a:latin typeface="Segoe UI" panose="020B0502040204020203" pitchFamily="34" charset="0"/>
+                <a:ea typeface="DengXian" panose="020B0503020204020204" pitchFamily="2" charset="-122"/>
+                <a:cs typeface="Times New Roman" panose="02020603050405020304" pitchFamily="18" charset="0"/>
+              </a:rPr>
+              <a:t>Feature descriptors </a:t>
+            </a:r>
+            <a:r>
+              <a:rPr lang="en-GB" sz="1800" dirty="0">
+                <a:solidFill>
+                  <a:srgbClr val="24292E"/>
+                </a:solidFill>
+                <a:effectLst/>
+                <a:latin typeface="Segoe UI" panose="020B0502040204020203" pitchFamily="34" charset="0"/>
+                <a:ea typeface="DengXian" panose="020B0503020204020204" pitchFamily="2" charset="-122"/>
+                <a:cs typeface="Times New Roman" panose="02020603050405020304" pitchFamily="18" charset="0"/>
+              </a:rPr>
+              <a:t>encode interesting information into a series of numbers and act as a sort of numerical “fingerprint” that can be used to differentiate one image from another.</a:t>
+            </a:r>
+          </a:p>
+          <a:p>
+            <a:r>
+              <a:rPr lang="en-GB" sz="1800" dirty="0">
+                <a:solidFill>
+                  <a:srgbClr val="24292E"/>
+                </a:solidFill>
+                <a:latin typeface="Segoe UI" panose="020B0502040204020203" pitchFamily="34" charset="0"/>
+                <a:ea typeface="DengXian" panose="020B0503020204020204" pitchFamily="2" charset="-122"/>
+                <a:cs typeface="Times New Roman" panose="02020603050405020304" pitchFamily="18" charset="0"/>
+              </a:rPr>
+              <a:t>Various techniques exist such as </a:t>
+            </a:r>
+          </a:p>
+          <a:p>
+            <a:pPr marL="800100" lvl="1" indent="-342900">
+              <a:buFont typeface="+mj-lt"/>
+              <a:buAutoNum type="arabicPeriod"/>
+            </a:pPr>
+            <a:r>
+              <a:rPr lang="en-GB" sz="1400" dirty="0">
+                <a:solidFill>
+                  <a:srgbClr val="24292E"/>
+                </a:solidFill>
+                <a:latin typeface="Segoe UI" panose="020B0502040204020203" pitchFamily="34" charset="0"/>
+                <a:ea typeface="DengXian" panose="020B0503020204020204" pitchFamily="2" charset="-122"/>
+                <a:cs typeface="Times New Roman" panose="02020603050405020304" pitchFamily="18" charset="0"/>
+              </a:rPr>
+              <a:t>Histogram of Oriented gradients</a:t>
+            </a:r>
+          </a:p>
+          <a:p>
+            <a:pPr marL="800100" lvl="1" indent="-342900">
+              <a:buFont typeface="+mj-lt"/>
+              <a:buAutoNum type="arabicPeriod"/>
+            </a:pPr>
+            <a:r>
+              <a:rPr lang="en-GB" sz="1400" dirty="0">
+                <a:solidFill>
+                  <a:srgbClr val="24292E"/>
+                </a:solidFill>
+                <a:latin typeface="Segoe UI" panose="020B0502040204020203" pitchFamily="34" charset="0"/>
+                <a:ea typeface="DengXian" panose="020B0503020204020204" pitchFamily="2" charset="-122"/>
+                <a:cs typeface="Times New Roman" panose="02020603050405020304" pitchFamily="18" charset="0"/>
+              </a:rPr>
+              <a:t>Convolution Neural Networks (CNN)</a:t>
+            </a:r>
+          </a:p>
+          <a:p>
+            <a:pPr marL="800100" lvl="1" indent="-342900">
+              <a:buFont typeface="+mj-lt"/>
+              <a:buAutoNum type="arabicPeriod"/>
+            </a:pPr>
+            <a:r>
+              <a:rPr lang="en-GB" sz="1400" dirty="0">
+                <a:solidFill>
+                  <a:srgbClr val="24292E"/>
+                </a:solidFill>
+                <a:latin typeface="Segoe UI" panose="020B0502040204020203" pitchFamily="34" charset="0"/>
+                <a:ea typeface="DengXian" panose="020B0503020204020204" pitchFamily="2" charset="-122"/>
+                <a:cs typeface="Times New Roman" panose="02020603050405020304" pitchFamily="18" charset="0"/>
+              </a:rPr>
+              <a:t>Scale Invariant Feature Transform (SIFT) and many more</a:t>
+            </a:r>
+          </a:p>
+          <a:p>
+            <a:pPr marL="457200" lvl="1" indent="0">
+              <a:buNone/>
+            </a:pPr>
+            <a:endParaRPr lang="en-GB" sz="1400" dirty="0">
+              <a:solidFill>
+                <a:srgbClr val="24292E"/>
+              </a:solidFill>
+              <a:latin typeface="Segoe UI" panose="020B0502040204020203" pitchFamily="34" charset="0"/>
+              <a:ea typeface="DengXian" panose="020B0503020204020204" pitchFamily="2" charset="-122"/>
+              <a:cs typeface="Times New Roman" panose="02020603050405020304" pitchFamily="18" charset="0"/>
+            </a:endParaRPr>
+          </a:p>
+          <a:p>
+            <a:pPr marL="0" indent="0">
+              <a:buNone/>
+            </a:pPr>
+            <a:endParaRPr lang="en-GB" sz="1800" dirty="0">
+              <a:solidFill>
+                <a:srgbClr val="24292E"/>
+              </a:solidFill>
+              <a:latin typeface="Segoe UI" panose="020B0502040204020203" pitchFamily="34" charset="0"/>
+              <a:ea typeface="DengXian" panose="020B0503020204020204" pitchFamily="2" charset="-122"/>
+              <a:cs typeface="Times New Roman" panose="02020603050405020304" pitchFamily="18" charset="0"/>
+            </a:endParaRPr>
+          </a:p>
+        </p:txBody>
+      </p:sp>
+      <p:pic>
+        <p:nvPicPr>
+          <p:cNvPr id="5" name="Picture 4" descr="A car parked in a parking lot&#10;&#10;Description automatically generated">
+            <a:extLst>
+              <a:ext uri="{FF2B5EF4-FFF2-40B4-BE49-F238E27FC236}">
+                <a16:creationId xmlns:a16="http://schemas.microsoft.com/office/drawing/2014/main" id="{6B4C9ABB-F8D8-48A9-A063-4006A6BC08BD}"/>
+              </a:ext>
+            </a:extLst>
+          </p:cNvPr>
+          <p:cNvPicPr>
+            <a:picLocks noChangeAspect="1"/>
+          </p:cNvPicPr>
           <p:nvPr/>
-        </p:nvSpPr>
-        <p:spPr>
-          <a:xfrm>
-            <a:off x="785272" y="2402024"/>
-            <a:ext cx="1791050" cy="922849"/>
+        </p:nvPicPr>
+        <p:blipFill>
+          <a:blip r:embed="rId2">
+            <a:extLst>
+              <a:ext uri="{28A0092B-C50C-407E-A947-70E740481C1C}">
+                <a14:useLocalDpi xmlns:a14="http://schemas.microsoft.com/office/drawing/2010/main" val="0"/>
+              </a:ext>
+            </a:extLst>
+          </a:blip>
+          <a:stretch>
+            <a:fillRect/>
+          </a:stretch>
+        </p:blipFill>
+        <p:spPr>
+          <a:xfrm>
+            <a:off x="1276665" y="1947466"/>
+            <a:ext cx="3388642" cy="1873335"/>
           </a:xfrm>
           <a:prstGeom prst="rect">
             <a:avLst/>
           </a:prstGeom>
         </p:spPr>
-        <p:style>
-          <a:lnRef idx="2">
-            <a:schemeClr val="accent1">
-              <a:shade val="50000"/>
-            </a:schemeClr>
-          </a:lnRef>
-          <a:fillRef idx="1">
-            <a:schemeClr val="accent1"/>
-          </a:fillRef>
-          <a:effectRef idx="0">
-            <a:schemeClr val="accent1"/>
-          </a:effectRef>
-          <a:fontRef idx="minor">
-            <a:schemeClr val="lt1"/>
-          </a:fontRef>
-        </p:style>
-        <p:txBody>
-          <a:bodyPr rtlCol="0" anchor="ctr"/>
-          <a:lstStyle/>
-          <a:p>
-            <a:pPr algn="ctr"/>
-            <a:r>
-              <a:rPr lang="en-GB" dirty="0"/>
-              <a:t>Query Image</a:t>
-            </a:r>
-          </a:p>
-        </p:txBody>
-      </p:sp>
-      <p:sp>
-        <p:nvSpPr>
-          <p:cNvPr id="22" name="Rectangle 21">
-            <a:extLst>
-              <a:ext uri="{FF2B5EF4-FFF2-40B4-BE49-F238E27FC236}">
-                <a16:creationId xmlns:a16="http://schemas.microsoft.com/office/drawing/2014/main" id="{357DB064-808B-4115-835F-34868DE040D7}"/>
-              </a:ext>
-            </a:extLst>
-          </p:cNvPr>
-          <p:cNvSpPr/>
+      </p:pic>
+      <p:pic>
+        <p:nvPicPr>
+          <p:cNvPr id="19" name="Picture 18" descr="A dog sitting in the grass&#10;&#10;Description automatically generated">
+            <a:extLst>
+              <a:ext uri="{FF2B5EF4-FFF2-40B4-BE49-F238E27FC236}">
+                <a16:creationId xmlns:a16="http://schemas.microsoft.com/office/drawing/2014/main" id="{0B5A5362-B8AE-4E57-8395-24635D7D5A81}"/>
+              </a:ext>
+            </a:extLst>
+          </p:cNvPr>
+          <p:cNvPicPr>
+            <a:picLocks noChangeAspect="1"/>
+          </p:cNvPicPr>
           <p:nvPr/>
-        </p:nvSpPr>
-        <p:spPr>
-          <a:xfrm>
-            <a:off x="3650955" y="2412526"/>
-            <a:ext cx="1740256" cy="912347"/>
+        </p:nvPicPr>
+        <p:blipFill>
+          <a:blip r:embed="rId3">
+            <a:extLst>
+              <a:ext uri="{28A0092B-C50C-407E-A947-70E740481C1C}">
+                <a14:useLocalDpi xmlns:a14="http://schemas.microsoft.com/office/drawing/2010/main" val="0"/>
+              </a:ext>
+            </a:extLst>
+          </a:blip>
+          <a:stretch>
+            <a:fillRect/>
+          </a:stretch>
+        </p:blipFill>
+        <p:spPr>
+          <a:xfrm>
+            <a:off x="7281876" y="1947466"/>
+            <a:ext cx="3345241" cy="1873335"/>
           </a:xfrm>
           <a:prstGeom prst="rect">
             <a:avLst/>
           </a:prstGeom>
         </p:spPr>
-        <p:style>
-          <a:lnRef idx="2">
-            <a:schemeClr val="accent1">
-              <a:shade val="50000"/>
-            </a:schemeClr>
-          </a:lnRef>
-          <a:fillRef idx="1">
-            <a:schemeClr val="accent1"/>
-          </a:fillRef>
-          <a:effectRef idx="0">
-            <a:schemeClr val="accent1"/>
-          </a:effectRef>
-          <a:fontRef idx="minor">
-            <a:schemeClr val="lt1"/>
-          </a:fontRef>
-        </p:style>
-        <p:txBody>
-          <a:bodyPr rtlCol="0" anchor="ctr"/>
-          <a:lstStyle/>
-          <a:p>
-            <a:pPr algn="ctr"/>
-            <a:r>
-              <a:rPr lang="en-GB" dirty="0"/>
-              <a:t>Feature extraction</a:t>
-            </a:r>
-          </a:p>
-        </p:txBody>
-      </p:sp>
-      <p:cxnSp>
-        <p:nvCxnSpPr>
-          <p:cNvPr id="5" name="Straight Arrow Connector 4">
-            <a:extLst>
-              <a:ext uri="{FF2B5EF4-FFF2-40B4-BE49-F238E27FC236}">
-                <a16:creationId xmlns:a16="http://schemas.microsoft.com/office/drawing/2014/main" id="{CAEA3E28-8140-472B-A494-9358F1F746E7}"/>
-              </a:ext>
-            </a:extLst>
-          </p:cNvPr>
-          <p:cNvCxnSpPr>
-            <a:cxnSpLocks/>
-          </p:cNvCxnSpPr>
-          <p:nvPr/>
-        </p:nvCxnSpPr>
-        <p:spPr>
-          <a:xfrm flipV="1">
-            <a:off x="2695660" y="2863448"/>
-            <a:ext cx="835956" cy="7103"/>
-          </a:xfrm>
-          <a:prstGeom prst="straightConnector1">
-            <a:avLst/>
-          </a:prstGeom>
-          <a:ln>
-            <a:tailEnd type="triangle"/>
-          </a:ln>
-        </p:spPr>
-        <p:style>
-          <a:lnRef idx="1">
-            <a:schemeClr val="accent1"/>
-          </a:lnRef>
-          <a:fillRef idx="0">
-            <a:schemeClr val="accent1"/>
-          </a:fillRef>
-          <a:effectRef idx="0">
-            <a:schemeClr val="accent1"/>
-          </a:effectRef>
-          <a:fontRef idx="minor">
-            <a:schemeClr val="tx1"/>
-          </a:fontRef>
-        </p:style>
-      </p:cxnSp>
-      <p:sp>
-        <p:nvSpPr>
-          <p:cNvPr id="11" name="Cylinder 10">
-            <a:extLst>
-              <a:ext uri="{FF2B5EF4-FFF2-40B4-BE49-F238E27FC236}">
-                <a16:creationId xmlns:a16="http://schemas.microsoft.com/office/drawing/2014/main" id="{A1054277-94B3-4A1C-AF96-4D7077C40A65}"/>
-              </a:ext>
-            </a:extLst>
-          </p:cNvPr>
-          <p:cNvSpPr/>
-          <p:nvPr/>
-        </p:nvSpPr>
-        <p:spPr>
-          <a:xfrm>
-            <a:off x="662103" y="4701253"/>
-            <a:ext cx="1861584" cy="958519"/>
-          </a:xfrm>
-          <a:prstGeom prst="can">
-            <a:avLst/>
-          </a:prstGeom>
-        </p:spPr>
-        <p:style>
-          <a:lnRef idx="2">
-            <a:schemeClr val="accent1">
-              <a:shade val="50000"/>
-            </a:schemeClr>
-          </a:lnRef>
-          <a:fillRef idx="1">
-            <a:schemeClr val="accent1"/>
-          </a:fillRef>
-          <a:effectRef idx="0">
-            <a:schemeClr val="accent1"/>
-          </a:effectRef>
-          <a:fontRef idx="minor">
-            <a:schemeClr val="lt1"/>
-          </a:fontRef>
-        </p:style>
-        <p:txBody>
-          <a:bodyPr rtlCol="0" anchor="ctr"/>
-          <a:lstStyle/>
-          <a:p>
-            <a:pPr algn="ctr"/>
-            <a:r>
-              <a:rPr lang="en-GB" dirty="0"/>
-              <a:t>Image Database</a:t>
-            </a:r>
-          </a:p>
-        </p:txBody>
-      </p:sp>
-      <p:cxnSp>
-        <p:nvCxnSpPr>
-          <p:cNvPr id="13" name="Straight Arrow Connector 12">
-            <a:extLst>
-              <a:ext uri="{FF2B5EF4-FFF2-40B4-BE49-F238E27FC236}">
-                <a16:creationId xmlns:a16="http://schemas.microsoft.com/office/drawing/2014/main" id="{90385067-4EBE-4522-A583-970C6260670F}"/>
-              </a:ext>
-            </a:extLst>
-          </p:cNvPr>
-          <p:cNvCxnSpPr>
-            <a:cxnSpLocks/>
-          </p:cNvCxnSpPr>
-          <p:nvPr/>
-        </p:nvCxnSpPr>
-        <p:spPr>
-          <a:xfrm>
-            <a:off x="2743204" y="5196678"/>
-            <a:ext cx="788412" cy="0"/>
-          </a:xfrm>
-          <a:prstGeom prst="straightConnector1">
-            <a:avLst/>
-          </a:prstGeom>
-          <a:ln>
-            <a:tailEnd type="triangle"/>
-          </a:ln>
-        </p:spPr>
-        <p:style>
-          <a:lnRef idx="1">
-            <a:schemeClr val="accent1"/>
-          </a:lnRef>
-          <a:fillRef idx="0">
-            <a:schemeClr val="accent1"/>
-          </a:fillRef>
-          <a:effectRef idx="0">
-            <a:schemeClr val="accent1"/>
-          </a:effectRef>
-          <a:fontRef idx="minor">
-            <a:schemeClr val="tx1"/>
-          </a:fontRef>
-        </p:style>
-      </p:cxnSp>
-      <p:sp>
-        <p:nvSpPr>
-          <p:cNvPr id="16" name="Rectangle 15">
-            <a:extLst>
-              <a:ext uri="{FF2B5EF4-FFF2-40B4-BE49-F238E27FC236}">
-                <a16:creationId xmlns:a16="http://schemas.microsoft.com/office/drawing/2014/main" id="{D9C86BB9-6305-477B-A9A4-B1C9FAF1DDA6}"/>
-              </a:ext>
-            </a:extLst>
-          </p:cNvPr>
-          <p:cNvSpPr/>
-          <p:nvPr/>
-        </p:nvSpPr>
-        <p:spPr>
-          <a:xfrm>
-            <a:off x="3650955" y="4639006"/>
-            <a:ext cx="1740256" cy="884340"/>
-          </a:xfrm>
-          <a:prstGeom prst="rect">
-            <a:avLst/>
-          </a:prstGeom>
-        </p:spPr>
-        <p:style>
-          <a:lnRef idx="2">
-            <a:schemeClr val="accent1">
-              <a:shade val="50000"/>
-            </a:schemeClr>
-          </a:lnRef>
-          <a:fillRef idx="1">
-            <a:schemeClr val="accent1"/>
-          </a:fillRef>
-          <a:effectRef idx="0">
-            <a:schemeClr val="accent1"/>
-          </a:effectRef>
-          <a:fontRef idx="minor">
-            <a:schemeClr val="lt1"/>
-          </a:fontRef>
-        </p:style>
-        <p:txBody>
-          <a:bodyPr rtlCol="0" anchor="ctr"/>
-          <a:lstStyle/>
-          <a:p>
-            <a:pPr algn="ctr"/>
-            <a:r>
-              <a:rPr lang="en-GB" dirty="0"/>
-              <a:t>Feature extraction</a:t>
-            </a:r>
-          </a:p>
-        </p:txBody>
-      </p:sp>
-      <p:cxnSp>
-        <p:nvCxnSpPr>
-          <p:cNvPr id="21" name="Straight Connector 20">
-            <a:extLst>
-              <a:ext uri="{FF2B5EF4-FFF2-40B4-BE49-F238E27FC236}">
-                <a16:creationId xmlns:a16="http://schemas.microsoft.com/office/drawing/2014/main" id="{C999288D-31D7-4094-9DDC-9E7BE7F80580}"/>
-              </a:ext>
-            </a:extLst>
-          </p:cNvPr>
-          <p:cNvCxnSpPr>
-            <a:cxnSpLocks/>
-          </p:cNvCxnSpPr>
-          <p:nvPr/>
-        </p:nvCxnSpPr>
-        <p:spPr>
-          <a:xfrm>
-            <a:off x="5691649" y="2830294"/>
-            <a:ext cx="718387" cy="0"/>
-          </a:xfrm>
-          <a:prstGeom prst="line">
-            <a:avLst/>
-          </a:prstGeom>
-        </p:spPr>
-        <p:style>
-          <a:lnRef idx="1">
-            <a:schemeClr val="accent1"/>
-          </a:lnRef>
-          <a:fillRef idx="0">
-            <a:schemeClr val="accent1"/>
-          </a:fillRef>
-          <a:effectRef idx="0">
-            <a:schemeClr val="accent1"/>
-          </a:effectRef>
-          <a:fontRef idx="minor">
-            <a:schemeClr val="tx1"/>
-          </a:fontRef>
-        </p:style>
-      </p:cxnSp>
-      <p:cxnSp>
-        <p:nvCxnSpPr>
-          <p:cNvPr id="24" name="Straight Connector 23">
-            <a:extLst>
-              <a:ext uri="{FF2B5EF4-FFF2-40B4-BE49-F238E27FC236}">
-                <a16:creationId xmlns:a16="http://schemas.microsoft.com/office/drawing/2014/main" id="{6C81A3CB-1949-4239-9563-68DA83A3BA52}"/>
-              </a:ext>
-            </a:extLst>
-          </p:cNvPr>
-          <p:cNvCxnSpPr>
-            <a:cxnSpLocks/>
-          </p:cNvCxnSpPr>
-          <p:nvPr/>
-        </p:nvCxnSpPr>
-        <p:spPr>
-          <a:xfrm>
-            <a:off x="6401695" y="2843864"/>
-            <a:ext cx="0" cy="2366384"/>
-          </a:xfrm>
-          <a:prstGeom prst="line">
-            <a:avLst/>
-          </a:prstGeom>
-        </p:spPr>
-        <p:style>
-          <a:lnRef idx="1">
-            <a:schemeClr val="accent1"/>
-          </a:lnRef>
-          <a:fillRef idx="0">
-            <a:schemeClr val="accent1"/>
-          </a:fillRef>
-          <a:effectRef idx="0">
-            <a:schemeClr val="accent1"/>
-          </a:effectRef>
-          <a:fontRef idx="minor">
-            <a:schemeClr val="tx1"/>
-          </a:fontRef>
-        </p:style>
-      </p:cxnSp>
-      <p:cxnSp>
-        <p:nvCxnSpPr>
-          <p:cNvPr id="26" name="Straight Connector 25">
-            <a:extLst>
-              <a:ext uri="{FF2B5EF4-FFF2-40B4-BE49-F238E27FC236}">
-                <a16:creationId xmlns:a16="http://schemas.microsoft.com/office/drawing/2014/main" id="{053B1F99-BF1C-4B26-8710-978CB52EB995}"/>
-              </a:ext>
-            </a:extLst>
-          </p:cNvPr>
-          <p:cNvCxnSpPr>
-            <a:cxnSpLocks/>
-          </p:cNvCxnSpPr>
-          <p:nvPr/>
-        </p:nvCxnSpPr>
-        <p:spPr>
-          <a:xfrm flipH="1">
-            <a:off x="5691649" y="5196678"/>
-            <a:ext cx="710046" cy="0"/>
-          </a:xfrm>
-          <a:prstGeom prst="line">
-            <a:avLst/>
-          </a:prstGeom>
-        </p:spPr>
-        <p:style>
-          <a:lnRef idx="1">
-            <a:schemeClr val="accent1"/>
-          </a:lnRef>
-          <a:fillRef idx="0">
-            <a:schemeClr val="accent1"/>
-          </a:fillRef>
-          <a:effectRef idx="0">
-            <a:schemeClr val="accent1"/>
-          </a:effectRef>
-          <a:fontRef idx="minor">
-            <a:schemeClr val="tx1"/>
-          </a:fontRef>
-        </p:style>
-      </p:cxnSp>
-      <p:cxnSp>
-        <p:nvCxnSpPr>
-          <p:cNvPr id="28" name="Straight Arrow Connector 27">
-            <a:extLst>
-              <a:ext uri="{FF2B5EF4-FFF2-40B4-BE49-F238E27FC236}">
-                <a16:creationId xmlns:a16="http://schemas.microsoft.com/office/drawing/2014/main" id="{806C499E-48B3-40D2-A9A6-4FE177065EF8}"/>
-              </a:ext>
-            </a:extLst>
-          </p:cNvPr>
-          <p:cNvCxnSpPr>
-            <a:cxnSpLocks/>
-          </p:cNvCxnSpPr>
-          <p:nvPr/>
-        </p:nvCxnSpPr>
-        <p:spPr>
-          <a:xfrm>
-            <a:off x="6538768" y="4119420"/>
-            <a:ext cx="730250" cy="0"/>
-          </a:xfrm>
-          <a:prstGeom prst="straightConnector1">
-            <a:avLst/>
-          </a:prstGeom>
-          <a:ln>
-            <a:tailEnd type="triangle"/>
-          </a:ln>
-        </p:spPr>
-        <p:style>
-          <a:lnRef idx="1">
-            <a:schemeClr val="accent1"/>
-          </a:lnRef>
-          <a:fillRef idx="0">
-            <a:schemeClr val="accent1"/>
-          </a:fillRef>
-          <a:effectRef idx="0">
-            <a:schemeClr val="accent1"/>
-          </a:effectRef>
-          <a:fontRef idx="minor">
-            <a:schemeClr val="tx1"/>
-          </a:fontRef>
-        </p:style>
-      </p:cxnSp>
-      <p:sp>
-        <p:nvSpPr>
-          <p:cNvPr id="30" name="Rectangle 29">
-            <a:extLst>
-              <a:ext uri="{FF2B5EF4-FFF2-40B4-BE49-F238E27FC236}">
-                <a16:creationId xmlns:a16="http://schemas.microsoft.com/office/drawing/2014/main" id="{0CC55565-4DE1-4444-B857-EC03A6CB058E}"/>
-              </a:ext>
-            </a:extLst>
-          </p:cNvPr>
-          <p:cNvSpPr/>
-          <p:nvPr/>
-        </p:nvSpPr>
-        <p:spPr>
-          <a:xfrm>
-            <a:off x="7701244" y="2586196"/>
-            <a:ext cx="1442756" cy="2862127"/>
-          </a:xfrm>
-          <a:prstGeom prst="rect">
-            <a:avLst/>
-          </a:prstGeom>
-        </p:spPr>
-        <p:style>
-          <a:lnRef idx="2">
-            <a:schemeClr val="accent1">
-              <a:shade val="50000"/>
-            </a:schemeClr>
-          </a:lnRef>
-          <a:fillRef idx="1">
-            <a:schemeClr val="accent1"/>
-          </a:fillRef>
-          <a:effectRef idx="0">
-            <a:schemeClr val="accent1"/>
-          </a:effectRef>
-          <a:fontRef idx="minor">
-            <a:schemeClr val="lt1"/>
-          </a:fontRef>
-        </p:style>
-        <p:txBody>
-          <a:bodyPr rtlCol="0" anchor="ctr"/>
-          <a:lstStyle/>
-          <a:p>
-            <a:pPr algn="ctr"/>
-            <a:r>
-              <a:rPr lang="en-GB" dirty="0"/>
-              <a:t>Feature matching</a:t>
-            </a:r>
-          </a:p>
-        </p:txBody>
-      </p:sp>
-      <p:cxnSp>
-        <p:nvCxnSpPr>
-          <p:cNvPr id="38" name="Straight Arrow Connector 37">
-            <a:extLst>
-              <a:ext uri="{FF2B5EF4-FFF2-40B4-BE49-F238E27FC236}">
-                <a16:creationId xmlns:a16="http://schemas.microsoft.com/office/drawing/2014/main" id="{3AA44DED-DA5F-4BD0-BCE8-D1CA2A63DA1C}"/>
-              </a:ext>
-            </a:extLst>
-          </p:cNvPr>
-          <p:cNvCxnSpPr>
-            <a:cxnSpLocks/>
-          </p:cNvCxnSpPr>
-          <p:nvPr/>
-        </p:nvCxnSpPr>
-        <p:spPr>
-          <a:xfrm>
-            <a:off x="9351240" y="4124040"/>
-            <a:ext cx="730250" cy="0"/>
-          </a:xfrm>
-          <a:prstGeom prst="straightConnector1">
-            <a:avLst/>
-          </a:prstGeom>
-          <a:ln>
-            <a:tailEnd type="triangle"/>
-          </a:ln>
-        </p:spPr>
-        <p:style>
-          <a:lnRef idx="1">
-            <a:schemeClr val="accent1"/>
-          </a:lnRef>
-          <a:fillRef idx="0">
-            <a:schemeClr val="accent1"/>
-          </a:fillRef>
-          <a:effectRef idx="0">
-            <a:schemeClr val="accent1"/>
-          </a:effectRef>
-          <a:fontRef idx="minor">
-            <a:schemeClr val="tx1"/>
-          </a:fontRef>
-        </p:style>
-      </p:cxnSp>
-      <p:sp>
-        <p:nvSpPr>
-          <p:cNvPr id="41" name="Rectangle 40">
-            <a:extLst>
-              <a:ext uri="{FF2B5EF4-FFF2-40B4-BE49-F238E27FC236}">
-                <a16:creationId xmlns:a16="http://schemas.microsoft.com/office/drawing/2014/main" id="{753D802F-4790-49FA-B713-8E4411C0A85C}"/>
-              </a:ext>
-            </a:extLst>
-          </p:cNvPr>
-          <p:cNvSpPr/>
-          <p:nvPr/>
-        </p:nvSpPr>
-        <p:spPr>
-          <a:xfrm>
-            <a:off x="10215418" y="3676073"/>
-            <a:ext cx="1607127" cy="895916"/>
-          </a:xfrm>
-          <a:prstGeom prst="rect">
-            <a:avLst/>
-          </a:prstGeom>
-        </p:spPr>
-        <p:style>
-          <a:lnRef idx="2">
-            <a:schemeClr val="accent1">
-              <a:shade val="50000"/>
-            </a:schemeClr>
-          </a:lnRef>
-          <a:fillRef idx="1">
-            <a:schemeClr val="accent1"/>
-          </a:fillRef>
-          <a:effectRef idx="0">
-            <a:schemeClr val="accent1"/>
-          </a:effectRef>
-          <a:fontRef idx="minor">
-            <a:schemeClr val="lt1"/>
-          </a:fontRef>
-        </p:style>
-        <p:txBody>
-          <a:bodyPr rtlCol="0" anchor="ctr"/>
-          <a:lstStyle/>
-          <a:p>
-            <a:pPr algn="ctr"/>
-            <a:r>
-              <a:rPr lang="en-GB" dirty="0"/>
-              <a:t>Retrieved Images</a:t>
-            </a:r>
-          </a:p>
-        </p:txBody>
-      </p:sp>
+      </p:pic>
     </p:spTree>
     <p:extLst>
       <p:ext uri="{BB962C8B-B14F-4D97-AF65-F5344CB8AC3E}">
-        <p14:creationId xmlns:p14="http://schemas.microsoft.com/office/powerpoint/2010/main" val="2468058440"/>
+        <p14:creationId xmlns:p14="http://schemas.microsoft.com/office/powerpoint/2010/main" val="594800271"/>
       </p:ext>
     </p:extLst>
   </p:cSld>
@@ -5287,14 +5383,6 @@
 <file path=ppt/slides/slide6.xml><?xml version="1.0" encoding="utf-8"?>
 <p:sld xmlns:a="http://schemas.openxmlformats.org/drawingml/2006/main" xmlns:r="http://schemas.openxmlformats.org/officeDocument/2006/relationships" xmlns:p="http://schemas.openxmlformats.org/presentationml/2006/main">
   <p:cSld>
-    <p:bg>
-      <p:bgPr>
-        <a:solidFill>
-          <a:schemeClr val="bg1"/>
-        </a:solidFill>
-        <a:effectLst/>
-      </p:bgPr>
-    </p:bg>
     <p:spTree>
       <p:nvGrpSpPr>
         <p:cNvPr id="1" name=""/>
@@ -5309,693 +5397,140 @@
           <a:chExt cx="0" cy="0"/>
         </a:xfrm>
       </p:grpSpPr>
-      <p:sp useBgFill="1">
-        <p:nvSpPr>
-          <p:cNvPr id="9" name="Rectangle 8">
-            <a:extLst>
-              <a:ext uri="{FF2B5EF4-FFF2-40B4-BE49-F238E27FC236}">
-                <a16:creationId xmlns:a16="http://schemas.microsoft.com/office/drawing/2014/main" id="{55666830-9A19-4E01-8505-D6C7F9AC5665}"/>
-              </a:ext>
-              <a:ext uri="{C183D7F6-B498-43B3-948B-1728B52AA6E4}">
-                <adec:decorative xmlns:adec="http://schemas.microsoft.com/office/drawing/2017/decorative" val="1"/>
-              </a:ext>
-            </a:extLst>
-          </p:cNvPr>
-          <p:cNvSpPr>
-            <a:spLocks noGrp="1" noRot="1" noChangeAspect="1" noMove="1" noResize="1" noEditPoints="1" noAdjustHandles="1" noChangeArrowheads="1" noChangeShapeType="1" noTextEdit="1"/>
-          </p:cNvSpPr>
-          <p:nvPr>
-            <p:extLst>
-              <p:ext uri="{386F3935-93C4-4BCD-93E2-E3B085C9AB24}">
-                <p16:designElem xmlns:p16="http://schemas.microsoft.com/office/powerpoint/2015/main" val="1"/>
-              </p:ext>
-            </p:extLst>
-          </p:nvPr>
-        </p:nvSpPr>
-        <p:spPr>
-          <a:xfrm>
-            <a:off x="0" y="0"/>
-            <a:ext cx="12192000" cy="6858000"/>
-          </a:xfrm>
-          <a:prstGeom prst="rect">
-            <a:avLst/>
-          </a:prstGeom>
-          <a:ln>
-            <a:noFill/>
-          </a:ln>
-        </p:spPr>
-        <p:style>
-          <a:lnRef idx="2">
-            <a:schemeClr val="accent1">
-              <a:shade val="50000"/>
-            </a:schemeClr>
-          </a:lnRef>
-          <a:fillRef idx="1">
-            <a:schemeClr val="accent1"/>
-          </a:fillRef>
-          <a:effectRef idx="0">
-            <a:schemeClr val="accent1"/>
-          </a:effectRef>
-          <a:fontRef idx="minor">
-            <a:schemeClr val="lt1"/>
-          </a:fontRef>
-        </p:style>
-        <p:txBody>
-          <a:bodyPr rtlCol="0" anchor="ctr"/>
+      <p:sp>
+        <p:nvSpPr>
+          <p:cNvPr id="2" name="Title 1">
+            <a:extLst>
+              <a:ext uri="{FF2B5EF4-FFF2-40B4-BE49-F238E27FC236}">
+                <a16:creationId xmlns:a16="http://schemas.microsoft.com/office/drawing/2014/main" id="{77FF6FB5-055B-4BA2-BC58-5F7FFB4C4887}"/>
+              </a:ext>
+            </a:extLst>
+          </p:cNvPr>
+          <p:cNvSpPr>
+            <a:spLocks noGrp="1"/>
+          </p:cNvSpPr>
+          <p:nvPr>
+            <p:ph type="title"/>
+          </p:nvPr>
+        </p:nvSpPr>
+        <p:spPr/>
+        <p:txBody>
+          <a:bodyPr/>
           <a:lstStyle/>
           <a:p>
             <a:pPr algn="ctr"/>
-            <a:endParaRPr lang="en-US"/>
-          </a:p>
-        </p:txBody>
-      </p:sp>
-      <p:pic>
-        <p:nvPicPr>
+            <a:r>
+              <a:rPr lang="en-GB" dirty="0"/>
+              <a:t>Face recognition library</a:t>
+            </a:r>
+          </a:p>
+        </p:txBody>
+      </p:sp>
+      <p:sp>
+        <p:nvSpPr>
           <p:cNvPr id="4" name="Content Placeholder 3">
             <a:extLst>
               <a:ext uri="{FF2B5EF4-FFF2-40B4-BE49-F238E27FC236}">
-                <a16:creationId xmlns:a16="http://schemas.microsoft.com/office/drawing/2014/main" id="{4092D0BA-1093-4879-812F-E8120243AAEC}"/>
-              </a:ext>
-            </a:extLst>
-          </p:cNvPr>
-          <p:cNvPicPr>
-            <a:picLocks noGrp="1" noChangeAspect="1"/>
-          </p:cNvPicPr>
+                <a16:creationId xmlns:a16="http://schemas.microsoft.com/office/drawing/2014/main" id="{54BD204F-54AA-46F6-A9AB-07E1ABF829F8}"/>
+              </a:ext>
+            </a:extLst>
+          </p:cNvPr>
+          <p:cNvSpPr>
+            <a:spLocks noGrp="1"/>
+          </p:cNvSpPr>
           <p:nvPr>
             <p:ph idx="1"/>
           </p:nvPr>
-        </p:nvPicPr>
-        <p:blipFill rotWithShape="1">
-          <a:blip r:embed="rId2"/>
-          <a:srcRect r="4546" b="2"/>
-          <a:stretch/>
-        </p:blipFill>
-        <p:spPr>
-          <a:xfrm>
-            <a:off x="4110127" y="10"/>
-            <a:ext cx="8081873" cy="6857990"/>
-          </a:xfrm>
-          <a:custGeom>
-            <a:avLst/>
-            <a:gdLst/>
-            <a:ahLst/>
-            <a:cxnLst/>
-            <a:rect l="l" t="t" r="r" b="b"/>
-            <a:pathLst>
-              <a:path w="8081873" h="6858000">
-                <a:moveTo>
-                  <a:pt x="0" y="0"/>
-                </a:moveTo>
-                <a:lnTo>
-                  <a:pt x="8081873" y="0"/>
-                </a:lnTo>
-                <a:lnTo>
-                  <a:pt x="8081873" y="6858000"/>
-                </a:lnTo>
-                <a:lnTo>
-                  <a:pt x="0" y="6858000"/>
-                </a:lnTo>
-                <a:lnTo>
-                  <a:pt x="68897" y="6734633"/>
-                </a:lnTo>
-                <a:cubicBezTo>
-                  <a:pt x="558802" y="5812845"/>
-                  <a:pt x="848920" y="4668597"/>
-                  <a:pt x="848920" y="3429000"/>
-                </a:cubicBezTo>
-                <a:cubicBezTo>
-                  <a:pt x="848920" y="2189404"/>
-                  <a:pt x="558802" y="1045156"/>
-                  <a:pt x="68897" y="123368"/>
-                </a:cubicBezTo>
-                <a:close/>
-              </a:path>
-            </a:pathLst>
-          </a:custGeom>
-        </p:spPr>
-      </p:pic>
-      <p:sp useBgFill="1">
-        <p:nvSpPr>
-          <p:cNvPr id="11" name="Freeform: Shape 10">
-            <a:extLst>
-              <a:ext uri="{FF2B5EF4-FFF2-40B4-BE49-F238E27FC236}">
-                <a16:creationId xmlns:a16="http://schemas.microsoft.com/office/drawing/2014/main" id="{AE9FC877-7FB6-4D22-9988-35420644E202}"/>
-              </a:ext>
-              <a:ext uri="{C183D7F6-B498-43B3-948B-1728B52AA6E4}">
-                <adec:decorative xmlns:adec="http://schemas.microsoft.com/office/drawing/2017/decorative" val="1"/>
-              </a:ext>
-            </a:extLst>
-          </p:cNvPr>
-          <p:cNvSpPr>
-            <a:spLocks noGrp="1" noRot="1" noChangeAspect="1" noMove="1" noResize="1" noEditPoints="1" noAdjustHandles="1" noChangeArrowheads="1" noChangeShapeType="1" noTextEdit="1"/>
-          </p:cNvSpPr>
-          <p:nvPr>
-            <p:extLst>
-              <p:ext uri="{386F3935-93C4-4BCD-93E2-E3B085C9AB24}">
-                <p16:designElem xmlns:p16="http://schemas.microsoft.com/office/powerpoint/2015/main" val="1"/>
-              </p:ext>
-            </p:extLst>
-          </p:nvPr>
-        </p:nvSpPr>
-        <p:spPr>
-          <a:xfrm>
-            <a:off x="0" y="0"/>
-            <a:ext cx="4959047" cy="6858000"/>
-          </a:xfrm>
-          <a:custGeom>
-            <a:avLst/>
-            <a:gdLst>
-              <a:gd name="connsiteX0" fmla="*/ 0 w 4959047"/>
-              <a:gd name="connsiteY0" fmla="*/ 0 h 6858000"/>
-              <a:gd name="connsiteX1" fmla="*/ 4110127 w 4959047"/>
-              <a:gd name="connsiteY1" fmla="*/ 0 h 6858000"/>
-              <a:gd name="connsiteX2" fmla="*/ 4179024 w 4959047"/>
-              <a:gd name="connsiteY2" fmla="*/ 123368 h 6858000"/>
-              <a:gd name="connsiteX3" fmla="*/ 4959047 w 4959047"/>
-              <a:gd name="connsiteY3" fmla="*/ 3429000 h 6858000"/>
-              <a:gd name="connsiteX4" fmla="*/ 4179024 w 4959047"/>
-              <a:gd name="connsiteY4" fmla="*/ 6734633 h 6858000"/>
-              <a:gd name="connsiteX5" fmla="*/ 4110127 w 4959047"/>
-              <a:gd name="connsiteY5" fmla="*/ 6858000 h 6858000"/>
-              <a:gd name="connsiteX6" fmla="*/ 0 w 4959047"/>
-              <a:gd name="connsiteY6" fmla="*/ 6858000 h 6858000"/>
-            </a:gdLst>
-            <a:ahLst/>
-            <a:cxnLst>
-              <a:cxn ang="0">
-                <a:pos x="connsiteX0" y="connsiteY0"/>
-              </a:cxn>
-              <a:cxn ang="0">
-                <a:pos x="connsiteX1" y="connsiteY1"/>
-              </a:cxn>
-              <a:cxn ang="0">
-                <a:pos x="connsiteX2" y="connsiteY2"/>
-              </a:cxn>
-              <a:cxn ang="0">
-                <a:pos x="connsiteX3" y="connsiteY3"/>
-              </a:cxn>
-              <a:cxn ang="0">
-                <a:pos x="connsiteX4" y="connsiteY4"/>
-              </a:cxn>
-              <a:cxn ang="0">
-                <a:pos x="connsiteX5" y="connsiteY5"/>
-              </a:cxn>
-              <a:cxn ang="0">
-                <a:pos x="connsiteX6" y="connsiteY6"/>
-              </a:cxn>
-            </a:cxnLst>
-            <a:rect l="l" t="t" r="r" b="b"/>
-            <a:pathLst>
-              <a:path w="4959047" h="6858000">
-                <a:moveTo>
-                  <a:pt x="0" y="0"/>
-                </a:moveTo>
-                <a:lnTo>
-                  <a:pt x="4110127" y="0"/>
-                </a:lnTo>
-                <a:lnTo>
-                  <a:pt x="4179024" y="123368"/>
-                </a:lnTo>
-                <a:cubicBezTo>
-                  <a:pt x="4668929" y="1045156"/>
-                  <a:pt x="4959047" y="2189404"/>
-                  <a:pt x="4959047" y="3429000"/>
-                </a:cubicBezTo>
-                <a:cubicBezTo>
-                  <a:pt x="4959047" y="4668597"/>
-                  <a:pt x="4668929" y="5812845"/>
-                  <a:pt x="4179024" y="6734633"/>
-                </a:cubicBezTo>
-                <a:lnTo>
-                  <a:pt x="4110127" y="6858000"/>
-                </a:lnTo>
-                <a:lnTo>
-                  <a:pt x="0" y="6858000"/>
-                </a:lnTo>
-                <a:close/>
-              </a:path>
-            </a:pathLst>
-          </a:custGeom>
-          <a:ln w="9525">
-            <a:solidFill>
-              <a:schemeClr val="tx2">
-                <a:lumMod val="10000"/>
-                <a:lumOff val="90000"/>
-              </a:schemeClr>
-            </a:solidFill>
-          </a:ln>
-          <a:effectLst>
-            <a:outerShdw blurRad="50800" dist="38100" algn="l" rotWithShape="0">
-              <a:schemeClr val="bg1">
-                <a:lumMod val="85000"/>
-                <a:alpha val="30000"/>
-              </a:schemeClr>
-            </a:outerShdw>
-          </a:effectLst>
-        </p:spPr>
-        <p:style>
-          <a:lnRef idx="2">
-            <a:schemeClr val="accent1">
-              <a:shade val="50000"/>
-            </a:schemeClr>
-          </a:lnRef>
-          <a:fillRef idx="1">
-            <a:schemeClr val="accent1"/>
-          </a:fillRef>
-          <a:effectRef idx="0">
-            <a:schemeClr val="accent1"/>
-          </a:effectRef>
-          <a:fontRef idx="minor">
-            <a:schemeClr val="lt1"/>
-          </a:fontRef>
-        </p:style>
-        <p:txBody>
-          <a:bodyPr wrap="square" rtlCol="0" anchor="ctr">
-            <a:noAutofit/>
-          </a:bodyPr>
-          <a:lstStyle/>
-          <a:p>
-            <a:pPr marL="0" marR="0" lvl="0" indent="0" algn="ctr" defTabSz="914400" rtl="0" eaLnBrk="1" fontAlgn="auto" latinLnBrk="0" hangingPunct="1">
-              <a:lnSpc>
-                <a:spcPct val="100000"/>
-              </a:lnSpc>
-              <a:spcBef>
-                <a:spcPts val="0"/>
-              </a:spcBef>
-              <a:spcAft>
-                <a:spcPts val="0"/>
-              </a:spcAft>
-              <a:buClrTx/>
-              <a:buSzTx/>
-              <a:buFontTx/>
-              <a:buNone/>
-              <a:tabLst/>
-              <a:defRPr/>
+        </p:nvSpPr>
+        <p:spPr/>
+        <p:txBody>
+          <a:bodyPr/>
+          <a:lstStyle/>
+          <a:p>
+            <a:r>
+              <a:rPr lang="en-GB" dirty="0"/>
+              <a:t>Face recognition library provides useful helper functions for face detection</a:t>
+            </a:r>
+          </a:p>
+          <a:p>
+            <a:r>
+              <a:rPr lang="en-GB" dirty="0"/>
+              <a:t>Image can be loaded using the </a:t>
+            </a:r>
+            <a:r>
+              <a:rPr lang="en-GB" i="1" dirty="0" err="1">
+                <a:latin typeface="Calibri Light" panose="020F0302020204030204" pitchFamily="34" charset="0"/>
+                <a:cs typeface="Calibri Light" panose="020F0302020204030204" pitchFamily="34" charset="0"/>
+              </a:rPr>
+              <a:t>load_image_file</a:t>
+            </a:r>
+            <a:r>
+              <a:rPr lang="en-GB" i="1" dirty="0">
+                <a:latin typeface="Calibri Light" panose="020F0302020204030204" pitchFamily="34" charset="0"/>
+                <a:cs typeface="Calibri Light" panose="020F0302020204030204" pitchFamily="34" charset="0"/>
+              </a:rPr>
+              <a:t> </a:t>
+            </a:r>
+            <a:r>
+              <a:rPr lang="en-GB" dirty="0"/>
+              <a:t>function call</a:t>
+            </a:r>
+          </a:p>
+          <a:p>
+            <a:r>
+              <a:rPr lang="en-GB" dirty="0"/>
+              <a:t>Based upon </a:t>
+            </a:r>
+            <a:r>
+              <a:rPr lang="en-GB" dirty="0" err="1"/>
+              <a:t>dlib’s</a:t>
+            </a:r>
+            <a:r>
+              <a:rPr lang="en-GB" dirty="0"/>
+              <a:t> state-of-the art face recognition built with deep learning</a:t>
+            </a:r>
+          </a:p>
+          <a:p>
+            <a:r>
+              <a:rPr lang="en-GB" dirty="0"/>
+              <a:t>Useful links</a:t>
+            </a:r>
+          </a:p>
+          <a:p>
+            <a:pPr marL="971550" lvl="1" indent="-514350">
+              <a:buFont typeface="+mj-lt"/>
+              <a:buAutoNum type="arabicPeriod"/>
             </a:pPr>
-            <a:endParaRPr kumimoji="0" lang="en-US" sz="1800" b="0" i="0" u="none" strike="noStrike" kern="1200" cap="none" spc="0" normalizeH="0" baseline="0" noProof="0">
-              <a:ln>
-                <a:noFill/>
-              </a:ln>
-              <a:solidFill>
-                <a:prstClr val="white"/>
-              </a:solidFill>
-              <a:effectLst/>
-              <a:uLnTx/>
-              <a:uFillTx/>
-              <a:latin typeface="Calibri" panose="020F0502020204030204"/>
-              <a:ea typeface="+mn-ea"/>
-              <a:cs typeface="+mn-cs"/>
-            </a:endParaRPr>
-          </a:p>
-        </p:txBody>
-      </p:sp>
-      <p:sp useBgFill="1">
-        <p:nvSpPr>
-          <p:cNvPr id="13" name="Freeform: Shape 12">
-            <a:extLst>
-              <a:ext uri="{FF2B5EF4-FFF2-40B4-BE49-F238E27FC236}">
-                <a16:creationId xmlns:a16="http://schemas.microsoft.com/office/drawing/2014/main" id="{E41809D1-F12E-46BB-B804-5F209D325E8B}"/>
-              </a:ext>
-              <a:ext uri="{C183D7F6-B498-43B3-948B-1728B52AA6E4}">
-                <adec:decorative xmlns:adec="http://schemas.microsoft.com/office/drawing/2017/decorative" val="1"/>
-              </a:ext>
-            </a:extLst>
-          </p:cNvPr>
-          <p:cNvSpPr>
-            <a:spLocks noGrp="1" noRot="1" noChangeAspect="1" noMove="1" noResize="1" noEditPoints="1" noAdjustHandles="1" noChangeArrowheads="1" noChangeShapeType="1" noTextEdit="1"/>
-          </p:cNvSpPr>
-          <p:nvPr>
-            <p:extLst>
-              <p:ext uri="{386F3935-93C4-4BCD-93E2-E3B085C9AB24}">
-                <p16:designElem xmlns:p16="http://schemas.microsoft.com/office/powerpoint/2015/main" val="1"/>
-              </p:ext>
-            </p:extLst>
-          </p:nvPr>
-        </p:nvSpPr>
-        <p:spPr>
-          <a:xfrm>
-            <a:off x="0" y="0"/>
-            <a:ext cx="4948887" cy="6858000"/>
-          </a:xfrm>
-          <a:custGeom>
-            <a:avLst/>
-            <a:gdLst>
-              <a:gd name="connsiteX0" fmla="*/ 0 w 4948887"/>
-              <a:gd name="connsiteY0" fmla="*/ 0 h 6858000"/>
-              <a:gd name="connsiteX1" fmla="*/ 4099967 w 4948887"/>
-              <a:gd name="connsiteY1" fmla="*/ 0 h 6858000"/>
-              <a:gd name="connsiteX2" fmla="*/ 4168864 w 4948887"/>
-              <a:gd name="connsiteY2" fmla="*/ 123368 h 6858000"/>
-              <a:gd name="connsiteX3" fmla="*/ 4948887 w 4948887"/>
-              <a:gd name="connsiteY3" fmla="*/ 3429000 h 6858000"/>
-              <a:gd name="connsiteX4" fmla="*/ 4168864 w 4948887"/>
-              <a:gd name="connsiteY4" fmla="*/ 6734633 h 6858000"/>
-              <a:gd name="connsiteX5" fmla="*/ 4099967 w 4948887"/>
-              <a:gd name="connsiteY5" fmla="*/ 6858000 h 6858000"/>
-              <a:gd name="connsiteX6" fmla="*/ 0 w 4948887"/>
-              <a:gd name="connsiteY6" fmla="*/ 6858000 h 6858000"/>
-            </a:gdLst>
-            <a:ahLst/>
-            <a:cxnLst>
-              <a:cxn ang="0">
-                <a:pos x="connsiteX0" y="connsiteY0"/>
-              </a:cxn>
-              <a:cxn ang="0">
-                <a:pos x="connsiteX1" y="connsiteY1"/>
-              </a:cxn>
-              <a:cxn ang="0">
-                <a:pos x="connsiteX2" y="connsiteY2"/>
-              </a:cxn>
-              <a:cxn ang="0">
-                <a:pos x="connsiteX3" y="connsiteY3"/>
-              </a:cxn>
-              <a:cxn ang="0">
-                <a:pos x="connsiteX4" y="connsiteY4"/>
-              </a:cxn>
-              <a:cxn ang="0">
-                <a:pos x="connsiteX5" y="connsiteY5"/>
-              </a:cxn>
-              <a:cxn ang="0">
-                <a:pos x="connsiteX6" y="connsiteY6"/>
-              </a:cxn>
-            </a:cxnLst>
-            <a:rect l="l" t="t" r="r" b="b"/>
-            <a:pathLst>
-              <a:path w="4948887" h="6858000">
-                <a:moveTo>
-                  <a:pt x="0" y="0"/>
-                </a:moveTo>
-                <a:lnTo>
-                  <a:pt x="4099967" y="0"/>
-                </a:lnTo>
-                <a:lnTo>
-                  <a:pt x="4168864" y="123368"/>
-                </a:lnTo>
-                <a:cubicBezTo>
-                  <a:pt x="4658769" y="1045156"/>
-                  <a:pt x="4948887" y="2189404"/>
-                  <a:pt x="4948887" y="3429000"/>
-                </a:cubicBezTo>
-                <a:cubicBezTo>
-                  <a:pt x="4948887" y="4668597"/>
-                  <a:pt x="4658769" y="5812845"/>
-                  <a:pt x="4168864" y="6734633"/>
-                </a:cubicBezTo>
-                <a:lnTo>
-                  <a:pt x="4099967" y="6858000"/>
-                </a:lnTo>
-                <a:lnTo>
-                  <a:pt x="0" y="6858000"/>
-                </a:lnTo>
-                <a:close/>
-              </a:path>
-            </a:pathLst>
-          </a:custGeom>
-          <a:ln w="9525">
-            <a:noFill/>
-          </a:ln>
-          <a:effectLst/>
-        </p:spPr>
-        <p:style>
-          <a:lnRef idx="2">
-            <a:schemeClr val="accent1">
-              <a:shade val="50000"/>
-            </a:schemeClr>
-          </a:lnRef>
-          <a:fillRef idx="1">
-            <a:schemeClr val="accent1"/>
-          </a:fillRef>
-          <a:effectRef idx="0">
-            <a:schemeClr val="accent1"/>
-          </a:effectRef>
-          <a:fontRef idx="minor">
-            <a:schemeClr val="lt1"/>
-          </a:fontRef>
-        </p:style>
-        <p:txBody>
-          <a:bodyPr wrap="square" rtlCol="0" anchor="ctr">
-            <a:noAutofit/>
-          </a:bodyPr>
-          <a:lstStyle/>
-          <a:p>
-            <a:pPr marL="0" marR="0" lvl="0" indent="0" algn="ctr" defTabSz="914400" rtl="0" eaLnBrk="1" fontAlgn="auto" latinLnBrk="0" hangingPunct="1">
-              <a:lnSpc>
-                <a:spcPct val="100000"/>
-              </a:lnSpc>
-              <a:spcBef>
-                <a:spcPts val="0"/>
-              </a:spcBef>
-              <a:spcAft>
-                <a:spcPts val="0"/>
-              </a:spcAft>
-              <a:buClrTx/>
-              <a:buSzTx/>
-              <a:buFontTx/>
-              <a:buNone/>
-              <a:tabLst/>
-              <a:defRPr/>
+            <a:r>
+              <a:rPr lang="en-GB" dirty="0">
+                <a:hlinkClick r:id="rId2"/>
+              </a:rPr>
+              <a:t>https://github.com/ageitgey/face_recognition</a:t>
+            </a:r>
+            <a:endParaRPr lang="en-GB" dirty="0"/>
+          </a:p>
+          <a:p>
+            <a:pPr marL="971550" lvl="1" indent="-514350">
+              <a:buFont typeface="+mj-lt"/>
+              <a:buAutoNum type="arabicPeriod"/>
             </a:pPr>
-            <a:endParaRPr kumimoji="0" lang="en-US" sz="1800" b="0" i="0" u="none" strike="noStrike" kern="1200" cap="none" spc="0" normalizeH="0" baseline="0" noProof="0">
-              <a:ln>
-                <a:noFill/>
-              </a:ln>
-              <a:solidFill>
-                <a:prstClr val="white"/>
-              </a:solidFill>
-              <a:effectLst/>
-              <a:uLnTx/>
-              <a:uFillTx/>
-              <a:latin typeface="Calibri" panose="020F0502020204030204"/>
-              <a:ea typeface="+mn-ea"/>
-              <a:cs typeface="+mn-cs"/>
-            </a:endParaRPr>
-          </a:p>
-        </p:txBody>
-      </p:sp>
-      <p:sp>
-        <p:nvSpPr>
-          <p:cNvPr id="2" name="Title 1">
-            <a:extLst>
-              <a:ext uri="{FF2B5EF4-FFF2-40B4-BE49-F238E27FC236}">
-                <a16:creationId xmlns:a16="http://schemas.microsoft.com/office/drawing/2014/main" id="{8085EAE4-36D2-469B-8E11-63176FDEC779}"/>
-              </a:ext>
-            </a:extLst>
-          </p:cNvPr>
-          <p:cNvSpPr>
-            <a:spLocks noGrp="1"/>
-          </p:cNvSpPr>
-          <p:nvPr>
-            <p:ph type="title"/>
-          </p:nvPr>
-        </p:nvSpPr>
-        <p:spPr>
-          <a:xfrm>
-            <a:off x="477981" y="1122363"/>
-            <a:ext cx="4023360" cy="3204134"/>
-          </a:xfrm>
-        </p:spPr>
-        <p:txBody>
-          <a:bodyPr vert="horz" lIns="91440" tIns="45720" rIns="91440" bIns="45720" rtlCol="0" anchor="b">
-            <a:normAutofit/>
-          </a:bodyPr>
-          <a:lstStyle/>
-          <a:p>
-            <a:r>
-              <a:rPr lang="en-US" sz="4800" dirty="0"/>
-              <a:t>Finding Features in an Image</a:t>
-            </a:r>
-          </a:p>
-        </p:txBody>
-      </p:sp>
-      <p:sp>
-        <p:nvSpPr>
-          <p:cNvPr id="15" name="Rectangle 14">
-            <a:extLst>
-              <a:ext uri="{FF2B5EF4-FFF2-40B4-BE49-F238E27FC236}">
-                <a16:creationId xmlns:a16="http://schemas.microsoft.com/office/drawing/2014/main" id="{AF2F604E-43BE-4DC3-B983-E071523364F8}"/>
-              </a:ext>
-              <a:ext uri="{C183D7F6-B498-43B3-948B-1728B52AA6E4}">
-                <adec:decorative xmlns:adec="http://schemas.microsoft.com/office/drawing/2017/decorative" val="1"/>
-              </a:ext>
-            </a:extLst>
-          </p:cNvPr>
-          <p:cNvSpPr>
-            <a:spLocks noGrp="1" noRot="1" noChangeAspect="1" noMove="1" noResize="1" noEditPoints="1" noAdjustHandles="1" noChangeArrowheads="1" noChangeShapeType="1" noTextEdit="1"/>
-          </p:cNvSpPr>
-          <p:nvPr>
-            <p:extLst>
-              <p:ext uri="{386F3935-93C4-4BCD-93E2-E3B085C9AB24}">
-                <p16:designElem xmlns:p16="http://schemas.microsoft.com/office/powerpoint/2015/main" val="1"/>
-              </p:ext>
-            </p:extLst>
-          </p:nvPr>
-        </p:nvSpPr>
-        <p:spPr>
-          <a:xfrm rot="5400000">
-            <a:off x="759921" y="346791"/>
-            <a:ext cx="146304" cy="704088"/>
-          </a:xfrm>
-          <a:prstGeom prst="rect">
-            <a:avLst/>
-          </a:prstGeom>
-          <a:solidFill>
-            <a:schemeClr val="accent2"/>
-          </a:solidFill>
-          <a:ln>
-            <a:noFill/>
-          </a:ln>
-        </p:spPr>
-        <p:style>
-          <a:lnRef idx="2">
-            <a:schemeClr val="accent1">
-              <a:shade val="50000"/>
-            </a:schemeClr>
-          </a:lnRef>
-          <a:fillRef idx="1">
-            <a:schemeClr val="accent1"/>
-          </a:fillRef>
-          <a:effectRef idx="0">
-            <a:schemeClr val="accent1"/>
-          </a:effectRef>
-          <a:fontRef idx="minor">
-            <a:schemeClr val="lt1"/>
-          </a:fontRef>
-        </p:style>
-        <p:txBody>
-          <a:bodyPr rtlCol="0" anchor="ctr"/>
-          <a:lstStyle/>
-          <a:p>
-            <a:pPr marL="0" marR="0" lvl="0" indent="0" algn="ctr" defTabSz="914400" rtl="0" eaLnBrk="1" fontAlgn="auto" latinLnBrk="0" hangingPunct="1">
-              <a:lnSpc>
-                <a:spcPct val="100000"/>
-              </a:lnSpc>
-              <a:spcBef>
-                <a:spcPts val="0"/>
-              </a:spcBef>
-              <a:spcAft>
-                <a:spcPts val="0"/>
-              </a:spcAft>
-              <a:buClrTx/>
-              <a:buSzTx/>
-              <a:buFontTx/>
-              <a:buNone/>
-              <a:tabLst/>
-              <a:defRPr/>
-            </a:pPr>
-            <a:endParaRPr kumimoji="0" lang="en-US" sz="1800" b="0" i="0" u="none" strike="noStrike" kern="1200" cap="none" spc="0" normalizeH="0" baseline="0" noProof="0">
-              <a:ln>
-                <a:noFill/>
-              </a:ln>
-              <a:solidFill>
-                <a:prstClr val="white"/>
-              </a:solidFill>
-              <a:effectLst/>
-              <a:uLnTx/>
-              <a:uFillTx/>
-              <a:latin typeface="Calibri" panose="020F0502020204030204"/>
-              <a:ea typeface="+mn-ea"/>
-              <a:cs typeface="+mn-cs"/>
-            </a:endParaRPr>
-          </a:p>
-        </p:txBody>
-      </p:sp>
-      <p:sp>
-        <p:nvSpPr>
-          <p:cNvPr id="17" name="Rectangle 16">
-            <a:extLst>
-              <a:ext uri="{FF2B5EF4-FFF2-40B4-BE49-F238E27FC236}">
-                <a16:creationId xmlns:a16="http://schemas.microsoft.com/office/drawing/2014/main" id="{08C9B587-E65E-4B52-B37C-ABEBB6E87928}"/>
-              </a:ext>
-              <a:ext uri="{C183D7F6-B498-43B3-948B-1728B52AA6E4}">
-                <adec:decorative xmlns:adec="http://schemas.microsoft.com/office/drawing/2017/decorative" val="1"/>
-              </a:ext>
-            </a:extLst>
-          </p:cNvPr>
-          <p:cNvSpPr>
-            <a:spLocks noGrp="1" noRot="1" noChangeAspect="1" noMove="1" noResize="1" noEditPoints="1" noAdjustHandles="1" noChangeArrowheads="1" noChangeShapeType="1" noTextEdit="1"/>
-          </p:cNvSpPr>
-          <p:nvPr>
-            <p:extLst>
-              <p:ext uri="{386F3935-93C4-4BCD-93E2-E3B085C9AB24}">
-                <p16:designElem xmlns:p16="http://schemas.microsoft.com/office/powerpoint/2015/main" val="1"/>
-              </p:ext>
-            </p:extLst>
-          </p:nvPr>
-        </p:nvSpPr>
-        <p:spPr>
-          <a:xfrm>
-            <a:off x="481029" y="4546920"/>
-            <a:ext cx="4023360" cy="18288"/>
-          </a:xfrm>
-          <a:prstGeom prst="rect">
-            <a:avLst/>
-          </a:prstGeom>
-          <a:solidFill>
-            <a:srgbClr val="D5D5D5"/>
-          </a:solidFill>
-          <a:ln w="3175">
-            <a:noFill/>
-          </a:ln>
-          <a:effectLst/>
-        </p:spPr>
-        <p:style>
-          <a:lnRef idx="2">
-            <a:schemeClr val="accent1">
-              <a:shade val="50000"/>
-            </a:schemeClr>
-          </a:lnRef>
-          <a:fillRef idx="1">
-            <a:schemeClr val="accent1"/>
-          </a:fillRef>
-          <a:effectRef idx="0">
-            <a:schemeClr val="accent1"/>
-          </a:effectRef>
-          <a:fontRef idx="minor">
-            <a:schemeClr val="lt1"/>
-          </a:fontRef>
-        </p:style>
-        <p:txBody>
-          <a:bodyPr rtlCol="0" anchor="ctr"/>
-          <a:lstStyle/>
-          <a:p>
-            <a:pPr marL="0" marR="0" lvl="0" indent="0" algn="ctr" defTabSz="914400" rtl="0" eaLnBrk="1" fontAlgn="auto" latinLnBrk="0" hangingPunct="1">
-              <a:lnSpc>
-                <a:spcPct val="100000"/>
-              </a:lnSpc>
-              <a:spcBef>
-                <a:spcPts val="0"/>
-              </a:spcBef>
-              <a:spcAft>
-                <a:spcPts val="0"/>
-              </a:spcAft>
-              <a:buClrTx/>
-              <a:buSzTx/>
-              <a:buFontTx/>
-              <a:buNone/>
-              <a:tabLst/>
-              <a:defRPr/>
-            </a:pPr>
-            <a:endParaRPr kumimoji="0" lang="en-US" sz="1800" b="0" i="0" u="none" strike="noStrike" kern="1200" cap="none" spc="0" normalizeH="0" baseline="0" noProof="0">
-              <a:ln>
-                <a:noFill/>
-              </a:ln>
-              <a:solidFill>
-                <a:prstClr val="white"/>
-              </a:solidFill>
-              <a:effectLst/>
-              <a:uLnTx/>
-              <a:uFillTx/>
-              <a:latin typeface="Calibri" panose="020F0502020204030204"/>
-              <a:ea typeface="+mn-ea"/>
-              <a:cs typeface="+mn-cs"/>
-            </a:endParaRPr>
+            <a:r>
+              <a:rPr lang="en-GB" dirty="0">
+                <a:hlinkClick r:id="rId3"/>
+              </a:rPr>
+              <a:t>http://dlib.net/</a:t>
+            </a:r>
+            <a:endParaRPr lang="en-GB" dirty="0"/>
+          </a:p>
+          <a:p>
+            <a:endParaRPr lang="en-GB" dirty="0"/>
           </a:p>
         </p:txBody>
       </p:sp>
     </p:spTree>
     <p:extLst>
       <p:ext uri="{BB962C8B-B14F-4D97-AF65-F5344CB8AC3E}">
-        <p14:creationId xmlns:p14="http://schemas.microsoft.com/office/powerpoint/2010/main" val="4276550068"/>
+        <p14:creationId xmlns:p14="http://schemas.microsoft.com/office/powerpoint/2010/main" val="923644577"/>
       </p:ext>
     </p:extLst>
   </p:cSld>
@@ -6008,14 +5543,6 @@
 <file path=ppt/slides/slide7.xml><?xml version="1.0" encoding="utf-8"?>
 <p:sld xmlns:a="http://schemas.openxmlformats.org/drawingml/2006/main" xmlns:r="http://schemas.openxmlformats.org/officeDocument/2006/relationships" xmlns:p="http://schemas.openxmlformats.org/presentationml/2006/main">
   <p:cSld>
-    <p:bg>
-      <p:bgPr>
-        <a:solidFill>
-          <a:schemeClr val="bg1"/>
-        </a:solidFill>
-        <a:effectLst/>
-      </p:bgPr>
-    </p:bg>
     <p:spTree>
       <p:nvGrpSpPr>
         <p:cNvPr id="1" name=""/>
@@ -6032,208 +5559,273 @@
       </p:grpSpPr>
       <p:sp>
         <p:nvSpPr>
-          <p:cNvPr id="17" name="Rectangle 16">
-            <a:extLst>
-              <a:ext uri="{FF2B5EF4-FFF2-40B4-BE49-F238E27FC236}">
-                <a16:creationId xmlns:a16="http://schemas.microsoft.com/office/drawing/2014/main" id="{86295E7F-EA66-480B-B001-C8BE7CD61903}"/>
-              </a:ext>
-              <a:ext uri="{C183D7F6-B498-43B3-948B-1728B52AA6E4}">
-                <adec:decorative xmlns:adec="http://schemas.microsoft.com/office/drawing/2017/decorative" val="1"/>
-              </a:ext>
-            </a:extLst>
-          </p:cNvPr>
-          <p:cNvSpPr>
-            <a:spLocks noGrp="1" noRot="1" noChangeAspect="1" noMove="1" noResize="1" noEditPoints="1" noAdjustHandles="1" noChangeArrowheads="1" noChangeShapeType="1" noTextEdit="1"/>
-          </p:cNvSpPr>
-          <p:nvPr>
-            <p:extLst>
-              <p:ext uri="{386F3935-93C4-4BCD-93E2-E3B085C9AB24}">
-                <p16:designElem xmlns:p16="http://schemas.microsoft.com/office/powerpoint/2015/main" val="1"/>
-              </p:ext>
-            </p:extLst>
-          </p:nvPr>
-        </p:nvSpPr>
-        <p:spPr bwMode="ltGray">
-          <a:xfrm>
-            <a:off x="320040" y="4892040"/>
-            <a:ext cx="11548872" cy="1645920"/>
+          <p:cNvPr id="2" name="Title 1">
+            <a:extLst>
+              <a:ext uri="{FF2B5EF4-FFF2-40B4-BE49-F238E27FC236}">
+                <a16:creationId xmlns:a16="http://schemas.microsoft.com/office/drawing/2014/main" id="{EF0C347D-8E03-4ABB-9128-182F490BC380}"/>
+              </a:ext>
+            </a:extLst>
+          </p:cNvPr>
+          <p:cNvSpPr>
+            <a:spLocks noGrp="1"/>
+          </p:cNvSpPr>
+          <p:nvPr>
+            <p:ph type="title"/>
+          </p:nvPr>
+        </p:nvSpPr>
+        <p:spPr/>
+        <p:txBody>
+          <a:bodyPr/>
+          <a:lstStyle/>
+          <a:p>
+            <a:pPr algn="ctr"/>
+            <a:r>
+              <a:rPr lang="en-GB" dirty="0"/>
+              <a:t>Helpful utility functions</a:t>
+            </a:r>
+          </a:p>
+        </p:txBody>
+      </p:sp>
+      <p:pic>
+        <p:nvPicPr>
+          <p:cNvPr id="5" name="Content Placeholder 4" descr="A picture containing shirt&#10;&#10;Description automatically generated">
+            <a:extLst>
+              <a:ext uri="{FF2B5EF4-FFF2-40B4-BE49-F238E27FC236}">
+                <a16:creationId xmlns:a16="http://schemas.microsoft.com/office/drawing/2014/main" id="{FBDE79B2-6446-4333-8750-261F5212F57C}"/>
+              </a:ext>
+            </a:extLst>
+          </p:cNvPr>
+          <p:cNvPicPr>
+            <a:picLocks noGrp="1" noChangeAspect="1"/>
+          </p:cNvPicPr>
+          <p:nvPr>
+            <p:ph sz="half" idx="2"/>
+          </p:nvPr>
+        </p:nvPicPr>
+        <p:blipFill>
+          <a:blip r:embed="rId2">
+            <a:extLst>
+              <a:ext uri="{28A0092B-C50C-407E-A947-70E740481C1C}">
+                <a14:useLocalDpi xmlns:a14="http://schemas.microsoft.com/office/drawing/2010/main" val="0"/>
+              </a:ext>
+            </a:extLst>
+          </a:blip>
+          <a:stretch>
+            <a:fillRect/>
+          </a:stretch>
+        </p:blipFill>
+        <p:spPr>
+          <a:xfrm>
+            <a:off x="9396069" y="2503094"/>
+            <a:ext cx="1274890" cy="1062408"/>
+          </a:xfrm>
+        </p:spPr>
+      </p:pic>
+      <p:sp>
+        <p:nvSpPr>
+          <p:cNvPr id="6" name="TextBox 5">
+            <a:extLst>
+              <a:ext uri="{FF2B5EF4-FFF2-40B4-BE49-F238E27FC236}">
+                <a16:creationId xmlns:a16="http://schemas.microsoft.com/office/drawing/2014/main" id="{175BEBB6-AAAD-4397-8C37-020AC5CFC65E}"/>
+              </a:ext>
+            </a:extLst>
+          </p:cNvPr>
+          <p:cNvSpPr txBox="1"/>
+          <p:nvPr/>
+        </p:nvSpPr>
+        <p:spPr>
+          <a:xfrm>
+            <a:off x="361932" y="2704859"/>
+            <a:ext cx="5063306" cy="338554"/>
           </a:xfrm>
           <a:prstGeom prst="rect">
             <a:avLst/>
           </a:prstGeom>
-          <a:solidFill>
-            <a:srgbClr val="262626"/>
-          </a:solidFill>
-          <a:ln w="127000" cap="sq" cmpd="thinThick">
-            <a:noFill/>
-          </a:ln>
         </p:spPr>
         <p:style>
           <a:lnRef idx="2">
-            <a:schemeClr val="accent1">
-              <a:shade val="50000"/>
-            </a:schemeClr>
+            <a:schemeClr val="dk1"/>
           </a:lnRef>
           <a:fillRef idx="1">
-            <a:schemeClr val="accent1"/>
+            <a:schemeClr val="lt1"/>
           </a:fillRef>
           <a:effectRef idx="0">
-            <a:schemeClr val="accent1"/>
+            <a:schemeClr val="dk1"/>
           </a:effectRef>
           <a:fontRef idx="minor">
-            <a:schemeClr val="lt1"/>
+            <a:schemeClr val="dk1"/>
           </a:fontRef>
         </p:style>
         <p:txBody>
-          <a:bodyPr rtlCol="0" anchor="ctr"/>
-          <a:lstStyle/>
-          <a:p>
-            <a:pPr marL="0" marR="0" lvl="0" indent="0" algn="ctr" defTabSz="914400" rtl="0" eaLnBrk="1" fontAlgn="auto" latinLnBrk="0" hangingPunct="1">
-              <a:lnSpc>
-                <a:spcPct val="100000"/>
-              </a:lnSpc>
-              <a:spcBef>
-                <a:spcPts val="0"/>
-              </a:spcBef>
-              <a:spcAft>
-                <a:spcPts val="0"/>
-              </a:spcAft>
-              <a:buClrTx/>
-              <a:buSzTx/>
-              <a:buFontTx/>
-              <a:buNone/>
-              <a:tabLst/>
-              <a:defRPr/>
-            </a:pPr>
-            <a:endParaRPr kumimoji="0" lang="en-US" sz="1800" b="0" i="0" u="none" strike="noStrike" kern="1200" cap="none" spc="0" normalizeH="0" baseline="0" noProof="0">
-              <a:ln>
-                <a:noFill/>
-              </a:ln>
-              <a:solidFill>
-                <a:prstClr val="white"/>
-              </a:solidFill>
-              <a:effectLst/>
-              <a:uLnTx/>
-              <a:uFillTx/>
-              <a:latin typeface="Calibri" panose="020F0502020204030204"/>
-              <a:ea typeface="+mn-ea"/>
-              <a:cs typeface="+mn-cs"/>
-            </a:endParaRPr>
-          </a:p>
-        </p:txBody>
-      </p:sp>
-      <p:sp>
-        <p:nvSpPr>
-          <p:cNvPr id="2" name="Title 1">
-            <a:extLst>
-              <a:ext uri="{FF2B5EF4-FFF2-40B4-BE49-F238E27FC236}">
-                <a16:creationId xmlns:a16="http://schemas.microsoft.com/office/drawing/2014/main" id="{32C12D44-61C7-44FF-B1FC-D1D94C6B395C}"/>
-              </a:ext>
-            </a:extLst>
-          </p:cNvPr>
-          <p:cNvSpPr>
-            <a:spLocks noGrp="1"/>
-          </p:cNvSpPr>
-          <p:nvPr>
-            <p:ph type="title"/>
-          </p:nvPr>
-        </p:nvSpPr>
-        <p:spPr>
-          <a:xfrm>
-            <a:off x="718687" y="5091762"/>
-            <a:ext cx="7170254" cy="1264588"/>
-          </a:xfrm>
-        </p:spPr>
-        <p:txBody>
-          <a:bodyPr vert="horz" lIns="91440" tIns="45720" rIns="91440" bIns="45720" rtlCol="0" anchor="ctr">
-            <a:normAutofit/>
+          <a:bodyPr wrap="square" rtlCol="0">
+            <a:spAutoFit/>
           </a:bodyPr>
           <a:lstStyle/>
           <a:p>
-            <a:pPr algn="r"/>
-            <a:r>
-              <a:rPr lang="en-US" sz="4100" dirty="0">
-                <a:solidFill>
-                  <a:srgbClr val="FFFFFF"/>
-                </a:solidFill>
-              </a:rPr>
-              <a:t>Feature extraction – Histogram of Oriented Gradients</a:t>
-            </a:r>
-          </a:p>
-        </p:txBody>
-      </p:sp>
-      <p:pic>
-        <p:nvPicPr>
-          <p:cNvPr id="5" name="Content Placeholder 4" descr="A picture containing clock&#10;&#10;Description automatically generated">
-            <a:extLst>
-              <a:ext uri="{FF2B5EF4-FFF2-40B4-BE49-F238E27FC236}">
-                <a16:creationId xmlns:a16="http://schemas.microsoft.com/office/drawing/2014/main" id="{01A4CB7E-D552-4022-BDBC-FA4AFD97986F}"/>
-              </a:ext>
-            </a:extLst>
-          </p:cNvPr>
-          <p:cNvPicPr>
-            <a:picLocks noChangeAspect="1"/>
-          </p:cNvPicPr>
+            <a:r>
+              <a:rPr lang="en-GB" sz="1400" dirty="0"/>
+              <a:t>1 . </a:t>
+            </a:r>
+            <a:r>
+              <a:rPr lang="en-GB" sz="1400" dirty="0" err="1"/>
+              <a:t>face_locations</a:t>
+            </a:r>
+            <a:r>
+              <a:rPr lang="en-GB" sz="1400" dirty="0"/>
+              <a:t>= face_recognition.face_locations(image</a:t>
+            </a:r>
+            <a:r>
+              <a:rPr lang="en-GB" sz="1600" dirty="0"/>
+              <a:t>)</a:t>
+            </a:r>
+          </a:p>
+        </p:txBody>
+      </p:sp>
+      <p:sp>
+        <p:nvSpPr>
+          <p:cNvPr id="15" name="TextBox 14">
+            <a:extLst>
+              <a:ext uri="{FF2B5EF4-FFF2-40B4-BE49-F238E27FC236}">
+                <a16:creationId xmlns:a16="http://schemas.microsoft.com/office/drawing/2014/main" id="{20B48EE2-493D-49AC-8D8E-46F1AE690929}"/>
+              </a:ext>
+            </a:extLst>
+          </p:cNvPr>
+          <p:cNvSpPr txBox="1"/>
           <p:nvPr/>
-        </p:nvPicPr>
-        <p:blipFill rotWithShape="1">
-          <a:blip r:embed="rId2">
-            <a:extLst>
-              <a:ext uri="{28A0092B-C50C-407E-A947-70E740481C1C}">
-                <a14:useLocalDpi xmlns:a14="http://schemas.microsoft.com/office/drawing/2010/main" val="0"/>
-              </a:ext>
-            </a:extLst>
-          </a:blip>
-          <a:srcRect r="15886"/>
-          <a:stretch/>
-        </p:blipFill>
-        <p:spPr>
-          <a:xfrm>
-            <a:off x="320040" y="320040"/>
-            <a:ext cx="11548872" cy="4462272"/>
+        </p:nvSpPr>
+        <p:spPr>
+          <a:xfrm>
+            <a:off x="9298415" y="4660412"/>
+            <a:ext cx="2450228" cy="369332"/>
           </a:xfrm>
           <a:prstGeom prst="rect">
             <a:avLst/>
           </a:prstGeom>
-        </p:spPr>
-      </p:pic>
+          <a:noFill/>
+        </p:spPr>
+        <p:txBody>
+          <a:bodyPr wrap="square" rtlCol="0">
+            <a:spAutoFit/>
+          </a:bodyPr>
+          <a:lstStyle/>
+          <a:p>
+            <a:r>
+              <a:rPr lang="en-GB" dirty="0"/>
+              <a:t>[x</a:t>
+            </a:r>
+            <a:r>
+              <a:rPr lang="en-GB" sz="1000" dirty="0"/>
+              <a:t>0</a:t>
+            </a:r>
+            <a:r>
+              <a:rPr lang="en-GB" dirty="0"/>
+              <a:t>, x</a:t>
+            </a:r>
+            <a:r>
+              <a:rPr lang="en-GB" sz="1000" dirty="0"/>
+              <a:t>1</a:t>
+            </a:r>
+            <a:r>
+              <a:rPr lang="en-GB" dirty="0"/>
+              <a:t>, …………..x</a:t>
+            </a:r>
+            <a:r>
+              <a:rPr lang="en-GB" sz="1000" dirty="0"/>
+              <a:t>127</a:t>
+            </a:r>
+            <a:r>
+              <a:rPr lang="en-GB" dirty="0"/>
+              <a:t>]</a:t>
+            </a:r>
+          </a:p>
+        </p:txBody>
+      </p:sp>
+      <p:sp>
+        <p:nvSpPr>
+          <p:cNvPr id="22" name="TextBox 21">
+            <a:extLst>
+              <a:ext uri="{FF2B5EF4-FFF2-40B4-BE49-F238E27FC236}">
+                <a16:creationId xmlns:a16="http://schemas.microsoft.com/office/drawing/2014/main" id="{20761C06-3DEC-430A-9F11-47A3041A0EE0}"/>
+              </a:ext>
+            </a:extLst>
+          </p:cNvPr>
+          <p:cNvSpPr txBox="1"/>
+          <p:nvPr/>
+        </p:nvSpPr>
+        <p:spPr>
+          <a:xfrm>
+            <a:off x="332164" y="4734693"/>
+            <a:ext cx="6350568" cy="307777"/>
+          </a:xfrm>
+          <a:prstGeom prst="rect">
+            <a:avLst/>
+          </a:prstGeom>
+        </p:spPr>
+        <p:style>
+          <a:lnRef idx="2">
+            <a:schemeClr val="dk1"/>
+          </a:lnRef>
+          <a:fillRef idx="1">
+            <a:schemeClr val="lt1"/>
+          </a:fillRef>
+          <a:effectRef idx="0">
+            <a:schemeClr val="dk1"/>
+          </a:effectRef>
+          <a:fontRef idx="minor">
+            <a:schemeClr val="dk1"/>
+          </a:fontRef>
+        </p:style>
+        <p:txBody>
+          <a:bodyPr wrap="square" rtlCol="0">
+            <a:spAutoFit/>
+          </a:bodyPr>
+          <a:lstStyle/>
+          <a:p>
+            <a:r>
+              <a:rPr lang="en-GB" sz="1400" dirty="0"/>
+              <a:t>2.  face_encodings= </a:t>
+            </a:r>
+            <a:r>
+              <a:rPr lang="en-GB" sz="1400" dirty="0" err="1"/>
+              <a:t>face_recognition.face_encodings</a:t>
+            </a:r>
+            <a:r>
+              <a:rPr lang="en-GB" sz="1400" dirty="0"/>
+              <a:t>(image, </a:t>
+            </a:r>
+            <a:r>
+              <a:rPr lang="en-GB" sz="1400" dirty="0" err="1"/>
+              <a:t>face_locations</a:t>
+            </a:r>
+            <a:r>
+              <a:rPr lang="en-GB" sz="1400" dirty="0"/>
+              <a:t>)</a:t>
+            </a:r>
+          </a:p>
+        </p:txBody>
+      </p:sp>
       <p:cxnSp>
         <p:nvCxnSpPr>
-          <p:cNvPr id="19" name="Straight Connector 18">
-            <a:extLst>
-              <a:ext uri="{FF2B5EF4-FFF2-40B4-BE49-F238E27FC236}">
-                <a16:creationId xmlns:a16="http://schemas.microsoft.com/office/drawing/2014/main" id="{E126E481-B945-4179-BD79-05E96E9B29E1}"/>
-              </a:ext>
-              <a:ext uri="{C183D7F6-B498-43B3-948B-1728B52AA6E4}">
-                <adec:decorative xmlns:adec="http://schemas.microsoft.com/office/drawing/2017/decorative" val="1"/>
-              </a:ext>
-            </a:extLst>
-          </p:cNvPr>
-          <p:cNvCxnSpPr>
-            <a:cxnSpLocks noGrp="1" noRot="1" noChangeAspect="1" noMove="1" noResize="1" noEditPoints="1" noAdjustHandles="1" noChangeArrowheads="1" noChangeShapeType="1"/>
-          </p:cNvCxnSpPr>
-          <p:nvPr>
-            <p:extLst>
-              <p:ext uri="{386F3935-93C4-4BCD-93E2-E3B085C9AB24}">
-                <p16:designElem xmlns:p16="http://schemas.microsoft.com/office/powerpoint/2015/main" val="1"/>
-              </p:ext>
-            </p:extLst>
-          </p:nvPr>
+          <p:cNvPr id="25" name="Straight Arrow Connector 24">
+            <a:extLst>
+              <a:ext uri="{FF2B5EF4-FFF2-40B4-BE49-F238E27FC236}">
+                <a16:creationId xmlns:a16="http://schemas.microsoft.com/office/drawing/2014/main" id="{32B06B61-8A25-425D-9F29-5DB09A679C37}"/>
+              </a:ext>
+            </a:extLst>
+          </p:cNvPr>
+          <p:cNvCxnSpPr/>
+          <p:nvPr/>
         </p:nvCxnSpPr>
         <p:spPr>
-          <a:xfrm flipV="1">
-            <a:off x="8386843" y="5264106"/>
-            <a:ext cx="0" cy="914400"/>
-          </a:xfrm>
-          <a:prstGeom prst="line">
+          <a:xfrm>
+            <a:off x="6392592" y="2946197"/>
+            <a:ext cx="2503503" cy="0"/>
+          </a:xfrm>
+          <a:prstGeom prst="straightConnector1">
             <a:avLst/>
           </a:prstGeom>
-          <a:ln w="19050">
-            <a:solidFill>
-              <a:srgbClr val="FFFFFF">
-                <a:alpha val="80000"/>
-              </a:srgbClr>
-            </a:solidFill>
+          <a:ln>
+            <a:tailEnd type="triangle"/>
           </a:ln>
         </p:spPr>
         <p:style>
@@ -6251,10 +5843,119 @@
           </a:fontRef>
         </p:style>
       </p:cxnSp>
+      <p:cxnSp>
+        <p:nvCxnSpPr>
+          <p:cNvPr id="27" name="Straight Arrow Connector 26">
+            <a:extLst>
+              <a:ext uri="{FF2B5EF4-FFF2-40B4-BE49-F238E27FC236}">
+                <a16:creationId xmlns:a16="http://schemas.microsoft.com/office/drawing/2014/main" id="{A2E5DB6C-152E-4DF6-A65D-DD974DB4B38F}"/>
+              </a:ext>
+            </a:extLst>
+          </p:cNvPr>
+          <p:cNvCxnSpPr/>
+          <p:nvPr/>
+        </p:nvCxnSpPr>
+        <p:spPr>
+          <a:xfrm>
+            <a:off x="7107245" y="4888581"/>
+            <a:ext cx="1731146" cy="0"/>
+          </a:xfrm>
+          <a:prstGeom prst="straightConnector1">
+            <a:avLst/>
+          </a:prstGeom>
+          <a:ln>
+            <a:tailEnd type="triangle"/>
+          </a:ln>
+        </p:spPr>
+        <p:style>
+          <a:lnRef idx="1">
+            <a:schemeClr val="accent1"/>
+          </a:lnRef>
+          <a:fillRef idx="0">
+            <a:schemeClr val="accent1"/>
+          </a:fillRef>
+          <a:effectRef idx="0">
+            <a:schemeClr val="accent1"/>
+          </a:effectRef>
+          <a:fontRef idx="minor">
+            <a:schemeClr val="tx1"/>
+          </a:fontRef>
+        </p:style>
+      </p:cxnSp>
+      <p:sp>
+        <p:nvSpPr>
+          <p:cNvPr id="28" name="TextBox 27">
+            <a:extLst>
+              <a:ext uri="{FF2B5EF4-FFF2-40B4-BE49-F238E27FC236}">
+                <a16:creationId xmlns:a16="http://schemas.microsoft.com/office/drawing/2014/main" id="{AEA909AC-3490-4DC8-A05C-7193B7FD3613}"/>
+              </a:ext>
+            </a:extLst>
+          </p:cNvPr>
+          <p:cNvSpPr txBox="1"/>
+          <p:nvPr/>
+        </p:nvSpPr>
+        <p:spPr>
+          <a:xfrm>
+            <a:off x="6910322" y="2655569"/>
+            <a:ext cx="2388093" cy="261610"/>
+          </a:xfrm>
+          <a:prstGeom prst="rect">
+            <a:avLst/>
+          </a:prstGeom>
+          <a:noFill/>
+        </p:spPr>
+        <p:txBody>
+          <a:bodyPr wrap="square" rtlCol="0">
+            <a:spAutoFit/>
+          </a:bodyPr>
+          <a:lstStyle/>
+          <a:p>
+            <a:r>
+              <a:rPr lang="en-GB" sz="1100" dirty="0"/>
+              <a:t>Extracting face location </a:t>
+            </a:r>
+          </a:p>
+        </p:txBody>
+      </p:sp>
+      <p:sp>
+        <p:nvSpPr>
+          <p:cNvPr id="30" name="TextBox 29">
+            <a:extLst>
+              <a:ext uri="{FF2B5EF4-FFF2-40B4-BE49-F238E27FC236}">
+                <a16:creationId xmlns:a16="http://schemas.microsoft.com/office/drawing/2014/main" id="{14090370-838A-47B5-B891-D01C83759ADD}"/>
+              </a:ext>
+            </a:extLst>
+          </p:cNvPr>
+          <p:cNvSpPr txBox="1"/>
+          <p:nvPr/>
+        </p:nvSpPr>
+        <p:spPr>
+          <a:xfrm>
+            <a:off x="7107245" y="4529607"/>
+            <a:ext cx="2388093" cy="261610"/>
+          </a:xfrm>
+          <a:prstGeom prst="rect">
+            <a:avLst/>
+          </a:prstGeom>
+          <a:noFill/>
+        </p:spPr>
+        <p:txBody>
+          <a:bodyPr wrap="square" rtlCol="0">
+            <a:spAutoFit/>
+          </a:bodyPr>
+          <a:lstStyle/>
+          <a:p>
+            <a:r>
+              <a:rPr lang="en-GB" sz="1100" dirty="0"/>
+              <a:t>Conversion to 128D vector </a:t>
+            </a:r>
+          </a:p>
+        </p:txBody>
+      </p:sp>
     </p:spTree>
     <p:extLst>
       <p:ext uri="{BB962C8B-B14F-4D97-AF65-F5344CB8AC3E}">
-        <p14:creationId xmlns:p14="http://schemas.microsoft.com/office/powerpoint/2010/main" val="1792253396"/>
+        <p14:creationId xmlns:p14="http://schemas.microsoft.com/office/powerpoint/2010/main" val="3871380700"/>
       </p:ext>
     </p:extLst>
   </p:cSld>
@@ -6283,10 +5984,10 @@
       </p:grpSpPr>
       <p:sp>
         <p:nvSpPr>
-          <p:cNvPr id="2" name="Title 1">
-            <a:extLst>
-              <a:ext uri="{FF2B5EF4-FFF2-40B4-BE49-F238E27FC236}">
-                <a16:creationId xmlns:a16="http://schemas.microsoft.com/office/drawing/2014/main" id="{9BB77A77-8385-4A4D-9A3B-C92FF238A061}"/>
+          <p:cNvPr id="7" name="Title 6">
+            <a:extLst>
+              <a:ext uri="{FF2B5EF4-FFF2-40B4-BE49-F238E27FC236}">
+                <a16:creationId xmlns:a16="http://schemas.microsoft.com/office/drawing/2014/main" id="{EBEE7AE1-74B9-4A46-A192-7032F1B508BB}"/>
               </a:ext>
             </a:extLst>
           </p:cNvPr>
@@ -6299,8 +6000,8 @@
         </p:nvSpPr>
         <p:spPr>
           <a:xfrm>
-            <a:off x="838200" y="424872"/>
-            <a:ext cx="10515600" cy="1256579"/>
+            <a:off x="580747" y="116781"/>
+            <a:ext cx="10515600" cy="1325563"/>
           </a:xfrm>
         </p:spPr>
         <p:txBody>
@@ -6310,406 +6011,88 @@
             <a:pPr algn="ctr"/>
             <a:r>
               <a:rPr lang="en-GB" dirty="0"/>
-              <a:t>Feature Matching</a:t>
-            </a:r>
-          </a:p>
-        </p:txBody>
-      </p:sp>
-      <p:graphicFrame>
-        <p:nvGraphicFramePr>
-          <p:cNvPr id="7" name="Table 7">
-            <a:extLst>
-              <a:ext uri="{FF2B5EF4-FFF2-40B4-BE49-F238E27FC236}">
-                <a16:creationId xmlns:a16="http://schemas.microsoft.com/office/drawing/2014/main" id="{02CD35B7-4910-4F21-93E0-08CB07AC4E96}"/>
-              </a:ext>
-            </a:extLst>
-          </p:cNvPr>
-          <p:cNvGraphicFramePr>
-            <a:graphicFrameLocks noGrp="1"/>
-          </p:cNvGraphicFramePr>
+              <a:t>Face Recognition</a:t>
+            </a:r>
+          </a:p>
+        </p:txBody>
+      </p:sp>
+      <p:pic>
+        <p:nvPicPr>
+          <p:cNvPr id="9" name="Content Placeholder 4" descr="A picture containing shirt&#10;&#10;Description automatically generated">
+            <a:extLst>
+              <a:ext uri="{FF2B5EF4-FFF2-40B4-BE49-F238E27FC236}">
+                <a16:creationId xmlns:a16="http://schemas.microsoft.com/office/drawing/2014/main" id="{4CB07DE0-AEAC-4D2D-A9D5-619A33A1EE5B}"/>
+              </a:ext>
+            </a:extLst>
+          </p:cNvPr>
+          <p:cNvPicPr>
+            <a:picLocks noGrp="1" noChangeAspect="1"/>
+          </p:cNvPicPr>
           <p:nvPr>
             <p:ph idx="1"/>
-            <p:extLst>
-              <p:ext uri="{D42A27DB-BD31-4B8C-83A1-F6EECF244321}">
-                <p14:modId xmlns:p14="http://schemas.microsoft.com/office/powerpoint/2010/main" val="2050265480"/>
-              </p:ext>
-            </p:extLst>
-          </p:nvPr>
-        </p:nvGraphicFramePr>
-        <p:xfrm>
-          <a:off x="1152237" y="2198255"/>
-          <a:ext cx="3890818" cy="3225758"/>
-        </p:xfrm>
-        <a:graphic>
-          <a:graphicData uri="http://schemas.openxmlformats.org/drawingml/2006/table">
-            <a:tbl>
-              <a:tblPr firstRow="1" bandRow="1">
-                <a:tableStyleId>{5C22544A-7EE6-4342-B048-85BDC9FD1C3A}</a:tableStyleId>
-              </a:tblPr>
-              <a:tblGrid>
-                <a:gridCol w="3890818">
-                  <a:extLst>
-                    <a:ext uri="{9D8B030D-6E8A-4147-A177-3AD203B41FA5}">
-                      <a16:colId xmlns:a16="http://schemas.microsoft.com/office/drawing/2014/main" val="2137704911"/>
-                    </a:ext>
-                  </a:extLst>
-                </a:gridCol>
-              </a:tblGrid>
-              <a:tr h="446508">
-                <a:tc>
-                  <a:txBody>
-                    <a:bodyPr/>
-                    <a:lstStyle/>
-                    <a:p>
-                      <a:pPr algn="ctr"/>
-                      <a:r>
-                        <a:rPr lang="en-GB" dirty="0"/>
-                        <a:t>Query Image</a:t>
-                      </a:r>
-                    </a:p>
-                  </a:txBody>
-                  <a:tcPr/>
-                </a:tc>
-                <a:extLst>
-                  <a:ext uri="{0D108BD9-81ED-4DB2-BD59-A6C34878D82A}">
-                    <a16:rowId xmlns:a16="http://schemas.microsoft.com/office/drawing/2014/main" val="2489061881"/>
-                  </a:ext>
-                </a:extLst>
-              </a:tr>
-              <a:tr h="466080">
-                <a:tc>
-                  <a:txBody>
-                    <a:bodyPr/>
-                    <a:lstStyle/>
-                    <a:p>
-                      <a:pPr algn="ctr"/>
-                      <a:r>
-                        <a:rPr lang="en-GB" dirty="0"/>
-                        <a:t>F</a:t>
-                      </a:r>
-                      <a:r>
-                        <a:rPr lang="en-GB" sz="1100" dirty="0"/>
-                        <a:t>1</a:t>
-                      </a:r>
-                    </a:p>
-                  </a:txBody>
-                  <a:tcPr/>
-                </a:tc>
-                <a:extLst>
-                  <a:ext uri="{0D108BD9-81ED-4DB2-BD59-A6C34878D82A}">
-                    <a16:rowId xmlns:a16="http://schemas.microsoft.com/office/drawing/2014/main" val="2608567958"/>
-                  </a:ext>
-                </a:extLst>
-              </a:tr>
-              <a:tr h="466080">
-                <a:tc>
-                  <a:txBody>
-                    <a:bodyPr/>
-                    <a:lstStyle/>
-                    <a:p>
-                      <a:pPr algn="ctr"/>
-                      <a:r>
-                        <a:rPr lang="en-GB" dirty="0"/>
-                        <a:t>F</a:t>
-                      </a:r>
-                      <a:r>
-                        <a:rPr lang="en-GB" sz="1100" dirty="0"/>
-                        <a:t>2</a:t>
-                      </a:r>
-                      <a:endParaRPr lang="en-GB" dirty="0"/>
-                    </a:p>
-                  </a:txBody>
-                  <a:tcPr/>
-                </a:tc>
-                <a:extLst>
-                  <a:ext uri="{0D108BD9-81ED-4DB2-BD59-A6C34878D82A}">
-                    <a16:rowId xmlns:a16="http://schemas.microsoft.com/office/drawing/2014/main" val="2541579629"/>
-                  </a:ext>
-                </a:extLst>
-              </a:tr>
-              <a:tr h="466080">
-                <a:tc>
-                  <a:txBody>
-                    <a:bodyPr/>
-                    <a:lstStyle/>
-                    <a:p>
-                      <a:pPr algn="ctr"/>
-                      <a:r>
-                        <a:rPr lang="en-GB" dirty="0"/>
-                        <a:t>F</a:t>
-                      </a:r>
-                      <a:r>
-                        <a:rPr lang="en-GB" sz="1100" dirty="0"/>
-                        <a:t>3</a:t>
-                      </a:r>
-                      <a:endParaRPr lang="en-GB" dirty="0"/>
-                    </a:p>
-                  </a:txBody>
-                  <a:tcPr/>
-                </a:tc>
-                <a:extLst>
-                  <a:ext uri="{0D108BD9-81ED-4DB2-BD59-A6C34878D82A}">
-                    <a16:rowId xmlns:a16="http://schemas.microsoft.com/office/drawing/2014/main" val="4039204710"/>
-                  </a:ext>
-                </a:extLst>
-              </a:tr>
-              <a:tr h="610104">
-                <a:tc>
-                  <a:txBody>
-                    <a:bodyPr/>
-                    <a:lstStyle/>
-                    <a:p>
-                      <a:pPr algn="ctr"/>
-                      <a:r>
-                        <a:rPr lang="en-GB" dirty="0"/>
-                        <a:t>:</a:t>
-                      </a:r>
-                    </a:p>
-                    <a:p>
-                      <a:pPr algn="ctr"/>
-                      <a:r>
-                        <a:rPr lang="en-GB" dirty="0"/>
-                        <a:t>:</a:t>
-                      </a:r>
-                    </a:p>
-                  </a:txBody>
-                  <a:tcPr/>
-                </a:tc>
-                <a:extLst>
-                  <a:ext uri="{0D108BD9-81ED-4DB2-BD59-A6C34878D82A}">
-                    <a16:rowId xmlns:a16="http://schemas.microsoft.com/office/drawing/2014/main" val="1001867461"/>
-                  </a:ext>
-                </a:extLst>
-              </a:tr>
-              <a:tr h="740930">
-                <a:tc>
-                  <a:txBody>
-                    <a:bodyPr/>
-                    <a:lstStyle/>
-                    <a:p>
-                      <a:pPr algn="ctr"/>
-                      <a:r>
-                        <a:rPr lang="en-GB" dirty="0"/>
-                        <a:t>F</a:t>
-                      </a:r>
-                      <a:r>
-                        <a:rPr lang="en-GB" sz="1100" dirty="0"/>
-                        <a:t>M</a:t>
-                      </a:r>
-                    </a:p>
-                  </a:txBody>
-                  <a:tcPr/>
-                </a:tc>
-                <a:extLst>
-                  <a:ext uri="{0D108BD9-81ED-4DB2-BD59-A6C34878D82A}">
-                    <a16:rowId xmlns:a16="http://schemas.microsoft.com/office/drawing/2014/main" val="2701024066"/>
-                  </a:ext>
-                </a:extLst>
-              </a:tr>
-            </a:tbl>
-          </a:graphicData>
-        </a:graphic>
-      </p:graphicFrame>
-      <p:graphicFrame>
-        <p:nvGraphicFramePr>
-          <p:cNvPr id="9" name="Table 7">
-            <a:extLst>
-              <a:ext uri="{FF2B5EF4-FFF2-40B4-BE49-F238E27FC236}">
-                <a16:creationId xmlns:a16="http://schemas.microsoft.com/office/drawing/2014/main" id="{12E1B1FE-0208-45BB-A25A-177C2E8C3C32}"/>
-              </a:ext>
-            </a:extLst>
-          </p:cNvPr>
-          <p:cNvGraphicFramePr>
-            <a:graphicFrameLocks/>
-          </p:cNvGraphicFramePr>
-          <p:nvPr>
-            <p:extLst>
-              <p:ext uri="{D42A27DB-BD31-4B8C-83A1-F6EECF244321}">
-                <p14:modId xmlns:p14="http://schemas.microsoft.com/office/powerpoint/2010/main" val="1592289655"/>
-              </p:ext>
-            </p:extLst>
-          </p:nvPr>
-        </p:nvGraphicFramePr>
-        <p:xfrm>
-          <a:off x="7760855" y="2207492"/>
-          <a:ext cx="3890818" cy="3225758"/>
-        </p:xfrm>
-        <a:graphic>
-          <a:graphicData uri="http://schemas.openxmlformats.org/drawingml/2006/table">
-            <a:tbl>
-              <a:tblPr firstRow="1" bandRow="1">
-                <a:tableStyleId>{5C22544A-7EE6-4342-B048-85BDC9FD1C3A}</a:tableStyleId>
-              </a:tblPr>
-              <a:tblGrid>
-                <a:gridCol w="3890818">
-                  <a:extLst>
-                    <a:ext uri="{9D8B030D-6E8A-4147-A177-3AD203B41FA5}">
-                      <a16:colId xmlns:a16="http://schemas.microsoft.com/office/drawing/2014/main" val="2137704911"/>
-                    </a:ext>
-                  </a:extLst>
-                </a:gridCol>
-              </a:tblGrid>
-              <a:tr h="446508">
-                <a:tc>
-                  <a:txBody>
-                    <a:bodyPr/>
-                    <a:lstStyle/>
-                    <a:p>
-                      <a:pPr algn="ctr"/>
-                      <a:r>
-                        <a:rPr lang="en-GB" dirty="0"/>
-                        <a:t>Test Image</a:t>
-                      </a:r>
-                    </a:p>
-                  </a:txBody>
-                  <a:tcPr/>
-                </a:tc>
-                <a:extLst>
-                  <a:ext uri="{0D108BD9-81ED-4DB2-BD59-A6C34878D82A}">
-                    <a16:rowId xmlns:a16="http://schemas.microsoft.com/office/drawing/2014/main" val="2489061881"/>
-                  </a:ext>
-                </a:extLst>
-              </a:tr>
-              <a:tr h="466080">
-                <a:tc>
-                  <a:txBody>
-                    <a:bodyPr/>
-                    <a:lstStyle/>
-                    <a:p>
-                      <a:pPr algn="ctr"/>
-                      <a:r>
-                        <a:rPr lang="en-GB" dirty="0"/>
-                        <a:t>F</a:t>
-                      </a:r>
-                      <a:r>
-                        <a:rPr lang="en-GB" sz="1100" dirty="0"/>
-                        <a:t>1</a:t>
-                      </a:r>
-                    </a:p>
-                  </a:txBody>
-                  <a:tcPr/>
-                </a:tc>
-                <a:extLst>
-                  <a:ext uri="{0D108BD9-81ED-4DB2-BD59-A6C34878D82A}">
-                    <a16:rowId xmlns:a16="http://schemas.microsoft.com/office/drawing/2014/main" val="2608567958"/>
-                  </a:ext>
-                </a:extLst>
-              </a:tr>
-              <a:tr h="466080">
-                <a:tc>
-                  <a:txBody>
-                    <a:bodyPr/>
-                    <a:lstStyle/>
-                    <a:p>
-                      <a:pPr algn="ctr"/>
-                      <a:r>
-                        <a:rPr lang="en-GB" dirty="0"/>
-                        <a:t>F</a:t>
-                      </a:r>
-                      <a:r>
-                        <a:rPr lang="en-GB" sz="1100" dirty="0"/>
-                        <a:t>2</a:t>
-                      </a:r>
-                      <a:endParaRPr lang="en-GB" dirty="0"/>
-                    </a:p>
-                  </a:txBody>
-                  <a:tcPr/>
-                </a:tc>
-                <a:extLst>
-                  <a:ext uri="{0D108BD9-81ED-4DB2-BD59-A6C34878D82A}">
-                    <a16:rowId xmlns:a16="http://schemas.microsoft.com/office/drawing/2014/main" val="2541579629"/>
-                  </a:ext>
-                </a:extLst>
-              </a:tr>
-              <a:tr h="466080">
-                <a:tc>
-                  <a:txBody>
-                    <a:bodyPr/>
-                    <a:lstStyle/>
-                    <a:p>
-                      <a:pPr algn="ctr"/>
-                      <a:r>
-                        <a:rPr lang="en-GB" dirty="0"/>
-                        <a:t>F</a:t>
-                      </a:r>
-                      <a:r>
-                        <a:rPr lang="en-GB" sz="1100" dirty="0"/>
-                        <a:t>3</a:t>
-                      </a:r>
-                      <a:endParaRPr lang="en-GB" dirty="0"/>
-                    </a:p>
-                  </a:txBody>
-                  <a:tcPr/>
-                </a:tc>
-                <a:extLst>
-                  <a:ext uri="{0D108BD9-81ED-4DB2-BD59-A6C34878D82A}">
-                    <a16:rowId xmlns:a16="http://schemas.microsoft.com/office/drawing/2014/main" val="4039204710"/>
-                  </a:ext>
-                </a:extLst>
-              </a:tr>
-              <a:tr h="610104">
-                <a:tc>
-                  <a:txBody>
-                    <a:bodyPr/>
-                    <a:lstStyle/>
-                    <a:p>
-                      <a:pPr algn="ctr"/>
-                      <a:r>
-                        <a:rPr lang="en-GB" dirty="0"/>
-                        <a:t>:</a:t>
-                      </a:r>
-                    </a:p>
-                    <a:p>
-                      <a:pPr algn="ctr"/>
-                      <a:r>
-                        <a:rPr lang="en-GB" dirty="0"/>
-                        <a:t>:</a:t>
-                      </a:r>
-                    </a:p>
-                  </a:txBody>
-                  <a:tcPr/>
-                </a:tc>
-                <a:extLst>
-                  <a:ext uri="{0D108BD9-81ED-4DB2-BD59-A6C34878D82A}">
-                    <a16:rowId xmlns:a16="http://schemas.microsoft.com/office/drawing/2014/main" val="1001867461"/>
-                  </a:ext>
-                </a:extLst>
-              </a:tr>
-              <a:tr h="740930">
-                <a:tc>
-                  <a:txBody>
-                    <a:bodyPr/>
-                    <a:lstStyle/>
-                    <a:p>
-                      <a:pPr algn="ctr"/>
-                      <a:r>
-                        <a:rPr lang="en-GB" dirty="0"/>
-                        <a:t>F</a:t>
-                      </a:r>
-                      <a:r>
-                        <a:rPr lang="en-GB" sz="1100" dirty="0"/>
-                        <a:t>M</a:t>
-                      </a:r>
-                    </a:p>
-                  </a:txBody>
-                  <a:tcPr/>
-                </a:tc>
-                <a:extLst>
-                  <a:ext uri="{0D108BD9-81ED-4DB2-BD59-A6C34878D82A}">
-                    <a16:rowId xmlns:a16="http://schemas.microsoft.com/office/drawing/2014/main" val="2701024066"/>
-                  </a:ext>
-                </a:extLst>
-              </a:tr>
-            </a:tbl>
-          </a:graphicData>
-        </a:graphic>
-      </p:graphicFrame>
+          </p:nvPr>
+        </p:nvPicPr>
+        <p:blipFill>
+          <a:blip r:embed="rId2">
+            <a:extLst>
+              <a:ext uri="{28A0092B-C50C-407E-A947-70E740481C1C}">
+                <a14:useLocalDpi xmlns:a14="http://schemas.microsoft.com/office/drawing/2010/main" val="0"/>
+              </a:ext>
+            </a:extLst>
+          </a:blip>
+          <a:stretch>
+            <a:fillRect/>
+          </a:stretch>
+        </p:blipFill>
+        <p:spPr>
+          <a:xfrm>
+            <a:off x="3652871" y="1548647"/>
+            <a:ext cx="964720" cy="803934"/>
+          </a:xfrm>
+        </p:spPr>
+      </p:pic>
+      <p:pic>
+        <p:nvPicPr>
+          <p:cNvPr id="10" name="Content Placeholder 4" descr="A picture containing shirt&#10;&#10;Description automatically generated">
+            <a:extLst>
+              <a:ext uri="{FF2B5EF4-FFF2-40B4-BE49-F238E27FC236}">
+                <a16:creationId xmlns:a16="http://schemas.microsoft.com/office/drawing/2014/main" id="{0B22390C-520F-4041-8F2F-3F30DD00AB22}"/>
+              </a:ext>
+            </a:extLst>
+          </p:cNvPr>
+          <p:cNvPicPr>
+            <a:picLocks noChangeAspect="1"/>
+          </p:cNvPicPr>
+          <p:nvPr/>
+        </p:nvPicPr>
+        <p:blipFill>
+          <a:blip r:embed="rId2">
+            <a:extLst>
+              <a:ext uri="{28A0092B-C50C-407E-A947-70E740481C1C}">
+                <a14:useLocalDpi xmlns:a14="http://schemas.microsoft.com/office/drawing/2010/main" val="0"/>
+              </a:ext>
+            </a:extLst>
+          </a:blip>
+          <a:stretch>
+            <a:fillRect/>
+          </a:stretch>
+        </p:blipFill>
+        <p:spPr>
+          <a:xfrm>
+            <a:off x="6390430" y="1547395"/>
+            <a:ext cx="964719" cy="803932"/>
+          </a:xfrm>
+          <a:prstGeom prst="rect">
+            <a:avLst/>
+          </a:prstGeom>
+        </p:spPr>
+      </p:pic>
       <p:cxnSp>
         <p:nvCxnSpPr>
-          <p:cNvPr id="11" name="Straight Arrow Connector 10">
-            <a:extLst>
-              <a:ext uri="{FF2B5EF4-FFF2-40B4-BE49-F238E27FC236}">
-                <a16:creationId xmlns:a16="http://schemas.microsoft.com/office/drawing/2014/main" id="{407CC80D-524B-4B43-9711-84A9D06C2B8A}"/>
+          <p:cNvPr id="12" name="Straight Arrow Connector 11">
+            <a:extLst>
+              <a:ext uri="{FF2B5EF4-FFF2-40B4-BE49-F238E27FC236}">
+                <a16:creationId xmlns:a16="http://schemas.microsoft.com/office/drawing/2014/main" id="{79AC1322-D547-45DF-AD61-BE3F9621A840}"/>
               </a:ext>
             </a:extLst>
           </p:cNvPr>
@@ -6718,14 +6101,13 @@
         </p:nvCxnSpPr>
         <p:spPr>
           <a:xfrm>
-            <a:off x="5043055" y="3879273"/>
-            <a:ext cx="2530763" cy="0"/>
+            <a:off x="4085046" y="2439498"/>
+            <a:ext cx="0" cy="410547"/>
           </a:xfrm>
           <a:prstGeom prst="straightConnector1">
             <a:avLst/>
           </a:prstGeom>
           <a:ln>
-            <a:headEnd type="triangle"/>
             <a:tailEnd type="triangle"/>
           </a:ln>
         </p:spPr>
@@ -6744,12 +6126,51 @@
           </a:fontRef>
         </p:style>
       </p:cxnSp>
-      <p:sp>
-        <p:nvSpPr>
-          <p:cNvPr id="12" name="TextBox 11">
-            <a:extLst>
-              <a:ext uri="{FF2B5EF4-FFF2-40B4-BE49-F238E27FC236}">
-                <a16:creationId xmlns:a16="http://schemas.microsoft.com/office/drawing/2014/main" id="{134918BE-0A74-4202-995F-11245987477F}"/>
+      <p:cxnSp>
+        <p:nvCxnSpPr>
+          <p:cNvPr id="13" name="Straight Arrow Connector 12">
+            <a:extLst>
+              <a:ext uri="{FF2B5EF4-FFF2-40B4-BE49-F238E27FC236}">
+                <a16:creationId xmlns:a16="http://schemas.microsoft.com/office/drawing/2014/main" id="{1116C598-EAA7-4BE9-BBF6-4349E7A041CF}"/>
+              </a:ext>
+            </a:extLst>
+          </p:cNvPr>
+          <p:cNvCxnSpPr/>
+          <p:nvPr/>
+        </p:nvCxnSpPr>
+        <p:spPr>
+          <a:xfrm>
+            <a:off x="6872789" y="2439498"/>
+            <a:ext cx="0" cy="410547"/>
+          </a:xfrm>
+          <a:prstGeom prst="straightConnector1">
+            <a:avLst/>
+          </a:prstGeom>
+          <a:ln>
+            <a:tailEnd type="triangle"/>
+          </a:ln>
+        </p:spPr>
+        <p:style>
+          <a:lnRef idx="1">
+            <a:schemeClr val="accent1"/>
+          </a:lnRef>
+          <a:fillRef idx="0">
+            <a:schemeClr val="accent1"/>
+          </a:fillRef>
+          <a:effectRef idx="0">
+            <a:schemeClr val="accent1"/>
+          </a:effectRef>
+          <a:fontRef idx="minor">
+            <a:schemeClr val="tx1"/>
+          </a:fontRef>
+        </p:style>
+      </p:cxnSp>
+      <p:sp>
+        <p:nvSpPr>
+          <p:cNvPr id="15" name="TextBox 14">
+            <a:extLst>
+              <a:ext uri="{FF2B5EF4-FFF2-40B4-BE49-F238E27FC236}">
+                <a16:creationId xmlns:a16="http://schemas.microsoft.com/office/drawing/2014/main" id="{4C110608-83A5-4839-9B93-941300B28EF2}"/>
               </a:ext>
             </a:extLst>
           </p:cNvPr>
@@ -6758,8 +6179,8 @@
         </p:nvSpPr>
         <p:spPr>
           <a:xfrm>
-            <a:off x="5329382" y="3011055"/>
-            <a:ext cx="2244436" cy="923330"/>
+            <a:off x="3059821" y="2887432"/>
+            <a:ext cx="2956261" cy="276999"/>
           </a:xfrm>
           <a:prstGeom prst="rect">
             <a:avLst/>
@@ -6772,10 +6193,421 @@
           </a:bodyPr>
           <a:lstStyle/>
           <a:p>
+            <a:r>
+              <a:rPr lang="en-GB" sz="1200" dirty="0"/>
+              <a:t>128-D Feature descriptors (f) </a:t>
+            </a:r>
+          </a:p>
+        </p:txBody>
+      </p:sp>
+      <p:sp>
+        <p:nvSpPr>
+          <p:cNvPr id="17" name="TextBox 16">
+            <a:extLst>
+              <a:ext uri="{FF2B5EF4-FFF2-40B4-BE49-F238E27FC236}">
+                <a16:creationId xmlns:a16="http://schemas.microsoft.com/office/drawing/2014/main" id="{89ECAEC4-6493-494F-B65A-FD66DA739C2E}"/>
+              </a:ext>
+            </a:extLst>
+          </p:cNvPr>
+          <p:cNvSpPr txBox="1"/>
+          <p:nvPr/>
+        </p:nvSpPr>
+        <p:spPr>
+          <a:xfrm>
+            <a:off x="6096000" y="2872958"/>
+            <a:ext cx="2698793" cy="276999"/>
+          </a:xfrm>
+          <a:prstGeom prst="rect">
+            <a:avLst/>
+          </a:prstGeom>
+          <a:noFill/>
+        </p:spPr>
+        <p:txBody>
+          <a:bodyPr wrap="square" rtlCol="0">
+            <a:spAutoFit/>
+          </a:bodyPr>
+          <a:lstStyle/>
+          <a:p>
+            <a:r>
+              <a:rPr lang="en-GB" sz="1200" dirty="0"/>
+              <a:t>128-D Feature descriptors (g)</a:t>
+            </a:r>
+          </a:p>
+        </p:txBody>
+      </p:sp>
+      <p:cxnSp>
+        <p:nvCxnSpPr>
+          <p:cNvPr id="19" name="Straight Arrow Connector 18">
+            <a:extLst>
+              <a:ext uri="{FF2B5EF4-FFF2-40B4-BE49-F238E27FC236}">
+                <a16:creationId xmlns:a16="http://schemas.microsoft.com/office/drawing/2014/main" id="{22D4B882-5977-4938-99DA-88FB201EE7F4}"/>
+              </a:ext>
+            </a:extLst>
+          </p:cNvPr>
+          <p:cNvCxnSpPr>
+            <a:cxnSpLocks/>
+          </p:cNvCxnSpPr>
+          <p:nvPr/>
+        </p:nvCxnSpPr>
+        <p:spPr>
+          <a:xfrm>
+            <a:off x="4092160" y="3196929"/>
+            <a:ext cx="359992" cy="434038"/>
+          </a:xfrm>
+          <a:prstGeom prst="straightConnector1">
+            <a:avLst/>
+          </a:prstGeom>
+          <a:ln>
+            <a:tailEnd type="triangle"/>
+          </a:ln>
+        </p:spPr>
+        <p:style>
+          <a:lnRef idx="1">
+            <a:schemeClr val="accent1"/>
+          </a:lnRef>
+          <a:fillRef idx="0">
+            <a:schemeClr val="accent1"/>
+          </a:fillRef>
+          <a:effectRef idx="0">
+            <a:schemeClr val="accent1"/>
+          </a:effectRef>
+          <a:fontRef idx="minor">
+            <a:schemeClr val="tx1"/>
+          </a:fontRef>
+        </p:style>
+      </p:cxnSp>
+      <p:cxnSp>
+        <p:nvCxnSpPr>
+          <p:cNvPr id="20" name="Straight Arrow Connector 19">
+            <a:extLst>
+              <a:ext uri="{FF2B5EF4-FFF2-40B4-BE49-F238E27FC236}">
+                <a16:creationId xmlns:a16="http://schemas.microsoft.com/office/drawing/2014/main" id="{9C752C7D-1CB4-4D35-AC2E-CC3778AD46B3}"/>
+              </a:ext>
+            </a:extLst>
+          </p:cNvPr>
+          <p:cNvCxnSpPr>
+            <a:cxnSpLocks/>
+          </p:cNvCxnSpPr>
+          <p:nvPr/>
+        </p:nvCxnSpPr>
+        <p:spPr>
+          <a:xfrm flipH="1">
+            <a:off x="6122620" y="3276370"/>
+            <a:ext cx="535620" cy="354881"/>
+          </a:xfrm>
+          <a:prstGeom prst="straightConnector1">
+            <a:avLst/>
+          </a:prstGeom>
+          <a:ln>
+            <a:tailEnd type="triangle"/>
+          </a:ln>
+        </p:spPr>
+        <p:style>
+          <a:lnRef idx="1">
+            <a:schemeClr val="accent1"/>
+          </a:lnRef>
+          <a:fillRef idx="0">
+            <a:schemeClr val="accent1"/>
+          </a:fillRef>
+          <a:effectRef idx="0">
+            <a:schemeClr val="accent1"/>
+          </a:effectRef>
+          <a:fontRef idx="minor">
+            <a:schemeClr val="tx1"/>
+          </a:fontRef>
+        </p:style>
+      </p:cxnSp>
+      <p:sp>
+        <p:nvSpPr>
+          <p:cNvPr id="28" name="Flowchart: Decision 27">
+            <a:extLst>
+              <a:ext uri="{FF2B5EF4-FFF2-40B4-BE49-F238E27FC236}">
+                <a16:creationId xmlns:a16="http://schemas.microsoft.com/office/drawing/2014/main" id="{F94DB8F3-347D-477C-8B4E-DB08D8FC5E08}"/>
+              </a:ext>
+            </a:extLst>
+          </p:cNvPr>
+          <p:cNvSpPr/>
+          <p:nvPr/>
+        </p:nvSpPr>
+        <p:spPr>
+          <a:xfrm>
+            <a:off x="4057537" y="3630967"/>
+            <a:ext cx="2459698" cy="1325563"/>
+          </a:xfrm>
+          <a:prstGeom prst="flowChartDecision">
+            <a:avLst/>
+          </a:prstGeom>
+        </p:spPr>
+        <p:style>
+          <a:lnRef idx="2">
+            <a:schemeClr val="accent1"/>
+          </a:lnRef>
+          <a:fillRef idx="1">
+            <a:schemeClr val="lt1"/>
+          </a:fillRef>
+          <a:effectRef idx="0">
+            <a:schemeClr val="accent1"/>
+          </a:effectRef>
+          <a:fontRef idx="minor">
+            <a:schemeClr val="dk1"/>
+          </a:fontRef>
+        </p:style>
+        <p:txBody>
+          <a:bodyPr rtlCol="0" anchor="ctr"/>
+          <a:lstStyle/>
+          <a:p>
             <a:pPr algn="ctr"/>
             <a:r>
-              <a:rPr lang="en-GB" dirty="0"/>
-              <a:t>Compute Euclidean distance between vectors</a:t>
+              <a:rPr lang="en-GB" sz="1000" dirty="0" err="1"/>
+              <a:t>compare_faces</a:t>
+            </a:r>
+            <a:r>
+              <a:rPr lang="en-GB" sz="1000" dirty="0"/>
+              <a:t>(f, g)</a:t>
+            </a:r>
+          </a:p>
+        </p:txBody>
+      </p:sp>
+      <p:cxnSp>
+        <p:nvCxnSpPr>
+          <p:cNvPr id="34" name="Straight Arrow Connector 33">
+            <a:extLst>
+              <a:ext uri="{FF2B5EF4-FFF2-40B4-BE49-F238E27FC236}">
+                <a16:creationId xmlns:a16="http://schemas.microsoft.com/office/drawing/2014/main" id="{1F2A6727-8F39-4F00-89F5-A7376F8987CD}"/>
+              </a:ext>
+            </a:extLst>
+          </p:cNvPr>
+          <p:cNvCxnSpPr/>
+          <p:nvPr/>
+        </p:nvCxnSpPr>
+        <p:spPr>
+          <a:xfrm>
+            <a:off x="5282214" y="5033639"/>
+            <a:ext cx="0" cy="541538"/>
+          </a:xfrm>
+          <a:prstGeom prst="straightConnector1">
+            <a:avLst/>
+          </a:prstGeom>
+          <a:ln>
+            <a:tailEnd type="triangle"/>
+          </a:ln>
+        </p:spPr>
+        <p:style>
+          <a:lnRef idx="1">
+            <a:schemeClr val="accent1"/>
+          </a:lnRef>
+          <a:fillRef idx="0">
+            <a:schemeClr val="accent1"/>
+          </a:fillRef>
+          <a:effectRef idx="0">
+            <a:schemeClr val="accent1"/>
+          </a:effectRef>
+          <a:fontRef idx="minor">
+            <a:schemeClr val="tx1"/>
+          </a:fontRef>
+        </p:style>
+      </p:cxnSp>
+      <p:cxnSp>
+        <p:nvCxnSpPr>
+          <p:cNvPr id="35" name="Straight Arrow Connector 34">
+            <a:extLst>
+              <a:ext uri="{FF2B5EF4-FFF2-40B4-BE49-F238E27FC236}">
+                <a16:creationId xmlns:a16="http://schemas.microsoft.com/office/drawing/2014/main" id="{178CC2F6-F98F-4410-8DAC-0049E25AC67B}"/>
+              </a:ext>
+            </a:extLst>
+          </p:cNvPr>
+          <p:cNvCxnSpPr>
+            <a:cxnSpLocks/>
+          </p:cNvCxnSpPr>
+          <p:nvPr/>
+        </p:nvCxnSpPr>
+        <p:spPr>
+          <a:xfrm>
+            <a:off x="6658240" y="4316028"/>
+            <a:ext cx="1491461" cy="0"/>
+          </a:xfrm>
+          <a:prstGeom prst="straightConnector1">
+            <a:avLst/>
+          </a:prstGeom>
+          <a:ln>
+            <a:tailEnd type="triangle"/>
+          </a:ln>
+        </p:spPr>
+        <p:style>
+          <a:lnRef idx="1">
+            <a:schemeClr val="accent1"/>
+          </a:lnRef>
+          <a:fillRef idx="0">
+            <a:schemeClr val="accent1"/>
+          </a:fillRef>
+          <a:effectRef idx="0">
+            <a:schemeClr val="accent1"/>
+          </a:effectRef>
+          <a:fontRef idx="minor">
+            <a:schemeClr val="tx1"/>
+          </a:fontRef>
+        </p:style>
+      </p:cxnSp>
+      <p:sp>
+        <p:nvSpPr>
+          <p:cNvPr id="37" name="TextBox 36">
+            <a:extLst>
+              <a:ext uri="{FF2B5EF4-FFF2-40B4-BE49-F238E27FC236}">
+                <a16:creationId xmlns:a16="http://schemas.microsoft.com/office/drawing/2014/main" id="{7DF3DA13-DE45-4382-B5C0-CB6A8900EB6C}"/>
+              </a:ext>
+            </a:extLst>
+          </p:cNvPr>
+          <p:cNvSpPr txBox="1"/>
+          <p:nvPr/>
+        </p:nvSpPr>
+        <p:spPr>
+          <a:xfrm>
+            <a:off x="5282215" y="5033639"/>
+            <a:ext cx="2084758" cy="246221"/>
+          </a:xfrm>
+          <a:prstGeom prst="rect">
+            <a:avLst/>
+          </a:prstGeom>
+          <a:noFill/>
+        </p:spPr>
+        <p:txBody>
+          <a:bodyPr wrap="square" rtlCol="0">
+            <a:spAutoFit/>
+          </a:bodyPr>
+          <a:lstStyle/>
+          <a:p>
+            <a:r>
+              <a:rPr lang="en-GB" sz="1000" dirty="0"/>
+              <a:t>Euclidean distance &lt; threshold </a:t>
+            </a:r>
+          </a:p>
+        </p:txBody>
+      </p:sp>
+      <p:sp>
+        <p:nvSpPr>
+          <p:cNvPr id="38" name="Flowchart: Process 37">
+            <a:extLst>
+              <a:ext uri="{FF2B5EF4-FFF2-40B4-BE49-F238E27FC236}">
+                <a16:creationId xmlns:a16="http://schemas.microsoft.com/office/drawing/2014/main" id="{2CB7BB3F-5EA4-4FDA-9A5A-F4D1C50C98EB}"/>
+              </a:ext>
+            </a:extLst>
+          </p:cNvPr>
+          <p:cNvSpPr/>
+          <p:nvPr/>
+        </p:nvSpPr>
+        <p:spPr>
+          <a:xfrm>
+            <a:off x="4537951" y="5680228"/>
+            <a:ext cx="1772829" cy="457002"/>
+          </a:xfrm>
+          <a:prstGeom prst="flowChartProcess">
+            <a:avLst/>
+          </a:prstGeom>
+        </p:spPr>
+        <p:style>
+          <a:lnRef idx="2">
+            <a:schemeClr val="dk1"/>
+          </a:lnRef>
+          <a:fillRef idx="1">
+            <a:schemeClr val="lt1"/>
+          </a:fillRef>
+          <a:effectRef idx="0">
+            <a:schemeClr val="dk1"/>
+          </a:effectRef>
+          <a:fontRef idx="minor">
+            <a:schemeClr val="dk1"/>
+          </a:fontRef>
+        </p:style>
+        <p:txBody>
+          <a:bodyPr rtlCol="0" anchor="ctr"/>
+          <a:lstStyle/>
+          <a:p>
+            <a:pPr algn="ctr"/>
+            <a:r>
+              <a:rPr lang="en-GB" sz="1200" dirty="0"/>
+              <a:t>Yes, face is a match </a:t>
+            </a:r>
+          </a:p>
+        </p:txBody>
+      </p:sp>
+      <p:sp>
+        <p:nvSpPr>
+          <p:cNvPr id="40" name="TextBox 39">
+            <a:extLst>
+              <a:ext uri="{FF2B5EF4-FFF2-40B4-BE49-F238E27FC236}">
+                <a16:creationId xmlns:a16="http://schemas.microsoft.com/office/drawing/2014/main" id="{8ACEE935-2A1B-4DA6-9534-26E7E1FDF594}"/>
+              </a:ext>
+            </a:extLst>
+          </p:cNvPr>
+          <p:cNvSpPr txBox="1"/>
+          <p:nvPr/>
+        </p:nvSpPr>
+        <p:spPr>
+          <a:xfrm>
+            <a:off x="6517235" y="4077079"/>
+            <a:ext cx="6094520" cy="246221"/>
+          </a:xfrm>
+          <a:prstGeom prst="rect">
+            <a:avLst/>
+          </a:prstGeom>
+          <a:noFill/>
+        </p:spPr>
+        <p:txBody>
+          <a:bodyPr wrap="square">
+            <a:spAutoFit/>
+          </a:bodyPr>
+          <a:lstStyle/>
+          <a:p>
+            <a:r>
+              <a:rPr lang="en-GB" sz="1000" dirty="0"/>
+              <a:t>Euclidean distance &gt; threshold </a:t>
+            </a:r>
+          </a:p>
+        </p:txBody>
+      </p:sp>
+      <p:sp>
+        <p:nvSpPr>
+          <p:cNvPr id="43" name="Flowchart: Process 42">
+            <a:extLst>
+              <a:ext uri="{FF2B5EF4-FFF2-40B4-BE49-F238E27FC236}">
+                <a16:creationId xmlns:a16="http://schemas.microsoft.com/office/drawing/2014/main" id="{02B85CA0-99A4-4810-A090-76B9D8331E5C}"/>
+              </a:ext>
+            </a:extLst>
+          </p:cNvPr>
+          <p:cNvSpPr/>
+          <p:nvPr/>
+        </p:nvSpPr>
+        <p:spPr>
+          <a:xfrm>
+            <a:off x="8427851" y="4087527"/>
+            <a:ext cx="1772829" cy="457002"/>
+          </a:xfrm>
+          <a:prstGeom prst="flowChartProcess">
+            <a:avLst/>
+          </a:prstGeom>
+        </p:spPr>
+        <p:style>
+          <a:lnRef idx="2">
+            <a:schemeClr val="dk1"/>
+          </a:lnRef>
+          <a:fillRef idx="1">
+            <a:schemeClr val="lt1"/>
+          </a:fillRef>
+          <a:effectRef idx="0">
+            <a:schemeClr val="dk1"/>
+          </a:effectRef>
+          <a:fontRef idx="minor">
+            <a:schemeClr val="dk1"/>
+          </a:fontRef>
+        </p:style>
+        <p:txBody>
+          <a:bodyPr rtlCol="0" anchor="ctr"/>
+          <a:lstStyle/>
+          <a:p>
+            <a:pPr algn="ctr"/>
+            <a:r>
+              <a:rPr lang="en-GB" sz="1200" dirty="0"/>
+              <a:t>No, face is not a match</a:t>
             </a:r>
           </a:p>
         </p:txBody>
@@ -6783,7 +6615,7 @@
     </p:spTree>
     <p:extLst>
       <p:ext uri="{BB962C8B-B14F-4D97-AF65-F5344CB8AC3E}">
-        <p14:creationId xmlns:p14="http://schemas.microsoft.com/office/powerpoint/2010/main" val="1407449428"/>
+        <p14:creationId xmlns:p14="http://schemas.microsoft.com/office/powerpoint/2010/main" val="3625940901"/>
       </p:ext>
     </p:extLst>
   </p:cSld>
@@ -6796,14 +6628,6 @@
 <file path=ppt/slides/slide9.xml><?xml version="1.0" encoding="utf-8"?>
 <p:sld xmlns:a="http://schemas.openxmlformats.org/drawingml/2006/main" xmlns:r="http://schemas.openxmlformats.org/officeDocument/2006/relationships" xmlns:p="http://schemas.openxmlformats.org/presentationml/2006/main">
   <p:cSld>
-    <p:bg>
-      <p:bgPr>
-        <a:solidFill>
-          <a:schemeClr val="bg1"/>
-        </a:solidFill>
-        <a:effectLst/>
-      </p:bgPr>
-    </p:bg>
     <p:spTree>
       <p:nvGrpSpPr>
         <p:cNvPr id="1" name=""/>
@@ -6818,40 +6642,60 @@
           <a:chExt cx="0" cy="0"/>
         </a:xfrm>
       </p:grpSpPr>
-      <p:sp useBgFill="1">
-        <p:nvSpPr>
-          <p:cNvPr id="10" name="Rectangle 9">
-            <a:extLst>
-              <a:ext uri="{FF2B5EF4-FFF2-40B4-BE49-F238E27FC236}">
-                <a16:creationId xmlns:a16="http://schemas.microsoft.com/office/drawing/2014/main" id="{7312B1A7-69A3-4997-B5D5-07FF1FA690E4}"/>
-              </a:ext>
-              <a:ext uri="{C183D7F6-B498-43B3-948B-1728B52AA6E4}">
-                <adec:decorative xmlns:adec="http://schemas.microsoft.com/office/drawing/2017/decorative" val="1"/>
-              </a:ext>
-            </a:extLst>
-          </p:cNvPr>
-          <p:cNvSpPr>
-            <a:spLocks noGrp="1" noRot="1" noChangeAspect="1" noMove="1" noResize="1" noEditPoints="1" noAdjustHandles="1" noChangeArrowheads="1" noChangeShapeType="1" noTextEdit="1"/>
-          </p:cNvSpPr>
-          <p:nvPr>
-            <p:extLst>
-              <p:ext uri="{386F3935-93C4-4BCD-93E2-E3B085C9AB24}">
-                <p16:designElem xmlns:p16="http://schemas.microsoft.com/office/powerpoint/2015/main" val="1"/>
-              </p:ext>
-            </p:extLst>
-          </p:nvPr>
-        </p:nvSpPr>
-        <p:spPr>
-          <a:xfrm>
-            <a:off x="-1" y="0"/>
-            <a:ext cx="12188952" cy="6858000"/>
+      <p:sp>
+        <p:nvSpPr>
+          <p:cNvPr id="2" name="Title 1">
+            <a:extLst>
+              <a:ext uri="{FF2B5EF4-FFF2-40B4-BE49-F238E27FC236}">
+                <a16:creationId xmlns:a16="http://schemas.microsoft.com/office/drawing/2014/main" id="{8F797CF9-D69A-4BB4-9923-97996AF81633}"/>
+              </a:ext>
+            </a:extLst>
+          </p:cNvPr>
+          <p:cNvSpPr>
+            <a:spLocks noGrp="1"/>
+          </p:cNvSpPr>
+          <p:nvPr>
+            <p:ph type="title"/>
+          </p:nvPr>
+        </p:nvSpPr>
+        <p:spPr>
+          <a:xfrm>
+            <a:off x="877078" y="774944"/>
+            <a:ext cx="10476721" cy="915744"/>
+          </a:xfrm>
+        </p:spPr>
+        <p:txBody>
+          <a:bodyPr/>
+          <a:lstStyle/>
+          <a:p>
+            <a:pPr algn="ctr"/>
+            <a:r>
+              <a:rPr lang="en-GB" dirty="0"/>
+              <a:t>Face recognition pipeline</a:t>
+            </a:r>
+          </a:p>
+        </p:txBody>
+      </p:sp>
+      <p:sp>
+        <p:nvSpPr>
+          <p:cNvPr id="8" name="Rectangle 7">
+            <a:extLst>
+              <a:ext uri="{FF2B5EF4-FFF2-40B4-BE49-F238E27FC236}">
+                <a16:creationId xmlns:a16="http://schemas.microsoft.com/office/drawing/2014/main" id="{F795C2E6-BF9D-441B-9350-B5B8ED8C7573}"/>
+              </a:ext>
+            </a:extLst>
+          </p:cNvPr>
+          <p:cNvSpPr/>
+          <p:nvPr/>
+        </p:nvSpPr>
+        <p:spPr>
+          <a:xfrm>
+            <a:off x="785272" y="2402024"/>
+            <a:ext cx="1791050" cy="922849"/>
           </a:xfrm>
           <a:prstGeom prst="rect">
             <a:avLst/>
           </a:prstGeom>
-          <a:ln>
-            <a:noFill/>
-          </a:ln>
         </p:spPr>
         <p:style>
           <a:lnRef idx="2">
@@ -6874,44 +6718,33 @@
           <a:lstStyle/>
           <a:p>
             <a:pPr algn="ctr"/>
-            <a:endParaRPr lang="en-US"/>
-          </a:p>
-        </p:txBody>
-      </p:sp>
-      <p:sp useBgFill="1">
-        <p:nvSpPr>
-          <p:cNvPr id="12" name="Rectangle 11">
-            <a:extLst>
-              <a:ext uri="{FF2B5EF4-FFF2-40B4-BE49-F238E27FC236}">
-                <a16:creationId xmlns:a16="http://schemas.microsoft.com/office/drawing/2014/main" id="{526E0BFB-CDF1-4990-8C11-AC849311E0A8}"/>
-              </a:ext>
-              <a:ext uri="{C183D7F6-B498-43B3-948B-1728B52AA6E4}">
-                <adec:decorative xmlns:adec="http://schemas.microsoft.com/office/drawing/2017/decorative" val="1"/>
-              </a:ext>
-            </a:extLst>
-          </p:cNvPr>
-          <p:cNvSpPr>
-            <a:spLocks noGrp="1" noRot="1" noChangeAspect="1" noMove="1" noResize="1" noEditPoints="1" noAdjustHandles="1" noChangeArrowheads="1" noChangeShapeType="1" noTextEdit="1"/>
-          </p:cNvSpPr>
-          <p:nvPr>
-            <p:extLst>
-              <p:ext uri="{386F3935-93C4-4BCD-93E2-E3B085C9AB24}">
-                <p16:designElem xmlns:p16="http://schemas.microsoft.com/office/powerpoint/2015/main" val="1"/>
-              </p:ext>
-            </p:extLst>
-          </p:nvPr>
-        </p:nvSpPr>
-        <p:spPr>
-          <a:xfrm>
-            <a:off x="0" y="0"/>
-            <a:ext cx="12192000" cy="6858000"/>
+            <a:r>
+              <a:rPr lang="en-GB" dirty="0"/>
+              <a:t>Query Image</a:t>
+            </a:r>
+          </a:p>
+        </p:txBody>
+      </p:sp>
+      <p:sp>
+        <p:nvSpPr>
+          <p:cNvPr id="22" name="Rectangle 21">
+            <a:extLst>
+              <a:ext uri="{FF2B5EF4-FFF2-40B4-BE49-F238E27FC236}">
+                <a16:creationId xmlns:a16="http://schemas.microsoft.com/office/drawing/2014/main" id="{357DB064-808B-4115-835F-34868DE040D7}"/>
+              </a:ext>
+            </a:extLst>
+          </p:cNvPr>
+          <p:cNvSpPr/>
+          <p:nvPr/>
+        </p:nvSpPr>
+        <p:spPr>
+          <a:xfrm>
+            <a:off x="3650955" y="2412526"/>
+            <a:ext cx="1740256" cy="912347"/>
           </a:xfrm>
           <a:prstGeom prst="rect">
             <a:avLst/>
           </a:prstGeom>
-          <a:ln>
-            <a:noFill/>
-          </a:ln>
         </p:spPr>
         <p:style>
           <a:lnRef idx="2">
@@ -6934,106 +6767,74 @@
           <a:lstStyle/>
           <a:p>
             <a:pPr algn="ctr"/>
-            <a:endParaRPr lang="en-US"/>
-          </a:p>
-        </p:txBody>
-      </p:sp>
-      <p:pic>
-        <p:nvPicPr>
-          <p:cNvPr id="5" name="Content Placeholder 4" descr="A screen shot of a computer&#10;&#10;Description automatically generated">
-            <a:extLst>
-              <a:ext uri="{FF2B5EF4-FFF2-40B4-BE49-F238E27FC236}">
-                <a16:creationId xmlns:a16="http://schemas.microsoft.com/office/drawing/2014/main" id="{093B5C44-E31C-44E9-9BBB-0F299A94CEF9}"/>
-              </a:ext>
-            </a:extLst>
-          </p:cNvPr>
-          <p:cNvPicPr>
-            <a:picLocks noGrp="1" noChangeAspect="1"/>
-          </p:cNvPicPr>
-          <p:nvPr>
-            <p:ph idx="1"/>
-          </p:nvPr>
-        </p:nvPicPr>
-        <p:blipFill rotWithShape="1">
-          <a:blip r:embed="rId2">
-            <a:extLst>
-              <a:ext uri="{28A0092B-C50C-407E-A947-70E740481C1C}">
-                <a14:useLocalDpi xmlns:a14="http://schemas.microsoft.com/office/drawing/2010/main" val="0"/>
-              </a:ext>
-            </a:extLst>
-          </a:blip>
-          <a:srcRect t="2711" b="13019"/>
-          <a:stretch/>
-        </p:blipFill>
-        <p:spPr>
-          <a:xfrm>
-            <a:off x="-2" y="10"/>
-            <a:ext cx="12192002" cy="6857990"/>
-          </a:xfrm>
-          <a:prstGeom prst="rect">
+            <a:r>
+              <a:rPr lang="en-GB" dirty="0"/>
+              <a:t>Face detection and Feature extraction</a:t>
+            </a:r>
+          </a:p>
+        </p:txBody>
+      </p:sp>
+      <p:cxnSp>
+        <p:nvCxnSpPr>
+          <p:cNvPr id="5" name="Straight Arrow Connector 4">
+            <a:extLst>
+              <a:ext uri="{FF2B5EF4-FFF2-40B4-BE49-F238E27FC236}">
+                <a16:creationId xmlns:a16="http://schemas.microsoft.com/office/drawing/2014/main" id="{CAEA3E28-8140-472B-A494-9358F1F746E7}"/>
+              </a:ext>
+            </a:extLst>
+          </p:cNvPr>
+          <p:cNvCxnSpPr>
+            <a:cxnSpLocks/>
+          </p:cNvCxnSpPr>
+          <p:nvPr/>
+        </p:nvCxnSpPr>
+        <p:spPr>
+          <a:xfrm flipV="1">
+            <a:off x="2695660" y="2863448"/>
+            <a:ext cx="835956" cy="7103"/>
+          </a:xfrm>
+          <a:prstGeom prst="straightConnector1">
             <a:avLst/>
           </a:prstGeom>
-        </p:spPr>
-      </p:pic>
-      <p:sp>
-        <p:nvSpPr>
-          <p:cNvPr id="14" name="Rectangle 13">
-            <a:extLst>
-              <a:ext uri="{FF2B5EF4-FFF2-40B4-BE49-F238E27FC236}">
-                <a16:creationId xmlns:a16="http://schemas.microsoft.com/office/drawing/2014/main" id="{6069A1F8-9BEB-4786-9694-FC48B2D75D21}"/>
-              </a:ext>
-              <a:ext uri="{C183D7F6-B498-43B3-948B-1728B52AA6E4}">
-                <adec:decorative xmlns:adec="http://schemas.microsoft.com/office/drawing/2017/decorative" val="1"/>
-              </a:ext>
-            </a:extLst>
-          </p:cNvPr>
-          <p:cNvSpPr>
-            <a:spLocks noGrp="1" noRot="1" noChangeAspect="1" noMove="1" noResize="1" noEditPoints="1" noAdjustHandles="1" noChangeArrowheads="1" noChangeShapeType="1" noTextEdit="1"/>
-          </p:cNvSpPr>
-          <p:nvPr>
-            <p:extLst>
-              <p:ext uri="{386F3935-93C4-4BCD-93E2-E3B085C9AB24}">
-                <p16:designElem xmlns:p16="http://schemas.microsoft.com/office/powerpoint/2015/main" val="1"/>
-              </p:ext>
-            </p:extLst>
-          </p:nvPr>
-        </p:nvSpPr>
-        <p:spPr>
-          <a:xfrm flipH="1">
-            <a:off x="2788244" y="0"/>
-            <a:ext cx="9403756" cy="6858000"/>
-          </a:xfrm>
-          <a:prstGeom prst="rect">
+          <a:ln>
+            <a:tailEnd type="triangle"/>
+          </a:ln>
+        </p:spPr>
+        <p:style>
+          <a:lnRef idx="1">
+            <a:schemeClr val="accent1"/>
+          </a:lnRef>
+          <a:fillRef idx="0">
+            <a:schemeClr val="accent1"/>
+          </a:fillRef>
+          <a:effectRef idx="0">
+            <a:schemeClr val="accent1"/>
+          </a:effectRef>
+          <a:fontRef idx="minor">
+            <a:schemeClr val="tx1"/>
+          </a:fontRef>
+        </p:style>
+      </p:cxnSp>
+      <p:sp>
+        <p:nvSpPr>
+          <p:cNvPr id="11" name="Cylinder 10">
+            <a:extLst>
+              <a:ext uri="{FF2B5EF4-FFF2-40B4-BE49-F238E27FC236}">
+                <a16:creationId xmlns:a16="http://schemas.microsoft.com/office/drawing/2014/main" id="{A1054277-94B3-4A1C-AF96-4D7077C40A65}"/>
+              </a:ext>
+            </a:extLst>
+          </p:cNvPr>
+          <p:cNvSpPr/>
+          <p:nvPr/>
+        </p:nvSpPr>
+        <p:spPr>
+          <a:xfrm>
+            <a:off x="662103" y="4701253"/>
+            <a:ext cx="1861584" cy="958519"/>
+          </a:xfrm>
+          <a:prstGeom prst="can">
             <a:avLst/>
           </a:prstGeom>
-          <a:gradFill>
-            <a:gsLst>
-              <a:gs pos="58000">
-                <a:srgbClr val="000000">
-                  <a:alpha val="30000"/>
-                </a:srgbClr>
-              </a:gs>
-              <a:gs pos="30000">
-                <a:srgbClr val="000000">
-                  <a:alpha val="20000"/>
-                </a:srgbClr>
-              </a:gs>
-              <a:gs pos="0">
-                <a:srgbClr val="000000">
-                  <a:alpha val="0"/>
-                </a:srgbClr>
-              </a:gs>
-              <a:gs pos="100000">
-                <a:srgbClr val="000000">
-                  <a:alpha val="30000"/>
-                </a:srgbClr>
-              </a:gs>
-            </a:gsLst>
-            <a:lin ang="10800000" scaled="0"/>
-          </a:gradFill>
-          <a:ln>
-            <a:noFill/>
-          </a:ln>
         </p:spPr>
         <p:style>
           <a:lnRef idx="2">
@@ -7056,105 +6857,74 @@
           <a:lstStyle/>
           <a:p>
             <a:pPr algn="ctr"/>
-            <a:endParaRPr lang="en-US" dirty="0"/>
-          </a:p>
-        </p:txBody>
-      </p:sp>
-      <p:sp>
-        <p:nvSpPr>
-          <p:cNvPr id="2" name="Title 1">
-            <a:extLst>
-              <a:ext uri="{FF2B5EF4-FFF2-40B4-BE49-F238E27FC236}">
-                <a16:creationId xmlns:a16="http://schemas.microsoft.com/office/drawing/2014/main" id="{143171F5-420D-41E6-A1E2-3AF60ADFFD44}"/>
-              </a:ext>
-            </a:extLst>
-          </p:cNvPr>
-          <p:cNvSpPr>
-            <a:spLocks noGrp="1"/>
-          </p:cNvSpPr>
-          <p:nvPr>
-            <p:ph type="title"/>
-          </p:nvPr>
-        </p:nvSpPr>
-        <p:spPr>
-          <a:xfrm>
-            <a:off x="8331200" y="1883664"/>
-            <a:ext cx="3703782" cy="2173685"/>
-          </a:xfrm>
-        </p:spPr>
-        <p:txBody>
-          <a:bodyPr vert="horz" lIns="91440" tIns="45720" rIns="91440" bIns="45720" rtlCol="0" anchor="b">
-            <a:normAutofit fontScale="90000"/>
-          </a:bodyPr>
-          <a:lstStyle/>
-          <a:p>
-            <a:pPr algn="r"/>
-            <a:r>
-              <a:rPr lang="en-US" sz="5200" dirty="0">
-                <a:solidFill>
-                  <a:srgbClr val="FFFFFF"/>
-                </a:solidFill>
-              </a:rPr>
-              <a:t>		 Jumping into some code!</a:t>
-            </a:r>
-          </a:p>
-        </p:txBody>
-      </p:sp>
-      <p:sp>
-        <p:nvSpPr>
-          <p:cNvPr id="16" name="Frame 15">
-            <a:extLst>
-              <a:ext uri="{FF2B5EF4-FFF2-40B4-BE49-F238E27FC236}">
-                <a16:creationId xmlns:a16="http://schemas.microsoft.com/office/drawing/2014/main" id="{768F2337-7E7D-48E1-B5C6-583F7A3455C3}"/>
-              </a:ext>
-              <a:ext uri="{C183D7F6-B498-43B3-948B-1728B52AA6E4}">
-                <adec:decorative xmlns:adec="http://schemas.microsoft.com/office/drawing/2017/decorative" val="1"/>
-              </a:ext>
-            </a:extLst>
-          </p:cNvPr>
-          <p:cNvSpPr>
-            <a:spLocks noGrp="1" noRot="1" noChangeAspect="1" noMove="1" noResize="1" noEditPoints="1" noAdjustHandles="1" noChangeArrowheads="1" noChangeShapeType="1" noTextEdit="1"/>
-          </p:cNvSpPr>
-          <p:nvPr>
-            <p:extLst>
-              <p:ext uri="{386F3935-93C4-4BCD-93E2-E3B085C9AB24}">
-                <p16:designElem xmlns:p16="http://schemas.microsoft.com/office/powerpoint/2015/main" val="1"/>
-              </p:ext>
-            </p:extLst>
-          </p:nvPr>
-        </p:nvSpPr>
-        <p:spPr>
-          <a:xfrm>
-            <a:off x="1294505" y="1883664"/>
-            <a:ext cx="2907792" cy="2615184"/>
-          </a:xfrm>
-          <a:prstGeom prst="frame">
-            <a:avLst>
-              <a:gd name="adj1" fmla="val 8000"/>
-            </a:avLst>
+            <a:r>
+              <a:rPr lang="en-GB" dirty="0"/>
+              <a:t>Database Image</a:t>
+            </a:r>
+          </a:p>
+        </p:txBody>
+      </p:sp>
+      <p:cxnSp>
+        <p:nvCxnSpPr>
+          <p:cNvPr id="13" name="Straight Arrow Connector 12">
+            <a:extLst>
+              <a:ext uri="{FF2B5EF4-FFF2-40B4-BE49-F238E27FC236}">
+                <a16:creationId xmlns:a16="http://schemas.microsoft.com/office/drawing/2014/main" id="{90385067-4EBE-4522-A583-970C6260670F}"/>
+              </a:ext>
+            </a:extLst>
+          </p:cNvPr>
+          <p:cNvCxnSpPr>
+            <a:cxnSpLocks/>
+          </p:cNvCxnSpPr>
+          <p:nvPr/>
+        </p:nvCxnSpPr>
+        <p:spPr>
+          <a:xfrm>
+            <a:off x="2743204" y="5196678"/>
+            <a:ext cx="788412" cy="0"/>
+          </a:xfrm>
+          <a:prstGeom prst="straightConnector1">
+            <a:avLst/>
           </a:prstGeom>
-          <a:solidFill>
-            <a:schemeClr val="accent4"/>
-          </a:solidFill>
-          <a:ln w="12700" cap="flat" cmpd="sng" algn="ctr">
-            <a:noFill/>
-            <a:prstDash val="solid"/>
-            <a:miter lim="800000"/>
+          <a:ln>
+            <a:tailEnd type="triangle"/>
           </a:ln>
-          <a:effectLst/>
-          <a:extLst>
-            <a:ext uri="{91240B29-F687-4F45-9708-019B960494DF}">
-              <a14:hiddenLine xmlns:a14="http://schemas.microsoft.com/office/drawing/2010/main" w="12700" cap="flat" cmpd="sng" algn="ctr">
-                <a:solidFill>
-                  <a:schemeClr val="accent1">
-                    <a:shade val="50000"/>
-                  </a:schemeClr>
-                </a:solidFill>
-                <a:prstDash val="solid"/>
-                <a:miter lim="800000"/>
-              </a14:hiddenLine>
-            </a:ext>
-          </a:extLst>
+        </p:spPr>
+        <p:style>
+          <a:lnRef idx="1">
+            <a:schemeClr val="accent1"/>
+          </a:lnRef>
+          <a:fillRef idx="0">
+            <a:schemeClr val="accent1"/>
+          </a:fillRef>
+          <a:effectRef idx="0">
+            <a:schemeClr val="accent1"/>
+          </a:effectRef>
+          <a:fontRef idx="minor">
+            <a:schemeClr val="tx1"/>
+          </a:fontRef>
+        </p:style>
+      </p:cxnSp>
+      <p:sp>
+        <p:nvSpPr>
+          <p:cNvPr id="16" name="Rectangle 15">
+            <a:extLst>
+              <a:ext uri="{FF2B5EF4-FFF2-40B4-BE49-F238E27FC236}">
+                <a16:creationId xmlns:a16="http://schemas.microsoft.com/office/drawing/2014/main" id="{D9C86BB9-6305-477B-A9A4-B1C9FAF1DDA6}"/>
+              </a:ext>
+            </a:extLst>
+          </p:cNvPr>
+          <p:cNvSpPr/>
+          <p:nvPr/>
+        </p:nvSpPr>
+        <p:spPr>
+          <a:xfrm>
+            <a:off x="3650955" y="4639006"/>
+            <a:ext cx="1740256" cy="884340"/>
+          </a:xfrm>
+          <a:prstGeom prst="rect">
+            <a:avLst/>
+          </a:prstGeom>
         </p:spPr>
         <p:style>
           <a:lnRef idx="2">
@@ -7177,18 +6947,311 @@
           <a:lstStyle/>
           <a:p>
             <a:pPr algn="ctr"/>
-            <a:endParaRPr lang="en-US">
-              <a:solidFill>
-                <a:schemeClr val="tx1"/>
-              </a:solidFill>
-            </a:endParaRPr>
+            <a:r>
+              <a:rPr lang="en-GB" dirty="0"/>
+              <a:t>Face detection and Feature extraction</a:t>
+            </a:r>
+          </a:p>
+        </p:txBody>
+      </p:sp>
+      <p:cxnSp>
+        <p:nvCxnSpPr>
+          <p:cNvPr id="21" name="Straight Connector 20">
+            <a:extLst>
+              <a:ext uri="{FF2B5EF4-FFF2-40B4-BE49-F238E27FC236}">
+                <a16:creationId xmlns:a16="http://schemas.microsoft.com/office/drawing/2014/main" id="{C999288D-31D7-4094-9DDC-9E7BE7F80580}"/>
+              </a:ext>
+            </a:extLst>
+          </p:cNvPr>
+          <p:cNvCxnSpPr>
+            <a:cxnSpLocks/>
+          </p:cNvCxnSpPr>
+          <p:nvPr/>
+        </p:nvCxnSpPr>
+        <p:spPr>
+          <a:xfrm>
+            <a:off x="5691649" y="2830294"/>
+            <a:ext cx="718387" cy="0"/>
+          </a:xfrm>
+          <a:prstGeom prst="line">
+            <a:avLst/>
+          </a:prstGeom>
+        </p:spPr>
+        <p:style>
+          <a:lnRef idx="1">
+            <a:schemeClr val="accent1"/>
+          </a:lnRef>
+          <a:fillRef idx="0">
+            <a:schemeClr val="accent1"/>
+          </a:fillRef>
+          <a:effectRef idx="0">
+            <a:schemeClr val="accent1"/>
+          </a:effectRef>
+          <a:fontRef idx="minor">
+            <a:schemeClr val="tx1"/>
+          </a:fontRef>
+        </p:style>
+      </p:cxnSp>
+      <p:cxnSp>
+        <p:nvCxnSpPr>
+          <p:cNvPr id="24" name="Straight Connector 23">
+            <a:extLst>
+              <a:ext uri="{FF2B5EF4-FFF2-40B4-BE49-F238E27FC236}">
+                <a16:creationId xmlns:a16="http://schemas.microsoft.com/office/drawing/2014/main" id="{6C81A3CB-1949-4239-9563-68DA83A3BA52}"/>
+              </a:ext>
+            </a:extLst>
+          </p:cNvPr>
+          <p:cNvCxnSpPr>
+            <a:cxnSpLocks/>
+          </p:cNvCxnSpPr>
+          <p:nvPr/>
+        </p:nvCxnSpPr>
+        <p:spPr>
+          <a:xfrm>
+            <a:off x="6401695" y="2843864"/>
+            <a:ext cx="0" cy="2366384"/>
+          </a:xfrm>
+          <a:prstGeom prst="line">
+            <a:avLst/>
+          </a:prstGeom>
+        </p:spPr>
+        <p:style>
+          <a:lnRef idx="1">
+            <a:schemeClr val="accent1"/>
+          </a:lnRef>
+          <a:fillRef idx="0">
+            <a:schemeClr val="accent1"/>
+          </a:fillRef>
+          <a:effectRef idx="0">
+            <a:schemeClr val="accent1"/>
+          </a:effectRef>
+          <a:fontRef idx="minor">
+            <a:schemeClr val="tx1"/>
+          </a:fontRef>
+        </p:style>
+      </p:cxnSp>
+      <p:cxnSp>
+        <p:nvCxnSpPr>
+          <p:cNvPr id="26" name="Straight Connector 25">
+            <a:extLst>
+              <a:ext uri="{FF2B5EF4-FFF2-40B4-BE49-F238E27FC236}">
+                <a16:creationId xmlns:a16="http://schemas.microsoft.com/office/drawing/2014/main" id="{053B1F99-BF1C-4B26-8710-978CB52EB995}"/>
+              </a:ext>
+            </a:extLst>
+          </p:cNvPr>
+          <p:cNvCxnSpPr>
+            <a:cxnSpLocks/>
+          </p:cNvCxnSpPr>
+          <p:nvPr/>
+        </p:nvCxnSpPr>
+        <p:spPr>
+          <a:xfrm flipH="1">
+            <a:off x="5691649" y="5196678"/>
+            <a:ext cx="710046" cy="0"/>
+          </a:xfrm>
+          <a:prstGeom prst="line">
+            <a:avLst/>
+          </a:prstGeom>
+        </p:spPr>
+        <p:style>
+          <a:lnRef idx="1">
+            <a:schemeClr val="accent1"/>
+          </a:lnRef>
+          <a:fillRef idx="0">
+            <a:schemeClr val="accent1"/>
+          </a:fillRef>
+          <a:effectRef idx="0">
+            <a:schemeClr val="accent1"/>
+          </a:effectRef>
+          <a:fontRef idx="minor">
+            <a:schemeClr val="tx1"/>
+          </a:fontRef>
+        </p:style>
+      </p:cxnSp>
+      <p:cxnSp>
+        <p:nvCxnSpPr>
+          <p:cNvPr id="28" name="Straight Arrow Connector 27">
+            <a:extLst>
+              <a:ext uri="{FF2B5EF4-FFF2-40B4-BE49-F238E27FC236}">
+                <a16:creationId xmlns:a16="http://schemas.microsoft.com/office/drawing/2014/main" id="{806C499E-48B3-40D2-A9A6-4FE177065EF8}"/>
+              </a:ext>
+            </a:extLst>
+          </p:cNvPr>
+          <p:cNvCxnSpPr>
+            <a:cxnSpLocks/>
+          </p:cNvCxnSpPr>
+          <p:nvPr/>
+        </p:nvCxnSpPr>
+        <p:spPr>
+          <a:xfrm>
+            <a:off x="6538768" y="4119420"/>
+            <a:ext cx="730250" cy="0"/>
+          </a:xfrm>
+          <a:prstGeom prst="straightConnector1">
+            <a:avLst/>
+          </a:prstGeom>
+          <a:ln>
+            <a:tailEnd type="triangle"/>
+          </a:ln>
+        </p:spPr>
+        <p:style>
+          <a:lnRef idx="1">
+            <a:schemeClr val="accent1"/>
+          </a:lnRef>
+          <a:fillRef idx="0">
+            <a:schemeClr val="accent1"/>
+          </a:fillRef>
+          <a:effectRef idx="0">
+            <a:schemeClr val="accent1"/>
+          </a:effectRef>
+          <a:fontRef idx="minor">
+            <a:schemeClr val="tx1"/>
+          </a:fontRef>
+        </p:style>
+      </p:cxnSp>
+      <p:sp>
+        <p:nvSpPr>
+          <p:cNvPr id="30" name="Rectangle 29">
+            <a:extLst>
+              <a:ext uri="{FF2B5EF4-FFF2-40B4-BE49-F238E27FC236}">
+                <a16:creationId xmlns:a16="http://schemas.microsoft.com/office/drawing/2014/main" id="{0CC55565-4DE1-4444-B857-EC03A6CB058E}"/>
+              </a:ext>
+            </a:extLst>
+          </p:cNvPr>
+          <p:cNvSpPr/>
+          <p:nvPr/>
+        </p:nvSpPr>
+        <p:spPr>
+          <a:xfrm>
+            <a:off x="7616233" y="2661219"/>
+            <a:ext cx="1607126" cy="2862127"/>
+          </a:xfrm>
+          <a:prstGeom prst="rect">
+            <a:avLst/>
+          </a:prstGeom>
+        </p:spPr>
+        <p:style>
+          <a:lnRef idx="2">
+            <a:schemeClr val="accent1">
+              <a:shade val="50000"/>
+            </a:schemeClr>
+          </a:lnRef>
+          <a:fillRef idx="1">
+            <a:schemeClr val="accent1"/>
+          </a:fillRef>
+          <a:effectRef idx="0">
+            <a:schemeClr val="accent1"/>
+          </a:effectRef>
+          <a:fontRef idx="minor">
+            <a:schemeClr val="lt1"/>
+          </a:fontRef>
+        </p:style>
+        <p:txBody>
+          <a:bodyPr rtlCol="0" anchor="ctr"/>
+          <a:lstStyle/>
+          <a:p>
+            <a:pPr algn="ctr"/>
+            <a:r>
+              <a:rPr lang="en-GB" dirty="0"/>
+              <a:t>Comparison between feature vectors</a:t>
+            </a:r>
+          </a:p>
+        </p:txBody>
+      </p:sp>
+      <p:cxnSp>
+        <p:nvCxnSpPr>
+          <p:cNvPr id="38" name="Straight Arrow Connector 37">
+            <a:extLst>
+              <a:ext uri="{FF2B5EF4-FFF2-40B4-BE49-F238E27FC236}">
+                <a16:creationId xmlns:a16="http://schemas.microsoft.com/office/drawing/2014/main" id="{3AA44DED-DA5F-4BD0-BCE8-D1CA2A63DA1C}"/>
+              </a:ext>
+            </a:extLst>
+          </p:cNvPr>
+          <p:cNvCxnSpPr>
+            <a:cxnSpLocks/>
+          </p:cNvCxnSpPr>
+          <p:nvPr/>
+        </p:nvCxnSpPr>
+        <p:spPr>
+          <a:xfrm>
+            <a:off x="9351240" y="4124040"/>
+            <a:ext cx="730250" cy="0"/>
+          </a:xfrm>
+          <a:prstGeom prst="straightConnector1">
+            <a:avLst/>
+          </a:prstGeom>
+          <a:ln>
+            <a:tailEnd type="triangle"/>
+          </a:ln>
+        </p:spPr>
+        <p:style>
+          <a:lnRef idx="1">
+            <a:schemeClr val="accent1"/>
+          </a:lnRef>
+          <a:fillRef idx="0">
+            <a:schemeClr val="accent1"/>
+          </a:fillRef>
+          <a:effectRef idx="0">
+            <a:schemeClr val="accent1"/>
+          </a:effectRef>
+          <a:fontRef idx="minor">
+            <a:schemeClr val="tx1"/>
+          </a:fontRef>
+        </p:style>
+      </p:cxnSp>
+      <p:sp>
+        <p:nvSpPr>
+          <p:cNvPr id="41" name="Rectangle 40">
+            <a:extLst>
+              <a:ext uri="{FF2B5EF4-FFF2-40B4-BE49-F238E27FC236}">
+                <a16:creationId xmlns:a16="http://schemas.microsoft.com/office/drawing/2014/main" id="{753D802F-4790-49FA-B713-8E4411C0A85C}"/>
+              </a:ext>
+            </a:extLst>
+          </p:cNvPr>
+          <p:cNvSpPr/>
+          <p:nvPr/>
+        </p:nvSpPr>
+        <p:spPr>
+          <a:xfrm>
+            <a:off x="10215418" y="3676073"/>
+            <a:ext cx="1607127" cy="895916"/>
+          </a:xfrm>
+          <a:prstGeom prst="rect">
+            <a:avLst/>
+          </a:prstGeom>
+        </p:spPr>
+        <p:style>
+          <a:lnRef idx="2">
+            <a:schemeClr val="accent1">
+              <a:shade val="50000"/>
+            </a:schemeClr>
+          </a:lnRef>
+          <a:fillRef idx="1">
+            <a:schemeClr val="accent1"/>
+          </a:fillRef>
+          <a:effectRef idx="0">
+            <a:schemeClr val="accent1"/>
+          </a:effectRef>
+          <a:fontRef idx="minor">
+            <a:schemeClr val="lt1"/>
+          </a:fontRef>
+        </p:style>
+        <p:txBody>
+          <a:bodyPr rtlCol="0" anchor="ctr"/>
+          <a:lstStyle/>
+          <a:p>
+            <a:pPr algn="ctr"/>
+            <a:r>
+              <a:rPr lang="en-GB" dirty="0"/>
+              <a:t>Output</a:t>
+            </a:r>
           </a:p>
         </p:txBody>
       </p:sp>
     </p:spTree>
     <p:extLst>
       <p:ext uri="{BB962C8B-B14F-4D97-AF65-F5344CB8AC3E}">
-        <p14:creationId xmlns:p14="http://schemas.microsoft.com/office/powerpoint/2010/main" val="1793082085"/>
+        <p14:creationId xmlns:p14="http://schemas.microsoft.com/office/powerpoint/2010/main" val="2468058440"/>
       </p:ext>
     </p:extLst>
   </p:cSld>

--- a/presentation/temi_slide.pptx
+++ b/presentation/temi_slide.pptx
@@ -270,7 +270,7 @@
           <a:p>
             <a:fld id="{1278ACF4-21FA-4A73-8CB7-C20A3418D8DE}" type="datetimeFigureOut">
               <a:rPr lang="en-GB" smtClean="0"/>
-              <a:t>15/08/2020</a:t>
+              <a:t>16/08/2020</a:t>
             </a:fld>
             <a:endParaRPr lang="en-GB"/>
           </a:p>
@@ -470,7 +470,7 @@
           <a:p>
             <a:fld id="{1278ACF4-21FA-4A73-8CB7-C20A3418D8DE}" type="datetimeFigureOut">
               <a:rPr lang="en-GB" smtClean="0"/>
-              <a:t>15/08/2020</a:t>
+              <a:t>16/08/2020</a:t>
             </a:fld>
             <a:endParaRPr lang="en-GB"/>
           </a:p>
@@ -680,7 +680,7 @@
           <a:p>
             <a:fld id="{1278ACF4-21FA-4A73-8CB7-C20A3418D8DE}" type="datetimeFigureOut">
               <a:rPr lang="en-GB" smtClean="0"/>
-              <a:t>15/08/2020</a:t>
+              <a:t>16/08/2020</a:t>
             </a:fld>
             <a:endParaRPr lang="en-GB"/>
           </a:p>
@@ -880,7 +880,7 @@
           <a:p>
             <a:fld id="{1278ACF4-21FA-4A73-8CB7-C20A3418D8DE}" type="datetimeFigureOut">
               <a:rPr lang="en-GB" smtClean="0"/>
-              <a:t>15/08/2020</a:t>
+              <a:t>16/08/2020</a:t>
             </a:fld>
             <a:endParaRPr lang="en-GB"/>
           </a:p>
@@ -1156,7 +1156,7 @@
           <a:p>
             <a:fld id="{1278ACF4-21FA-4A73-8CB7-C20A3418D8DE}" type="datetimeFigureOut">
               <a:rPr lang="en-GB" smtClean="0"/>
-              <a:t>15/08/2020</a:t>
+              <a:t>16/08/2020</a:t>
             </a:fld>
             <a:endParaRPr lang="en-GB"/>
           </a:p>
@@ -1424,7 +1424,7 @@
           <a:p>
             <a:fld id="{1278ACF4-21FA-4A73-8CB7-C20A3418D8DE}" type="datetimeFigureOut">
               <a:rPr lang="en-GB" smtClean="0"/>
-              <a:t>15/08/2020</a:t>
+              <a:t>16/08/2020</a:t>
             </a:fld>
             <a:endParaRPr lang="en-GB"/>
           </a:p>
@@ -1839,7 +1839,7 @@
           <a:p>
             <a:fld id="{1278ACF4-21FA-4A73-8CB7-C20A3418D8DE}" type="datetimeFigureOut">
               <a:rPr lang="en-GB" smtClean="0"/>
-              <a:t>15/08/2020</a:t>
+              <a:t>16/08/2020</a:t>
             </a:fld>
             <a:endParaRPr lang="en-GB"/>
           </a:p>
@@ -1981,7 +1981,7 @@
           <a:p>
             <a:fld id="{1278ACF4-21FA-4A73-8CB7-C20A3418D8DE}" type="datetimeFigureOut">
               <a:rPr lang="en-GB" smtClean="0"/>
-              <a:t>15/08/2020</a:t>
+              <a:t>16/08/2020</a:t>
             </a:fld>
             <a:endParaRPr lang="en-GB"/>
           </a:p>
@@ -2094,7 +2094,7 @@
           <a:p>
             <a:fld id="{1278ACF4-21FA-4A73-8CB7-C20A3418D8DE}" type="datetimeFigureOut">
               <a:rPr lang="en-GB" smtClean="0"/>
-              <a:t>15/08/2020</a:t>
+              <a:t>16/08/2020</a:t>
             </a:fld>
             <a:endParaRPr lang="en-GB"/>
           </a:p>
@@ -2407,7 +2407,7 @@
           <a:p>
             <a:fld id="{1278ACF4-21FA-4A73-8CB7-C20A3418D8DE}" type="datetimeFigureOut">
               <a:rPr lang="en-GB" smtClean="0"/>
-              <a:t>15/08/2020</a:t>
+              <a:t>16/08/2020</a:t>
             </a:fld>
             <a:endParaRPr lang="en-GB"/>
           </a:p>
@@ -2696,7 +2696,7 @@
           <a:p>
             <a:fld id="{1278ACF4-21FA-4A73-8CB7-C20A3418D8DE}" type="datetimeFigureOut">
               <a:rPr lang="en-GB" smtClean="0"/>
-              <a:t>15/08/2020</a:t>
+              <a:t>16/08/2020</a:t>
             </a:fld>
             <a:endParaRPr lang="en-GB"/>
           </a:p>
@@ -2939,7 +2939,7 @@
           <a:p>
             <a:fld id="{1278ACF4-21FA-4A73-8CB7-C20A3418D8DE}" type="datetimeFigureOut">
               <a:rPr lang="en-GB" smtClean="0"/>
-              <a:t>15/08/2020</a:t>
+              <a:t>16/08/2020</a:t>
             </a:fld>
             <a:endParaRPr lang="en-GB"/>
           </a:p>
@@ -3776,7 +3776,7 @@
               <a:buChar char="ü"/>
             </a:pPr>
             <a:r>
-              <a:rPr lang="en-GB" sz="1700"/>
+              <a:rPr lang="en-GB" sz="1700" dirty="0"/>
               <a:t> BEng Engineering, University of Liverpool, UK</a:t>
             </a:r>
           </a:p>
@@ -3786,8 +3786,16 @@
               <a:buChar char="ü"/>
             </a:pPr>
             <a:r>
-              <a:rPr lang="en-GB" sz="1700"/>
-              <a:t>PhD Engineering, Liverpool John Moores University (LJMU), UK</a:t>
+              <a:rPr lang="en-GB" sz="1700" dirty="0"/>
+              <a:t>PhD Engineering, Liverpool John </a:t>
+            </a:r>
+            <a:r>
+              <a:rPr lang="en-GB" sz="1700" dirty="0" err="1"/>
+              <a:t>Moores</a:t>
+            </a:r>
+            <a:r>
+              <a:rPr lang="en-GB" sz="1700" dirty="0"/>
+              <a:t> University (LJMU), UK</a:t>
             </a:r>
           </a:p>
           <a:p>
@@ -3796,8 +3804,8 @@
               <a:buChar char="ü"/>
             </a:pPr>
             <a:r>
-              <a:rPr lang="en-GB" sz="1700"/>
-              <a:t>Computer vision /AI Researcher LJMU, UK</a:t>
+              <a:rPr lang="en-GB" sz="1700" dirty="0"/>
+              <a:t>Computer vision /AI Engineer LJMU, UK</a:t>
             </a:r>
           </a:p>
         </p:txBody>
@@ -5005,12 +5013,62 @@
           </a:p>
         </p:txBody>
       </p:sp>
+      <p:sp>
+        <p:nvSpPr>
+          <p:cNvPr id="3" name="Content Placeholder 2">
+            <a:extLst>
+              <a:ext uri="{FF2B5EF4-FFF2-40B4-BE49-F238E27FC236}">
+                <a16:creationId xmlns:a16="http://schemas.microsoft.com/office/drawing/2014/main" id="{65CD86B9-7352-4429-8C85-938FB3A7DF06}"/>
+              </a:ext>
+            </a:extLst>
+          </p:cNvPr>
+          <p:cNvSpPr>
+            <a:spLocks noGrp="1"/>
+          </p:cNvSpPr>
+          <p:nvPr>
+            <p:ph idx="1"/>
+          </p:nvPr>
+        </p:nvSpPr>
+        <p:spPr>
+          <a:xfrm>
+            <a:off x="8045753" y="2438401"/>
+            <a:ext cx="3667036" cy="3779520"/>
+          </a:xfrm>
+        </p:spPr>
+        <p:txBody>
+          <a:bodyPr>
+            <a:normAutofit/>
+          </a:bodyPr>
+          <a:lstStyle/>
+          <a:p>
+            <a:r>
+              <a:rPr lang="en-GB" sz="1800"/>
+              <a:t>Machines see and process everything using numbers, including images and text. </a:t>
+            </a:r>
+          </a:p>
+          <a:p>
+            <a:r>
+              <a:rPr lang="en-GB" sz="1800"/>
+              <a:t>Conversion from images to numbers can be done using pixel values.</a:t>
+            </a:r>
+          </a:p>
+          <a:p>
+            <a:r>
+              <a:rPr lang="en-GB" sz="1800"/>
+              <a:t>Every number represents the pixel intensity at that location.</a:t>
+            </a:r>
+          </a:p>
+          <a:p>
+            <a:endParaRPr lang="en-GB" sz="1800" dirty="0"/>
+          </a:p>
+        </p:txBody>
+      </p:sp>
       <p:pic>
         <p:nvPicPr>
-          <p:cNvPr id="7" name="Picture 6" descr="A close up of a dog&#10;&#10;Description automatically generated">
-            <a:extLst>
-              <a:ext uri="{FF2B5EF4-FFF2-40B4-BE49-F238E27FC236}">
-                <a16:creationId xmlns:a16="http://schemas.microsoft.com/office/drawing/2014/main" id="{1EB9F7CB-3C5B-468B-9DFA-8F8A25E37964}"/>
+          <p:cNvPr id="5" name="Picture 4">
+            <a:extLst>
+              <a:ext uri="{FF2B5EF4-FFF2-40B4-BE49-F238E27FC236}">
+                <a16:creationId xmlns:a16="http://schemas.microsoft.com/office/drawing/2014/main" id="{7BDF3ADB-8A1F-423A-A7BE-697058142D84}"/>
               </a:ext>
             </a:extLst>
           </p:cNvPr>
@@ -5033,65 +5091,14 @@
         </p:blipFill>
         <p:spPr>
           <a:xfrm>
-            <a:off x="744142" y="1874931"/>
-            <a:ext cx="6064660" cy="3108137"/>
+            <a:off x="1152199" y="804727"/>
+            <a:ext cx="5248546" cy="5248546"/>
           </a:xfrm>
           <a:prstGeom prst="rect">
             <a:avLst/>
           </a:prstGeom>
-          <a:effectLst/>
         </p:spPr>
       </p:pic>
-      <p:sp>
-        <p:nvSpPr>
-          <p:cNvPr id="3" name="Content Placeholder 2">
-            <a:extLst>
-              <a:ext uri="{FF2B5EF4-FFF2-40B4-BE49-F238E27FC236}">
-                <a16:creationId xmlns:a16="http://schemas.microsoft.com/office/drawing/2014/main" id="{65CD86B9-7352-4429-8C85-938FB3A7DF06}"/>
-              </a:ext>
-            </a:extLst>
-          </p:cNvPr>
-          <p:cNvSpPr>
-            <a:spLocks noGrp="1"/>
-          </p:cNvSpPr>
-          <p:nvPr>
-            <p:ph idx="1"/>
-          </p:nvPr>
-        </p:nvSpPr>
-        <p:spPr>
-          <a:xfrm>
-            <a:off x="8045753" y="2438401"/>
-            <a:ext cx="3667036" cy="3779520"/>
-          </a:xfrm>
-        </p:spPr>
-        <p:txBody>
-          <a:bodyPr>
-            <a:normAutofit/>
-          </a:bodyPr>
-          <a:lstStyle/>
-          <a:p>
-            <a:r>
-              <a:rPr lang="en-GB" sz="1800"/>
-              <a:t>Machines see and process everything using numbers, including images and text. </a:t>
-            </a:r>
-          </a:p>
-          <a:p>
-            <a:r>
-              <a:rPr lang="en-GB" sz="1800"/>
-              <a:t>Conversion from images to numbers can be done using pixel values.</a:t>
-            </a:r>
-          </a:p>
-          <a:p>
-            <a:r>
-              <a:rPr lang="en-GB" sz="1800"/>
-              <a:t>Every number represents the pixel intensity at that location.</a:t>
-            </a:r>
-          </a:p>
-          <a:p>
-            <a:endParaRPr lang="en-GB" sz="1800" dirty="0"/>
-          </a:p>
-        </p:txBody>
-      </p:sp>
     </p:spTree>
     <p:extLst>
       <p:ext uri="{BB962C8B-B14F-4D97-AF65-F5344CB8AC3E}">
